--- a/files/Refactoring_Assistants.pptx
+++ b/files/Refactoring_Assistants.pptx
@@ -5,7 +5,7 @@
     <p:sldMasterId id="2147483648" r:id="rId1"/>
   </p:sldMasterIdLst>
   <p:notesMasterIdLst>
-    <p:notesMasterId r:id="rId29"/>
+    <p:notesMasterId r:id="rId30"/>
   </p:notesMasterIdLst>
   <p:sldIdLst>
     <p:sldId id="256" r:id="rId2"/>
@@ -19,22 +19,23 @@
     <p:sldId id="264" r:id="rId10"/>
     <p:sldId id="265" r:id="rId11"/>
     <p:sldId id="266" r:id="rId12"/>
-    <p:sldId id="267" r:id="rId13"/>
-    <p:sldId id="313" r:id="rId14"/>
-    <p:sldId id="314" r:id="rId15"/>
-    <p:sldId id="315" r:id="rId16"/>
-    <p:sldId id="316" r:id="rId17"/>
-    <p:sldId id="317" r:id="rId18"/>
-    <p:sldId id="318" r:id="rId19"/>
-    <p:sldId id="320" r:id="rId20"/>
-    <p:sldId id="322" r:id="rId21"/>
-    <p:sldId id="323" r:id="rId22"/>
-    <p:sldId id="324" r:id="rId23"/>
-    <p:sldId id="325" r:id="rId24"/>
-    <p:sldId id="326" r:id="rId25"/>
-    <p:sldId id="327" r:id="rId26"/>
-    <p:sldId id="328" r:id="rId27"/>
-    <p:sldId id="329" r:id="rId28"/>
+    <p:sldId id="330" r:id="rId13"/>
+    <p:sldId id="267" r:id="rId14"/>
+    <p:sldId id="313" r:id="rId15"/>
+    <p:sldId id="314" r:id="rId16"/>
+    <p:sldId id="315" r:id="rId17"/>
+    <p:sldId id="316" r:id="rId18"/>
+    <p:sldId id="317" r:id="rId19"/>
+    <p:sldId id="318" r:id="rId20"/>
+    <p:sldId id="320" r:id="rId21"/>
+    <p:sldId id="322" r:id="rId22"/>
+    <p:sldId id="323" r:id="rId23"/>
+    <p:sldId id="324" r:id="rId24"/>
+    <p:sldId id="325" r:id="rId25"/>
+    <p:sldId id="326" r:id="rId26"/>
+    <p:sldId id="327" r:id="rId27"/>
+    <p:sldId id="328" r:id="rId28"/>
+    <p:sldId id="329" r:id="rId29"/>
   </p:sldIdLst>
   <p:sldSz cx="12192000" cy="6858000"/>
   <p:notesSz cx="6858000" cy="9144000"/>
@@ -223,7 +224,7 @@
           <a:p>
             <a:fld id="{8781C954-D0AD-F144-A4A1-19676886158A}" type="datetimeFigureOut">
               <a:rPr lang="en-BE" smtClean="0"/>
-              <a:t>12/09/2022</a:t>
+              <a:t>05/09/2025</a:t>
             </a:fld>
             <a:endParaRPr lang="en-BE"/>
           </a:p>
@@ -728,7 +729,7 @@
           <a:p>
             <a:fld id="{C4D3082F-6C3D-5244-8796-9794F72F4186}" type="slidenum">
               <a:rPr lang="en-BE" smtClean="0"/>
-              <a:t>19</a:t>
+              <a:t>20</a:t>
             </a:fld>
             <a:endParaRPr lang="en-BE"/>
           </a:p>
@@ -832,7 +833,7 @@
           <a:p>
             <a:fld id="{C4D3082F-6C3D-5244-8796-9794F72F4186}" type="slidenum">
               <a:rPr lang="en-BE" smtClean="0"/>
-              <a:t>20</a:t>
+              <a:t>21</a:t>
             </a:fld>
             <a:endParaRPr lang="en-BE"/>
           </a:p>
@@ -946,7 +947,7 @@
           <a:p>
             <a:fld id="{C4D3082F-6C3D-5244-8796-9794F72F4186}" type="slidenum">
               <a:rPr lang="en-BE" smtClean="0"/>
-              <a:t>21</a:t>
+              <a:t>22</a:t>
             </a:fld>
             <a:endParaRPr lang="en-BE"/>
           </a:p>
@@ -1033,7 +1034,7 @@
           <a:p>
             <a:fld id="{C4D3082F-6C3D-5244-8796-9794F72F4186}" type="slidenum">
               <a:rPr lang="en-BE" smtClean="0"/>
-              <a:t>22</a:t>
+              <a:t>23</a:t>
             </a:fld>
             <a:endParaRPr lang="en-BE"/>
           </a:p>
@@ -1117,7 +1118,7 @@
           <a:p>
             <a:fld id="{C4D3082F-6C3D-5244-8796-9794F72F4186}" type="slidenum">
               <a:rPr lang="en-BE" smtClean="0"/>
-              <a:t>23</a:t>
+              <a:t>24</a:t>
             </a:fld>
             <a:endParaRPr lang="en-BE"/>
           </a:p>
@@ -1247,7 +1248,7 @@
           <a:p>
             <a:fld id="{C4D3082F-6C3D-5244-8796-9794F72F4186}" type="slidenum">
               <a:rPr lang="en-BE" smtClean="0"/>
-              <a:t>25</a:t>
+              <a:t>26</a:t>
             </a:fld>
             <a:endParaRPr lang="en-BE"/>
           </a:p>
@@ -2070,7 +2071,7 @@
           <a:p>
             <a:fld id="{C4D3082F-6C3D-5244-8796-9794F72F4186}" type="slidenum">
               <a:rPr lang="en-BE" smtClean="0"/>
-              <a:t>18</a:t>
+              <a:t>19</a:t>
             </a:fld>
             <a:endParaRPr lang="en-BE"/>
           </a:p>
@@ -2238,7 +2239,7 @@
           <a:p>
             <a:fld id="{339D9D14-67F4-3D4D-A26B-9A4D5862E6D0}" type="datetimeFigureOut">
               <a:rPr lang="en-BE" smtClean="0"/>
-              <a:t>12/09/2022</a:t>
+              <a:t>05/09/2025</a:t>
             </a:fld>
             <a:endParaRPr lang="en-BE"/>
           </a:p>
@@ -2438,7 +2439,7 @@
           <a:p>
             <a:fld id="{339D9D14-67F4-3D4D-A26B-9A4D5862E6D0}" type="datetimeFigureOut">
               <a:rPr lang="en-BE" smtClean="0"/>
-              <a:t>12/09/2022</a:t>
+              <a:t>05/09/2025</a:t>
             </a:fld>
             <a:endParaRPr lang="en-BE"/>
           </a:p>
@@ -2648,7 +2649,7 @@
           <a:p>
             <a:fld id="{339D9D14-67F4-3D4D-A26B-9A4D5862E6D0}" type="datetimeFigureOut">
               <a:rPr lang="en-BE" smtClean="0"/>
-              <a:t>12/09/2022</a:t>
+              <a:t>05/09/2025</a:t>
             </a:fld>
             <a:endParaRPr lang="en-BE"/>
           </a:p>
@@ -2848,7 +2849,7 @@
           <a:p>
             <a:fld id="{339D9D14-67F4-3D4D-A26B-9A4D5862E6D0}" type="datetimeFigureOut">
               <a:rPr lang="en-BE" smtClean="0"/>
-              <a:t>12/09/2022</a:t>
+              <a:t>05/09/2025</a:t>
             </a:fld>
             <a:endParaRPr lang="en-BE"/>
           </a:p>
@@ -3124,7 +3125,7 @@
           <a:p>
             <a:fld id="{339D9D14-67F4-3D4D-A26B-9A4D5862E6D0}" type="datetimeFigureOut">
               <a:rPr lang="en-BE" smtClean="0"/>
-              <a:t>12/09/2022</a:t>
+              <a:t>05/09/2025</a:t>
             </a:fld>
             <a:endParaRPr lang="en-BE"/>
           </a:p>
@@ -3392,7 +3393,7 @@
           <a:p>
             <a:fld id="{339D9D14-67F4-3D4D-A26B-9A4D5862E6D0}" type="datetimeFigureOut">
               <a:rPr lang="en-BE" smtClean="0"/>
-              <a:t>12/09/2022</a:t>
+              <a:t>05/09/2025</a:t>
             </a:fld>
             <a:endParaRPr lang="en-BE"/>
           </a:p>
@@ -3807,7 +3808,7 @@
           <a:p>
             <a:fld id="{339D9D14-67F4-3D4D-A26B-9A4D5862E6D0}" type="datetimeFigureOut">
               <a:rPr lang="en-BE" smtClean="0"/>
-              <a:t>12/09/2022</a:t>
+              <a:t>05/09/2025</a:t>
             </a:fld>
             <a:endParaRPr lang="en-BE"/>
           </a:p>
@@ -3949,7 +3950,7 @@
           <a:p>
             <a:fld id="{339D9D14-67F4-3D4D-A26B-9A4D5862E6D0}" type="datetimeFigureOut">
               <a:rPr lang="en-BE" smtClean="0"/>
-              <a:t>12/09/2022</a:t>
+              <a:t>05/09/2025</a:t>
             </a:fld>
             <a:endParaRPr lang="en-BE"/>
           </a:p>
@@ -4062,7 +4063,7 @@
           <a:p>
             <a:fld id="{339D9D14-67F4-3D4D-A26B-9A4D5862E6D0}" type="datetimeFigureOut">
               <a:rPr lang="en-BE" smtClean="0"/>
-              <a:t>12/09/2022</a:t>
+              <a:t>05/09/2025</a:t>
             </a:fld>
             <a:endParaRPr lang="en-BE"/>
           </a:p>
@@ -4375,7 +4376,7 @@
           <a:p>
             <a:fld id="{339D9D14-67F4-3D4D-A26B-9A4D5862E6D0}" type="datetimeFigureOut">
               <a:rPr lang="en-BE" smtClean="0"/>
-              <a:t>12/09/2022</a:t>
+              <a:t>05/09/2025</a:t>
             </a:fld>
             <a:endParaRPr lang="en-BE"/>
           </a:p>
@@ -4664,7 +4665,7 @@
           <a:p>
             <a:fld id="{339D9D14-67F4-3D4D-A26B-9A4D5862E6D0}" type="datetimeFigureOut">
               <a:rPr lang="en-BE" smtClean="0"/>
-              <a:t>12/09/2022</a:t>
+              <a:t>05/09/2025</a:t>
             </a:fld>
             <a:endParaRPr lang="en-BE"/>
           </a:p>
@@ -4907,7 +4908,7 @@
           <a:p>
             <a:fld id="{339D9D14-67F4-3D4D-A26B-9A4D5862E6D0}" type="datetimeFigureOut">
               <a:rPr lang="en-BE" smtClean="0"/>
-              <a:t>12/09/2022</a:t>
+              <a:t>05/09/2025</a:t>
             </a:fld>
             <a:endParaRPr lang="en-BE"/>
           </a:p>
@@ -5805,6 +5806,130 @@
 </file>
 
 <file path=ppt/slides/slide12.xml><?xml version="1.0" encoding="utf-8"?>
+<p:sld xmlns:a="http://schemas.openxmlformats.org/drawingml/2006/main" xmlns:r="http://schemas.openxmlformats.org/officeDocument/2006/relationships" xmlns:p="http://schemas.openxmlformats.org/presentationml/2006/main">
+  <p:cSld>
+    <p:spTree>
+      <p:nvGrpSpPr>
+        <p:cNvPr id="1" name=""/>
+        <p:cNvGrpSpPr/>
+        <p:nvPr/>
+      </p:nvGrpSpPr>
+      <p:grpSpPr>
+        <a:xfrm>
+          <a:off x="0" y="0"/>
+          <a:ext cx="0" cy="0"/>
+          <a:chOff x="0" y="0"/>
+          <a:chExt cx="0" cy="0"/>
+        </a:xfrm>
+      </p:grpSpPr>
+      <p:sp>
+        <p:nvSpPr>
+          <p:cNvPr id="2" name="Title 1">
+            <a:extLst>
+              <a:ext uri="{FF2B5EF4-FFF2-40B4-BE49-F238E27FC236}">
+                <a16:creationId xmlns:a16="http://schemas.microsoft.com/office/drawing/2014/main" id="{FEA69852-190C-64BC-A488-1FE523A82DF4}"/>
+              </a:ext>
+            </a:extLst>
+          </p:cNvPr>
+          <p:cNvSpPr>
+            <a:spLocks noGrp="1"/>
+          </p:cNvSpPr>
+          <p:nvPr>
+            <p:ph type="title"/>
+          </p:nvPr>
+        </p:nvSpPr>
+        <p:spPr/>
+        <p:txBody>
+          <a:bodyPr>
+            <a:normAutofit/>
+          </a:bodyPr>
+          <a:lstStyle/>
+          <a:p>
+            <a:r>
+              <a:rPr lang="en-GB" sz="3600" b="1" dirty="0" err="1"/>
+              <a:t>RefactoringMiner</a:t>
+            </a:r>
+            <a:r>
+              <a:rPr lang="en-GB" sz="3600" dirty="0"/>
+              <a:t> – Detecting </a:t>
+            </a:r>
+            <a:r>
+              <a:rPr lang="en-GB" sz="3600" dirty="0" err="1"/>
+              <a:t>refactorings</a:t>
+            </a:r>
+            <a:r>
+              <a:rPr lang="en-GB" sz="3600" dirty="0"/>
+              <a:t> in commits</a:t>
+            </a:r>
+            <a:endParaRPr lang="en-US" sz="3600" dirty="0"/>
+          </a:p>
+        </p:txBody>
+      </p:sp>
+      <p:sp>
+        <p:nvSpPr>
+          <p:cNvPr id="3" name="Content Placeholder 2">
+            <a:extLst>
+              <a:ext uri="{FF2B5EF4-FFF2-40B4-BE49-F238E27FC236}">
+                <a16:creationId xmlns:a16="http://schemas.microsoft.com/office/drawing/2014/main" id="{3847F9D9-253D-D87C-D8AC-FD0CCE94CAD6}"/>
+              </a:ext>
+            </a:extLst>
+          </p:cNvPr>
+          <p:cNvSpPr>
+            <a:spLocks noGrp="1"/>
+          </p:cNvSpPr>
+          <p:nvPr>
+            <p:ph idx="1"/>
+          </p:nvPr>
+        </p:nvSpPr>
+        <p:spPr/>
+        <p:txBody>
+          <a:bodyPr/>
+          <a:lstStyle/>
+          <a:p>
+            <a:r>
+              <a:rPr lang="en-GB" dirty="0"/>
+              <a:t>A library/API written in Java that can detect </a:t>
+            </a:r>
+            <a:r>
+              <a:rPr lang="en-GB" dirty="0" err="1"/>
+              <a:t>refactorings</a:t>
+            </a:r>
+            <a:r>
+              <a:rPr lang="en-GB" dirty="0"/>
+              <a:t> applied in the history of a Java project.</a:t>
+            </a:r>
+          </a:p>
+          <a:p>
+            <a:endParaRPr lang="en-GB" dirty="0"/>
+          </a:p>
+          <a:p>
+            <a:r>
+              <a:rPr lang="en-US" dirty="0">
+                <a:hlinkClick r:id="rId2"/>
+              </a:rPr>
+              <a:t>https://github.com/tsantalis/RefactoringMiner</a:t>
+            </a:r>
+            <a:endParaRPr lang="en-US"/>
+          </a:p>
+          <a:p>
+            <a:endParaRPr lang="en-US" dirty="0"/>
+          </a:p>
+        </p:txBody>
+      </p:sp>
+    </p:spTree>
+    <p:extLst>
+      <p:ext uri="{BB962C8B-B14F-4D97-AF65-F5344CB8AC3E}">
+        <p14:creationId xmlns:p14="http://schemas.microsoft.com/office/powerpoint/2010/main" val="4248912709"/>
+      </p:ext>
+    </p:extLst>
+  </p:cSld>
+  <p:clrMapOvr>
+    <a:masterClrMapping/>
+  </p:clrMapOvr>
+</p:sld>
+</file>
+
+<file path=ppt/slides/slide13.xml><?xml version="1.0" encoding="utf-8"?>
 <p:sld xmlns:a="http://schemas.openxmlformats.org/drawingml/2006/main" xmlns:r="http://schemas.openxmlformats.org/officeDocument/2006/relationships" xmlns:p="http://schemas.openxmlformats.org/presentationml/2006/main">
   <p:cSld>
     <p:spTree>
@@ -6416,7 +6541,7 @@
 </p:sld>
 </file>
 
-<file path=ppt/slides/slide13.xml><?xml version="1.0" encoding="utf-8"?>
+<file path=ppt/slides/slide14.xml><?xml version="1.0" encoding="utf-8"?>
 <p:sld xmlns:a="http://schemas.openxmlformats.org/drawingml/2006/main" xmlns:r="http://schemas.openxmlformats.org/officeDocument/2006/relationships" xmlns:p="http://schemas.openxmlformats.org/presentationml/2006/main">
   <p:cSld>
     <p:spTree>
@@ -6456,7 +6581,7 @@
           <a:p>
             <a:fld id="{617A40BD-3997-BB4A-9AE7-14AF3A7E89A9}" type="slidenum">
               <a:rPr lang="en-US" sz="1600" smtClean="0"/>
-              <a:t>13</a:t>
+              <a:t>14</a:t>
             </a:fld>
             <a:endParaRPr lang="en-US" sz="1600"/>
           </a:p>
@@ -8158,7 +8283,7 @@
 </p:sld>
 </file>
 
-<file path=ppt/slides/slide14.xml><?xml version="1.0" encoding="utf-8"?>
+<file path=ppt/slides/slide15.xml><?xml version="1.0" encoding="utf-8"?>
 <p:sld xmlns:a="http://schemas.openxmlformats.org/drawingml/2006/main" xmlns:r="http://schemas.openxmlformats.org/officeDocument/2006/relationships" xmlns:p="http://schemas.openxmlformats.org/presentationml/2006/main">
   <p:cSld>
     <p:spTree>
@@ -8198,7 +8323,7 @@
           <a:p>
             <a:fld id="{617A40BD-3997-BB4A-9AE7-14AF3A7E89A9}" type="slidenum">
               <a:rPr lang="en-US" sz="1600" smtClean="0"/>
-              <a:t>14</a:t>
+              <a:t>15</a:t>
             </a:fld>
             <a:endParaRPr lang="en-US" sz="1600" dirty="0"/>
           </a:p>
@@ -10160,2132 +10285,6 @@
     <p:extLst>
       <p:ext uri="{BB962C8B-B14F-4D97-AF65-F5344CB8AC3E}">
         <p14:creationId xmlns:p14="http://schemas.microsoft.com/office/powerpoint/2010/main" val="3497466680"/>
-      </p:ext>
-    </p:extLst>
-  </p:cSld>
-  <p:clrMapOvr>
-    <a:masterClrMapping/>
-  </p:clrMapOvr>
-  <mc:AlternateContent xmlns:mc="http://schemas.openxmlformats.org/markup-compatibility/2006" xmlns:p14="http://schemas.microsoft.com/office/powerpoint/2010/main">
-    <mc:Choice Requires="p14">
-      <p:transition spd="med" p14:dur="700">
-        <p:fade/>
-      </p:transition>
-    </mc:Choice>
-    <mc:Fallback xmlns="">
-      <p:transition spd="med">
-        <p:fade/>
-      </p:transition>
-    </mc:Fallback>
-  </mc:AlternateContent>
-</p:sld>
-</file>
-
-<file path=ppt/slides/slide15.xml><?xml version="1.0" encoding="utf-8"?>
-<p:sld xmlns:a="http://schemas.openxmlformats.org/drawingml/2006/main" xmlns:r="http://schemas.openxmlformats.org/officeDocument/2006/relationships" xmlns:p="http://schemas.openxmlformats.org/presentationml/2006/main">
-  <p:cSld>
-    <p:spTree>
-      <p:nvGrpSpPr>
-        <p:cNvPr id="1" name=""/>
-        <p:cNvGrpSpPr/>
-        <p:nvPr/>
-      </p:nvGrpSpPr>
-      <p:grpSpPr>
-        <a:xfrm>
-          <a:off x="0" y="0"/>
-          <a:ext cx="0" cy="0"/>
-          <a:chOff x="0" y="0"/>
-          <a:chExt cx="0" cy="0"/>
-        </a:xfrm>
-      </p:grpSpPr>
-      <p:sp>
-        <p:nvSpPr>
-          <p:cNvPr id="4" name="Slide Number Placeholder 3">
-            <a:extLst>
-              <a:ext uri="{FF2B5EF4-FFF2-40B4-BE49-F238E27FC236}">
-                <a16:creationId xmlns:a16="http://schemas.microsoft.com/office/drawing/2014/main" id="{D5B35948-ACDA-A04A-943D-3575276C324C}"/>
-              </a:ext>
-            </a:extLst>
-          </p:cNvPr>
-          <p:cNvSpPr>
-            <a:spLocks noGrp="1"/>
-          </p:cNvSpPr>
-          <p:nvPr>
-            <p:ph type="sldNum" sz="quarter" idx="12"/>
-          </p:nvPr>
-        </p:nvSpPr>
-        <p:spPr/>
-        <p:txBody>
-          <a:bodyPr/>
-          <a:lstStyle/>
-          <a:p>
-            <a:fld id="{617A40BD-3997-BB4A-9AE7-14AF3A7E89A9}" type="slidenum">
-              <a:rPr lang="en-US" sz="1600" smtClean="0"/>
-              <a:t>15</a:t>
-            </a:fld>
-            <a:endParaRPr lang="en-US" sz="1600"/>
-          </a:p>
-        </p:txBody>
-      </p:sp>
-      <p:sp>
-        <p:nvSpPr>
-          <p:cNvPr id="2" name="Rounded Rectangle 1">
-            <a:extLst>
-              <a:ext uri="{FF2B5EF4-FFF2-40B4-BE49-F238E27FC236}">
-                <a16:creationId xmlns:a16="http://schemas.microsoft.com/office/drawing/2014/main" id="{1A4C3B36-5126-564C-A6E1-A7FF74674086}"/>
-              </a:ext>
-            </a:extLst>
-          </p:cNvPr>
-          <p:cNvSpPr/>
-          <p:nvPr/>
-        </p:nvSpPr>
-        <p:spPr>
-          <a:xfrm>
-            <a:off x="1354239" y="185628"/>
-            <a:ext cx="864176" cy="248846"/>
-          </a:xfrm>
-          <a:prstGeom prst="roundRect">
-            <a:avLst/>
-          </a:prstGeom>
-          <a:solidFill>
-            <a:schemeClr val="accent4">
-              <a:lumMod val="40000"/>
-              <a:lumOff val="60000"/>
-            </a:schemeClr>
-          </a:solidFill>
-          <a:ln w="6350"/>
-        </p:spPr>
-        <p:style>
-          <a:lnRef idx="2">
-            <a:schemeClr val="accent4">
-              <a:shade val="50000"/>
-            </a:schemeClr>
-          </a:lnRef>
-          <a:fillRef idx="1">
-            <a:schemeClr val="accent4"/>
-          </a:fillRef>
-          <a:effectRef idx="0">
-            <a:schemeClr val="accent4"/>
-          </a:effectRef>
-          <a:fontRef idx="minor">
-            <a:schemeClr val="lt1"/>
-          </a:fontRef>
-        </p:style>
-        <p:txBody>
-          <a:bodyPr rtlCol="0" anchor="ctr"/>
-          <a:lstStyle/>
-          <a:p>
-            <a:pPr algn="ctr"/>
-            <a:endParaRPr lang="en-US"/>
-          </a:p>
-        </p:txBody>
-      </p:sp>
-      <p:sp>
-        <p:nvSpPr>
-          <p:cNvPr id="12" name="Rounded Rectangle 11">
-            <a:extLst>
-              <a:ext uri="{FF2B5EF4-FFF2-40B4-BE49-F238E27FC236}">
-                <a16:creationId xmlns:a16="http://schemas.microsoft.com/office/drawing/2014/main" id="{247271D5-6522-0545-88E8-CDBCA55D0E52}"/>
-              </a:ext>
-            </a:extLst>
-          </p:cNvPr>
-          <p:cNvSpPr/>
-          <p:nvPr/>
-        </p:nvSpPr>
-        <p:spPr>
-          <a:xfrm>
-            <a:off x="161966" y="468896"/>
-            <a:ext cx="911460" cy="248846"/>
-          </a:xfrm>
-          <a:prstGeom prst="roundRect">
-            <a:avLst/>
-          </a:prstGeom>
-          <a:solidFill>
-            <a:schemeClr val="accent4">
-              <a:lumMod val="40000"/>
-              <a:lumOff val="60000"/>
-            </a:schemeClr>
-          </a:solidFill>
-          <a:ln w="6350"/>
-        </p:spPr>
-        <p:style>
-          <a:lnRef idx="2">
-            <a:schemeClr val="accent4">
-              <a:shade val="50000"/>
-            </a:schemeClr>
-          </a:lnRef>
-          <a:fillRef idx="1">
-            <a:schemeClr val="accent4"/>
-          </a:fillRef>
-          <a:effectRef idx="0">
-            <a:schemeClr val="accent4"/>
-          </a:effectRef>
-          <a:fontRef idx="minor">
-            <a:schemeClr val="lt1"/>
-          </a:fontRef>
-        </p:style>
-        <p:txBody>
-          <a:bodyPr rtlCol="0" anchor="ctr"/>
-          <a:lstStyle/>
-          <a:p>
-            <a:pPr algn="ctr"/>
-            <a:endParaRPr lang="en-US"/>
-          </a:p>
-        </p:txBody>
-      </p:sp>
-      <p:sp>
-        <p:nvSpPr>
-          <p:cNvPr id="11" name="Rounded Rectangle 10">
-            <a:extLst>
-              <a:ext uri="{FF2B5EF4-FFF2-40B4-BE49-F238E27FC236}">
-                <a16:creationId xmlns:a16="http://schemas.microsoft.com/office/drawing/2014/main" id="{270F8CE1-ACA8-5747-AA85-A07D226E1DEA}"/>
-              </a:ext>
-            </a:extLst>
-          </p:cNvPr>
-          <p:cNvSpPr/>
-          <p:nvPr/>
-        </p:nvSpPr>
-        <p:spPr>
-          <a:xfrm>
-            <a:off x="6528021" y="185628"/>
-            <a:ext cx="1272209" cy="248846"/>
-          </a:xfrm>
-          <a:prstGeom prst="roundRect">
-            <a:avLst/>
-          </a:prstGeom>
-          <a:solidFill>
-            <a:schemeClr val="accent4">
-              <a:lumMod val="40000"/>
-              <a:lumOff val="60000"/>
-            </a:schemeClr>
-          </a:solidFill>
-          <a:ln w="6350"/>
-        </p:spPr>
-        <p:style>
-          <a:lnRef idx="2">
-            <a:schemeClr val="accent4">
-              <a:shade val="50000"/>
-            </a:schemeClr>
-          </a:lnRef>
-          <a:fillRef idx="1">
-            <a:schemeClr val="accent4"/>
-          </a:fillRef>
-          <a:effectRef idx="0">
-            <a:schemeClr val="accent4"/>
-          </a:effectRef>
-          <a:fontRef idx="minor">
-            <a:schemeClr val="lt1"/>
-          </a:fontRef>
-        </p:style>
-        <p:txBody>
-          <a:bodyPr rtlCol="0" anchor="ctr"/>
-          <a:lstStyle/>
-          <a:p>
-            <a:pPr algn="ctr"/>
-            <a:endParaRPr lang="en-US"/>
-          </a:p>
-        </p:txBody>
-      </p:sp>
-      <p:sp>
-        <p:nvSpPr>
-          <p:cNvPr id="13" name="Rounded Rectangle 12">
-            <a:extLst>
-              <a:ext uri="{FF2B5EF4-FFF2-40B4-BE49-F238E27FC236}">
-                <a16:creationId xmlns:a16="http://schemas.microsoft.com/office/drawing/2014/main" id="{60D662D5-91E8-684E-8899-64CC9D2F4133}"/>
-              </a:ext>
-            </a:extLst>
-          </p:cNvPr>
-          <p:cNvSpPr/>
-          <p:nvPr/>
-        </p:nvSpPr>
-        <p:spPr>
-          <a:xfrm>
-            <a:off x="5407733" y="468896"/>
-            <a:ext cx="1231606" cy="248846"/>
-          </a:xfrm>
-          <a:prstGeom prst="roundRect">
-            <a:avLst/>
-          </a:prstGeom>
-          <a:solidFill>
-            <a:schemeClr val="accent4">
-              <a:lumMod val="40000"/>
-              <a:lumOff val="60000"/>
-            </a:schemeClr>
-          </a:solidFill>
-          <a:ln w="6350"/>
-        </p:spPr>
-        <p:style>
-          <a:lnRef idx="2">
-            <a:schemeClr val="accent4">
-              <a:shade val="50000"/>
-            </a:schemeClr>
-          </a:lnRef>
-          <a:fillRef idx="1">
-            <a:schemeClr val="accent4"/>
-          </a:fillRef>
-          <a:effectRef idx="0">
-            <a:schemeClr val="accent4"/>
-          </a:effectRef>
-          <a:fontRef idx="minor">
-            <a:schemeClr val="lt1"/>
-          </a:fontRef>
-        </p:style>
-        <p:txBody>
-          <a:bodyPr rtlCol="0" anchor="ctr"/>
-          <a:lstStyle/>
-          <a:p>
-            <a:pPr algn="ctr"/>
-            <a:endParaRPr lang="en-US"/>
-          </a:p>
-        </p:txBody>
-      </p:sp>
-      <p:sp>
-        <p:nvSpPr>
-          <p:cNvPr id="14" name="Rounded Rectangle 13">
-            <a:extLst>
-              <a:ext uri="{FF2B5EF4-FFF2-40B4-BE49-F238E27FC236}">
-                <a16:creationId xmlns:a16="http://schemas.microsoft.com/office/drawing/2014/main" id="{19489E33-40A8-9045-9991-1CC0831496EA}"/>
-              </a:ext>
-            </a:extLst>
-          </p:cNvPr>
-          <p:cNvSpPr/>
-          <p:nvPr/>
-        </p:nvSpPr>
-        <p:spPr>
-          <a:xfrm>
-            <a:off x="8062623" y="468896"/>
-            <a:ext cx="2289975" cy="248846"/>
-          </a:xfrm>
-          <a:prstGeom prst="roundRect">
-            <a:avLst/>
-          </a:prstGeom>
-          <a:solidFill>
-            <a:schemeClr val="accent4">
-              <a:lumMod val="40000"/>
-              <a:lumOff val="60000"/>
-            </a:schemeClr>
-          </a:solidFill>
-          <a:ln w="6350"/>
-        </p:spPr>
-        <p:style>
-          <a:lnRef idx="2">
-            <a:schemeClr val="accent4">
-              <a:shade val="50000"/>
-            </a:schemeClr>
-          </a:lnRef>
-          <a:fillRef idx="1">
-            <a:schemeClr val="accent4"/>
-          </a:fillRef>
-          <a:effectRef idx="0">
-            <a:schemeClr val="accent4"/>
-          </a:effectRef>
-          <a:fontRef idx="minor">
-            <a:schemeClr val="lt1"/>
-          </a:fontRef>
-        </p:style>
-        <p:txBody>
-          <a:bodyPr rtlCol="0" anchor="ctr"/>
-          <a:lstStyle/>
-          <a:p>
-            <a:pPr algn="ctr"/>
-            <a:endParaRPr lang="en-US"/>
-          </a:p>
-        </p:txBody>
-      </p:sp>
-      <p:sp>
-        <p:nvSpPr>
-          <p:cNvPr id="15" name="Rounded Rectangle 14">
-            <a:extLst>
-              <a:ext uri="{FF2B5EF4-FFF2-40B4-BE49-F238E27FC236}">
-                <a16:creationId xmlns:a16="http://schemas.microsoft.com/office/drawing/2014/main" id="{0D92C6C7-F98D-8241-BE98-E3921C7FC053}"/>
-              </a:ext>
-            </a:extLst>
-          </p:cNvPr>
-          <p:cNvSpPr/>
-          <p:nvPr/>
-        </p:nvSpPr>
-        <p:spPr>
-          <a:xfrm>
-            <a:off x="2496710" y="476847"/>
-            <a:ext cx="1326763" cy="248846"/>
-          </a:xfrm>
-          <a:prstGeom prst="roundRect">
-            <a:avLst/>
-          </a:prstGeom>
-          <a:solidFill>
-            <a:schemeClr val="accent4">
-              <a:lumMod val="40000"/>
-              <a:lumOff val="60000"/>
-            </a:schemeClr>
-          </a:solidFill>
-          <a:ln w="6350"/>
-        </p:spPr>
-        <p:style>
-          <a:lnRef idx="2">
-            <a:schemeClr val="accent4">
-              <a:shade val="50000"/>
-            </a:schemeClr>
-          </a:lnRef>
-          <a:fillRef idx="1">
-            <a:schemeClr val="accent4"/>
-          </a:fillRef>
-          <a:effectRef idx="0">
-            <a:schemeClr val="accent4"/>
-          </a:effectRef>
-          <a:fontRef idx="minor">
-            <a:schemeClr val="lt1"/>
-          </a:fontRef>
-        </p:style>
-        <p:txBody>
-          <a:bodyPr rtlCol="0" anchor="ctr"/>
-          <a:lstStyle/>
-          <a:p>
-            <a:pPr algn="ctr"/>
-            <a:endParaRPr lang="en-US"/>
-          </a:p>
-        </p:txBody>
-      </p:sp>
-      <p:sp>
-        <p:nvSpPr>
-          <p:cNvPr id="16" name="Rounded Rectangle 15">
-            <a:extLst>
-              <a:ext uri="{FF2B5EF4-FFF2-40B4-BE49-F238E27FC236}">
-                <a16:creationId xmlns:a16="http://schemas.microsoft.com/office/drawing/2014/main" id="{097EAB1B-2D2C-7842-87A7-25241D954CB7}"/>
-              </a:ext>
-            </a:extLst>
-          </p:cNvPr>
-          <p:cNvSpPr/>
-          <p:nvPr/>
-        </p:nvSpPr>
-        <p:spPr>
-          <a:xfrm>
-            <a:off x="9255319" y="183249"/>
-            <a:ext cx="1741336" cy="248846"/>
-          </a:xfrm>
-          <a:prstGeom prst="roundRect">
-            <a:avLst/>
-          </a:prstGeom>
-          <a:solidFill>
-            <a:schemeClr val="accent6">
-              <a:lumMod val="40000"/>
-              <a:lumOff val="60000"/>
-            </a:schemeClr>
-          </a:solidFill>
-          <a:ln w="6350">
-            <a:solidFill>
-              <a:schemeClr val="accent6">
-                <a:lumMod val="75000"/>
-              </a:schemeClr>
-            </a:solidFill>
-          </a:ln>
-        </p:spPr>
-        <p:style>
-          <a:lnRef idx="2">
-            <a:schemeClr val="accent4">
-              <a:shade val="50000"/>
-            </a:schemeClr>
-          </a:lnRef>
-          <a:fillRef idx="1">
-            <a:schemeClr val="accent4"/>
-          </a:fillRef>
-          <a:effectRef idx="0">
-            <a:schemeClr val="accent4"/>
-          </a:effectRef>
-          <a:fontRef idx="minor">
-            <a:schemeClr val="lt1"/>
-          </a:fontRef>
-        </p:style>
-        <p:txBody>
-          <a:bodyPr rtlCol="0" anchor="ctr"/>
-          <a:lstStyle/>
-          <a:p>
-            <a:pPr algn="ctr"/>
-            <a:endParaRPr lang="en-US"/>
-          </a:p>
-        </p:txBody>
-      </p:sp>
-      <p:sp>
-        <p:nvSpPr>
-          <p:cNvPr id="10" name="TextBox 9">
-            <a:extLst>
-              <a:ext uri="{FF2B5EF4-FFF2-40B4-BE49-F238E27FC236}">
-                <a16:creationId xmlns:a16="http://schemas.microsoft.com/office/drawing/2014/main" id="{2EFCC76E-A1FA-CA48-8064-CBEB1778B5BE}"/>
-              </a:ext>
-            </a:extLst>
-          </p:cNvPr>
-          <p:cNvSpPr txBox="1"/>
-          <p:nvPr/>
-        </p:nvSpPr>
-        <p:spPr>
-          <a:xfrm>
-            <a:off x="36096" y="143255"/>
-            <a:ext cx="5245767" cy="4115422"/>
-          </a:xfrm>
-          <a:prstGeom prst="rect">
-            <a:avLst/>
-          </a:prstGeom>
-          <a:noFill/>
-        </p:spPr>
-        <p:txBody>
-          <a:bodyPr wrap="square" lIns="0" tIns="0" rIns="0" bIns="0" rtlCol="0">
-            <a:spAutoFit/>
-          </a:bodyPr>
-          <a:lstStyle/>
-          <a:p>
-            <a:pPr>
-              <a:lnSpc>
-                <a:spcPct val="120000"/>
-              </a:lnSpc>
-            </a:pPr>
-            <a:r>
-              <a:rPr lang="en-CA" sz="1600" kern="0" spc="-170" dirty="0">
-                <a:solidFill>
-                  <a:srgbClr val="7030A0"/>
-                </a:solidFill>
-                <a:latin typeface="Consolas" panose="020B0609020204030204" pitchFamily="49" charset="0"/>
-                <a:ea typeface="Menlo" panose="020B0609030804020204" pitchFamily="49" charset="0"/>
-                <a:cs typeface="Consolas" panose="020B0609020204030204" pitchFamily="49" charset="0"/>
-              </a:rPr>
-              <a:t>private</a:t>
-            </a:r>
-            <a:r>
-              <a:rPr lang="en-CA" sz="1600" kern="0" spc="-170" dirty="0">
-                <a:latin typeface="Consolas" panose="020B0609020204030204" pitchFamily="49" charset="0"/>
-                <a:ea typeface="Menlo" panose="020B0609030804020204" pitchFamily="49" charset="0"/>
-                <a:cs typeface="Consolas" panose="020B0609020204030204" pitchFamily="49" charset="0"/>
-              </a:rPr>
-              <a:t> </a:t>
-            </a:r>
-            <a:r>
-              <a:rPr lang="en-CA" sz="1600" kern="0" spc="-170" dirty="0">
-                <a:solidFill>
-                  <a:srgbClr val="7030A0"/>
-                </a:solidFill>
-                <a:latin typeface="Consolas" panose="020B0609020204030204" pitchFamily="49" charset="0"/>
-                <a:ea typeface="Menlo" panose="020B0609030804020204" pitchFamily="49" charset="0"/>
-                <a:cs typeface="Consolas" panose="020B0609020204030204" pitchFamily="49" charset="0"/>
-              </a:rPr>
-              <a:t>static</a:t>
-            </a:r>
-            <a:r>
-              <a:rPr lang="en-CA" sz="1600" kern="0" spc="-170" dirty="0">
-                <a:latin typeface="Consolas" panose="020B0609020204030204" pitchFamily="49" charset="0"/>
-                <a:ea typeface="Menlo" panose="020B0609030804020204" pitchFamily="49" charset="0"/>
-                <a:cs typeface="Consolas" panose="020B0609020204030204" pitchFamily="49" charset="0"/>
-              </a:rPr>
-              <a:t> Address[] </a:t>
-            </a:r>
-            <a:r>
-              <a:rPr lang="en-CA" sz="1600" kern="0" spc="-170" dirty="0" err="1">
-                <a:latin typeface="Consolas" panose="020B0609020204030204" pitchFamily="49" charset="0"/>
-                <a:ea typeface="Menlo" panose="020B0609030804020204" pitchFamily="49" charset="0"/>
-                <a:cs typeface="Consolas" panose="020B0609020204030204" pitchFamily="49" charset="0"/>
-              </a:rPr>
-              <a:t>createAddresses</a:t>
-            </a:r>
-            <a:r>
-              <a:rPr lang="en-CA" sz="1600" kern="0" spc="-170" dirty="0">
-                <a:latin typeface="Consolas" panose="020B0609020204030204" pitchFamily="49" charset="0"/>
-                <a:ea typeface="Menlo" panose="020B0609030804020204" pitchFamily="49" charset="0"/>
-                <a:cs typeface="Consolas" panose="020B0609020204030204" pitchFamily="49" charset="0"/>
-              </a:rPr>
-              <a:t>(</a:t>
-            </a:r>
-            <a:r>
-              <a:rPr lang="en-CA" sz="1600" kern="0" spc="-170" dirty="0" err="1">
-                <a:solidFill>
-                  <a:srgbClr val="7030A0"/>
-                </a:solidFill>
-                <a:latin typeface="Consolas" panose="020B0609020204030204" pitchFamily="49" charset="0"/>
-                <a:ea typeface="Menlo" panose="020B0609030804020204" pitchFamily="49" charset="0"/>
-                <a:cs typeface="Consolas" panose="020B0609020204030204" pitchFamily="49" charset="0"/>
-              </a:rPr>
-              <a:t>int</a:t>
-            </a:r>
-            <a:r>
-              <a:rPr lang="en-CA" sz="1600" kern="0" spc="-170" dirty="0">
-                <a:latin typeface="Consolas" panose="020B0609020204030204" pitchFamily="49" charset="0"/>
-                <a:ea typeface="Menlo" panose="020B0609030804020204" pitchFamily="49" charset="0"/>
-                <a:cs typeface="Consolas" panose="020B0609020204030204" pitchFamily="49" charset="0"/>
-              </a:rPr>
-              <a:t> </a:t>
-            </a:r>
-            <a:r>
-              <a:rPr lang="en-CA" sz="1600" kern="0" spc="-170" dirty="0">
-                <a:solidFill>
-                  <a:schemeClr val="tx1">
-                    <a:lumMod val="65000"/>
-                    <a:lumOff val="35000"/>
-                  </a:schemeClr>
-                </a:solidFill>
-                <a:latin typeface="Consolas" panose="020B0609020204030204" pitchFamily="49" charset="0"/>
-                <a:ea typeface="Menlo" panose="020B0609030804020204" pitchFamily="49" charset="0"/>
-                <a:cs typeface="Consolas" panose="020B0609020204030204" pitchFamily="49" charset="0"/>
-              </a:rPr>
-              <a:t>count</a:t>
-            </a:r>
-            <a:r>
-              <a:rPr lang="en-CA" sz="1600" kern="0" spc="-170" dirty="0">
-                <a:latin typeface="Consolas" panose="020B0609020204030204" pitchFamily="49" charset="0"/>
-                <a:ea typeface="Menlo" panose="020B0609030804020204" pitchFamily="49" charset="0"/>
-                <a:cs typeface="Consolas" panose="020B0609020204030204" pitchFamily="49" charset="0"/>
-              </a:rPr>
-              <a:t>) {</a:t>
-            </a:r>
-          </a:p>
-          <a:p>
-            <a:pPr>
-              <a:lnSpc>
-                <a:spcPct val="120000"/>
-              </a:lnSpc>
-            </a:pPr>
-            <a:r>
-              <a:rPr lang="en-CA" sz="1600" kern="0" spc="-170" dirty="0">
-                <a:latin typeface="Consolas" panose="020B0609020204030204" pitchFamily="49" charset="0"/>
-                <a:ea typeface="Menlo" panose="020B0609030804020204" pitchFamily="49" charset="0"/>
-                <a:cs typeface="Consolas" panose="020B0609020204030204" pitchFamily="49" charset="0"/>
-              </a:rPr>
-              <a:t>  Address[] </a:t>
-            </a:r>
-            <a:r>
-              <a:rPr lang="en-CA" sz="1600" kern="0" spc="-170" dirty="0">
-                <a:solidFill>
-                  <a:schemeClr val="tx1">
-                    <a:lumMod val="65000"/>
-                    <a:lumOff val="35000"/>
-                  </a:schemeClr>
-                </a:solidFill>
-                <a:latin typeface="Consolas" panose="020B0609020204030204" pitchFamily="49" charset="0"/>
-                <a:ea typeface="Menlo" panose="020B0609030804020204" pitchFamily="49" charset="0"/>
-                <a:cs typeface="Consolas" panose="020B0609020204030204" pitchFamily="49" charset="0"/>
-              </a:rPr>
-              <a:t>addresses</a:t>
-            </a:r>
-            <a:r>
-              <a:rPr lang="en-CA" sz="1600" kern="0" spc="-170" dirty="0">
-                <a:latin typeface="Consolas" panose="020B0609020204030204" pitchFamily="49" charset="0"/>
-                <a:ea typeface="Menlo" panose="020B0609030804020204" pitchFamily="49" charset="0"/>
-                <a:cs typeface="Consolas" panose="020B0609020204030204" pitchFamily="49" charset="0"/>
-              </a:rPr>
-              <a:t> = </a:t>
-            </a:r>
-            <a:r>
-              <a:rPr lang="en-CA" sz="1600" kern="0" spc="-170" dirty="0">
-                <a:solidFill>
-                  <a:srgbClr val="7030A0"/>
-                </a:solidFill>
-                <a:latin typeface="Consolas" panose="020B0609020204030204" pitchFamily="49" charset="0"/>
-                <a:ea typeface="Menlo" panose="020B0609030804020204" pitchFamily="49" charset="0"/>
-                <a:cs typeface="Consolas" panose="020B0609020204030204" pitchFamily="49" charset="0"/>
-              </a:rPr>
-              <a:t>new</a:t>
-            </a:r>
-            <a:r>
-              <a:rPr lang="en-CA" sz="1600" kern="0" spc="-170" dirty="0">
-                <a:latin typeface="Consolas" panose="020B0609020204030204" pitchFamily="49" charset="0"/>
-                <a:ea typeface="Menlo" panose="020B0609030804020204" pitchFamily="49" charset="0"/>
-                <a:cs typeface="Consolas" panose="020B0609020204030204" pitchFamily="49" charset="0"/>
-              </a:rPr>
-              <a:t> Address[</a:t>
-            </a:r>
-            <a:r>
-              <a:rPr lang="en-CA" sz="1600" kern="0" spc="-170" dirty="0">
-                <a:solidFill>
-                  <a:schemeClr val="tx1">
-                    <a:lumMod val="65000"/>
-                    <a:lumOff val="35000"/>
-                  </a:schemeClr>
-                </a:solidFill>
-                <a:latin typeface="Consolas" panose="020B0609020204030204" pitchFamily="49" charset="0"/>
-                <a:ea typeface="Menlo" panose="020B0609030804020204" pitchFamily="49" charset="0"/>
-                <a:cs typeface="Consolas" panose="020B0609020204030204" pitchFamily="49" charset="0"/>
-              </a:rPr>
-              <a:t>count</a:t>
-            </a:r>
-            <a:r>
-              <a:rPr lang="en-CA" sz="1600" kern="0" spc="-170" dirty="0">
-                <a:latin typeface="Consolas" panose="020B0609020204030204" pitchFamily="49" charset="0"/>
-                <a:ea typeface="Menlo" panose="020B0609030804020204" pitchFamily="49" charset="0"/>
-                <a:cs typeface="Consolas" panose="020B0609020204030204" pitchFamily="49" charset="0"/>
-              </a:rPr>
-              <a:t>];</a:t>
-            </a:r>
-          </a:p>
-          <a:p>
-            <a:pPr>
-              <a:lnSpc>
-                <a:spcPct val="120000"/>
-              </a:lnSpc>
-            </a:pPr>
-            <a:r>
-              <a:rPr lang="en-CA" sz="1600" kern="0" spc="-170" dirty="0">
-                <a:solidFill>
-                  <a:srgbClr val="7030A0"/>
-                </a:solidFill>
-                <a:latin typeface="Consolas" panose="020B0609020204030204" pitchFamily="49" charset="0"/>
-                <a:ea typeface="Menlo" panose="020B0609030804020204" pitchFamily="49" charset="0"/>
-                <a:cs typeface="Consolas" panose="020B0609020204030204" pitchFamily="49" charset="0"/>
-              </a:rPr>
-              <a:t>  for </a:t>
-            </a:r>
-            <a:r>
-              <a:rPr lang="en-CA" sz="1600" kern="0" spc="-170" dirty="0">
-                <a:latin typeface="Consolas" panose="020B0609020204030204" pitchFamily="49" charset="0"/>
-                <a:ea typeface="Menlo" panose="020B0609030804020204" pitchFamily="49" charset="0"/>
-                <a:cs typeface="Consolas" panose="020B0609020204030204" pitchFamily="49" charset="0"/>
-              </a:rPr>
-              <a:t>(</a:t>
-            </a:r>
-            <a:r>
-              <a:rPr lang="en-CA" sz="1600" kern="0" spc="-170" dirty="0" err="1">
-                <a:solidFill>
-                  <a:srgbClr val="7030A0"/>
-                </a:solidFill>
-                <a:latin typeface="Consolas" panose="020B0609020204030204" pitchFamily="49" charset="0"/>
-                <a:ea typeface="Menlo" panose="020B0609030804020204" pitchFamily="49" charset="0"/>
-                <a:cs typeface="Consolas" panose="020B0609020204030204" pitchFamily="49" charset="0"/>
-              </a:rPr>
-              <a:t>int</a:t>
-            </a:r>
-            <a:r>
-              <a:rPr lang="en-CA" sz="1600" kern="0" spc="-170" dirty="0">
-                <a:latin typeface="Consolas" panose="020B0609020204030204" pitchFamily="49" charset="0"/>
-                <a:ea typeface="Menlo" panose="020B0609030804020204" pitchFamily="49" charset="0"/>
-                <a:cs typeface="Consolas" panose="020B0609020204030204" pitchFamily="49" charset="0"/>
-              </a:rPr>
-              <a:t> </a:t>
-            </a:r>
-            <a:r>
-              <a:rPr lang="en-CA" sz="1600" kern="0" spc="-170" dirty="0" err="1">
-                <a:solidFill>
-                  <a:schemeClr val="bg2">
-                    <a:lumMod val="50000"/>
-                  </a:schemeClr>
-                </a:solidFill>
-                <a:latin typeface="Consolas" panose="020B0609020204030204" pitchFamily="49" charset="0"/>
-                <a:ea typeface="Menlo" panose="020B0609030804020204" pitchFamily="49" charset="0"/>
-                <a:cs typeface="Consolas" panose="020B0609020204030204" pitchFamily="49" charset="0"/>
-              </a:rPr>
-              <a:t>i</a:t>
-            </a:r>
-            <a:r>
-              <a:rPr lang="en-CA" sz="1600" kern="0" spc="-170" dirty="0">
-                <a:latin typeface="Consolas" panose="020B0609020204030204" pitchFamily="49" charset="0"/>
-                <a:ea typeface="Menlo" panose="020B0609030804020204" pitchFamily="49" charset="0"/>
-                <a:cs typeface="Consolas" panose="020B0609020204030204" pitchFamily="49" charset="0"/>
-              </a:rPr>
-              <a:t> = </a:t>
-            </a:r>
-            <a:r>
-              <a:rPr lang="en-CA" sz="1600" kern="0" spc="-170" dirty="0">
-                <a:solidFill>
-                  <a:srgbClr val="0000FF"/>
-                </a:solidFill>
-                <a:latin typeface="Consolas" panose="020B0609020204030204" pitchFamily="49" charset="0"/>
-                <a:ea typeface="Menlo" panose="020B0609030804020204" pitchFamily="49" charset="0"/>
-                <a:cs typeface="Consolas" panose="020B0609020204030204" pitchFamily="49" charset="0"/>
-              </a:rPr>
-              <a:t>0</a:t>
-            </a:r>
-            <a:r>
-              <a:rPr lang="en-CA" sz="1600" kern="0" spc="-170" dirty="0">
-                <a:latin typeface="Consolas" panose="020B0609020204030204" pitchFamily="49" charset="0"/>
-                <a:ea typeface="Menlo" panose="020B0609030804020204" pitchFamily="49" charset="0"/>
-                <a:cs typeface="Consolas" panose="020B0609020204030204" pitchFamily="49" charset="0"/>
-              </a:rPr>
-              <a:t>; </a:t>
-            </a:r>
-            <a:r>
-              <a:rPr lang="en-CA" sz="1600" kern="0" spc="-170" dirty="0" err="1">
-                <a:solidFill>
-                  <a:schemeClr val="bg2">
-                    <a:lumMod val="50000"/>
-                  </a:schemeClr>
-                </a:solidFill>
-                <a:latin typeface="Consolas" panose="020B0609020204030204" pitchFamily="49" charset="0"/>
-                <a:ea typeface="Menlo" panose="020B0609030804020204" pitchFamily="49" charset="0"/>
-                <a:cs typeface="Consolas" panose="020B0609020204030204" pitchFamily="49" charset="0"/>
-              </a:rPr>
-              <a:t>i</a:t>
-            </a:r>
-            <a:r>
-              <a:rPr lang="en-CA" sz="1600" kern="0" spc="-170" dirty="0">
-                <a:latin typeface="Consolas" panose="020B0609020204030204" pitchFamily="49" charset="0"/>
-                <a:ea typeface="Menlo" panose="020B0609030804020204" pitchFamily="49" charset="0"/>
-                <a:cs typeface="Consolas" panose="020B0609020204030204" pitchFamily="49" charset="0"/>
-              </a:rPr>
-              <a:t> &lt; </a:t>
-            </a:r>
-            <a:r>
-              <a:rPr lang="en-CA" sz="1600" kern="0" spc="-170" dirty="0">
-                <a:solidFill>
-                  <a:schemeClr val="tx1">
-                    <a:lumMod val="65000"/>
-                    <a:lumOff val="35000"/>
-                  </a:schemeClr>
-                </a:solidFill>
-                <a:latin typeface="Consolas" panose="020B0609020204030204" pitchFamily="49" charset="0"/>
-                <a:ea typeface="Menlo" panose="020B0609030804020204" pitchFamily="49" charset="0"/>
-                <a:cs typeface="Consolas" panose="020B0609020204030204" pitchFamily="49" charset="0"/>
-              </a:rPr>
-              <a:t>count</a:t>
-            </a:r>
-            <a:r>
-              <a:rPr lang="en-CA" sz="1600" kern="0" spc="-170" dirty="0">
-                <a:latin typeface="Consolas" panose="020B0609020204030204" pitchFamily="49" charset="0"/>
-                <a:ea typeface="Menlo" panose="020B0609030804020204" pitchFamily="49" charset="0"/>
-                <a:cs typeface="Consolas" panose="020B0609020204030204" pitchFamily="49" charset="0"/>
-              </a:rPr>
-              <a:t>; </a:t>
-            </a:r>
-            <a:r>
-              <a:rPr lang="en-CA" sz="1600" kern="0" spc="-170" dirty="0" err="1">
-                <a:solidFill>
-                  <a:schemeClr val="tx1">
-                    <a:lumMod val="65000"/>
-                    <a:lumOff val="35000"/>
-                  </a:schemeClr>
-                </a:solidFill>
-                <a:latin typeface="Consolas" panose="020B0609020204030204" pitchFamily="49" charset="0"/>
-                <a:ea typeface="Menlo" panose="020B0609030804020204" pitchFamily="49" charset="0"/>
-                <a:cs typeface="Consolas" panose="020B0609020204030204" pitchFamily="49" charset="0"/>
-              </a:rPr>
-              <a:t>i</a:t>
-            </a:r>
-            <a:r>
-              <a:rPr lang="en-CA" sz="1600" kern="0" spc="-170" dirty="0">
-                <a:latin typeface="Consolas" panose="020B0609020204030204" pitchFamily="49" charset="0"/>
-                <a:ea typeface="Menlo" panose="020B0609030804020204" pitchFamily="49" charset="0"/>
-                <a:cs typeface="Consolas" panose="020B0609020204030204" pitchFamily="49" charset="0"/>
-              </a:rPr>
-              <a:t>++) {</a:t>
-            </a:r>
-          </a:p>
-          <a:p>
-            <a:pPr>
-              <a:lnSpc>
-                <a:spcPct val="120000"/>
-              </a:lnSpc>
-            </a:pPr>
-            <a:r>
-              <a:rPr lang="en-CA" sz="1600" kern="0" spc="-170" dirty="0">
-                <a:solidFill>
-                  <a:srgbClr val="7030A0"/>
-                </a:solidFill>
-                <a:latin typeface="Consolas" panose="020B0609020204030204" pitchFamily="49" charset="0"/>
-                <a:ea typeface="Menlo" panose="020B0609030804020204" pitchFamily="49" charset="0"/>
-                <a:cs typeface="Consolas" panose="020B0609020204030204" pitchFamily="49" charset="0"/>
-              </a:rPr>
-              <a:t>    try</a:t>
-            </a:r>
-            <a:r>
-              <a:rPr lang="en-CA" sz="1600" kern="0" spc="-170" dirty="0">
-                <a:latin typeface="Consolas" panose="020B0609020204030204" pitchFamily="49" charset="0"/>
-                <a:ea typeface="Menlo" panose="020B0609030804020204" pitchFamily="49" charset="0"/>
-                <a:cs typeface="Consolas" panose="020B0609020204030204" pitchFamily="49" charset="0"/>
-              </a:rPr>
-              <a:t> {</a:t>
-            </a:r>
-          </a:p>
-          <a:p>
-            <a:pPr>
-              <a:lnSpc>
-                <a:spcPct val="120000"/>
-              </a:lnSpc>
-            </a:pPr>
-            <a:r>
-              <a:rPr lang="en-CA" sz="1600" kern="0" spc="-170" dirty="0">
-                <a:latin typeface="Consolas" panose="020B0609020204030204" pitchFamily="49" charset="0"/>
-                <a:ea typeface="Menlo" panose="020B0609030804020204" pitchFamily="49" charset="0"/>
-                <a:cs typeface="Consolas" panose="020B0609020204030204" pitchFamily="49" charset="0"/>
-              </a:rPr>
-              <a:t>      </a:t>
-            </a:r>
-            <a:r>
-              <a:rPr lang="en-CA" sz="1600" kern="0" spc="-170" dirty="0">
-                <a:solidFill>
-                  <a:schemeClr val="tx1">
-                    <a:lumMod val="65000"/>
-                    <a:lumOff val="35000"/>
-                  </a:schemeClr>
-                </a:solidFill>
-                <a:latin typeface="Consolas" panose="020B0609020204030204" pitchFamily="49" charset="0"/>
-                <a:ea typeface="Menlo" panose="020B0609030804020204" pitchFamily="49" charset="0"/>
-                <a:cs typeface="Consolas" panose="020B0609020204030204" pitchFamily="49" charset="0"/>
-              </a:rPr>
-              <a:t>addresses</a:t>
-            </a:r>
-            <a:r>
-              <a:rPr lang="en-CA" sz="1600" kern="0" spc="-170" dirty="0">
-                <a:latin typeface="Consolas" panose="020B0609020204030204" pitchFamily="49" charset="0"/>
-                <a:ea typeface="Menlo" panose="020B0609030804020204" pitchFamily="49" charset="0"/>
-                <a:cs typeface="Consolas" panose="020B0609020204030204" pitchFamily="49" charset="0"/>
-              </a:rPr>
-              <a:t>[</a:t>
-            </a:r>
-            <a:r>
-              <a:rPr lang="en-CA" sz="1600" kern="0" spc="-170" dirty="0" err="1">
-                <a:solidFill>
-                  <a:schemeClr val="tx1">
-                    <a:lumMod val="65000"/>
-                    <a:lumOff val="35000"/>
-                  </a:schemeClr>
-                </a:solidFill>
-                <a:latin typeface="Consolas" panose="020B0609020204030204" pitchFamily="49" charset="0"/>
-                <a:ea typeface="Menlo" panose="020B0609030804020204" pitchFamily="49" charset="0"/>
-                <a:cs typeface="Consolas" panose="020B0609020204030204" pitchFamily="49" charset="0"/>
-              </a:rPr>
-              <a:t>i</a:t>
-            </a:r>
-            <a:r>
-              <a:rPr lang="en-CA" sz="1600" kern="0" spc="-170" dirty="0">
-                <a:latin typeface="Consolas" panose="020B0609020204030204" pitchFamily="49" charset="0"/>
-                <a:ea typeface="Menlo" panose="020B0609030804020204" pitchFamily="49" charset="0"/>
-                <a:cs typeface="Consolas" panose="020B0609020204030204" pitchFamily="49" charset="0"/>
-              </a:rPr>
-              <a:t>] =</a:t>
-            </a:r>
-          </a:p>
-          <a:p>
-            <a:pPr>
-              <a:lnSpc>
-                <a:spcPct val="120000"/>
-              </a:lnSpc>
-            </a:pPr>
-            <a:r>
-              <a:rPr lang="en-CA" sz="1600" kern="0" spc="-170" dirty="0">
-                <a:solidFill>
-                  <a:srgbClr val="7030A0"/>
-                </a:solidFill>
-                <a:latin typeface="Consolas" panose="020B0609020204030204" pitchFamily="49" charset="0"/>
-                <a:ea typeface="Menlo" panose="020B0609030804020204" pitchFamily="49" charset="0"/>
-                <a:cs typeface="Consolas" panose="020B0609020204030204" pitchFamily="49" charset="0"/>
-              </a:rPr>
-              <a:t>        new </a:t>
-            </a:r>
-            <a:r>
-              <a:rPr lang="en-CA" sz="1600" kern="0" spc="-170" dirty="0">
-                <a:latin typeface="Consolas" panose="020B0609020204030204" pitchFamily="49" charset="0"/>
-                <a:ea typeface="Menlo" panose="020B0609030804020204" pitchFamily="49" charset="0"/>
-                <a:cs typeface="Consolas" panose="020B0609020204030204" pitchFamily="49" charset="0"/>
-              </a:rPr>
-              <a:t>Address(</a:t>
-            </a:r>
-            <a:r>
-              <a:rPr lang="en-CA" sz="1600" kern="0" spc="-170" dirty="0">
-                <a:solidFill>
-                  <a:srgbClr val="0000FF"/>
-                </a:solidFill>
-                <a:latin typeface="Consolas" panose="020B0609020204030204" pitchFamily="49" charset="0"/>
-                <a:ea typeface="Menlo" panose="020B0609030804020204" pitchFamily="49" charset="0"/>
-                <a:cs typeface="Consolas" panose="020B0609020204030204" pitchFamily="49" charset="0"/>
-              </a:rPr>
-              <a:t>"127.0.0.1"</a:t>
-            </a:r>
-            <a:r>
-              <a:rPr lang="en-CA" sz="1600" kern="0" spc="-170" dirty="0">
-                <a:latin typeface="Consolas" panose="020B0609020204030204" pitchFamily="49" charset="0"/>
-                <a:ea typeface="Menlo" panose="020B0609030804020204" pitchFamily="49" charset="0"/>
-                <a:cs typeface="Consolas" panose="020B0609020204030204" pitchFamily="49" charset="0"/>
-              </a:rPr>
-              <a:t>, </a:t>
-            </a:r>
-            <a:r>
-              <a:rPr lang="en-CA" sz="1600" b="1" i="1" kern="0" spc="-170" dirty="0" err="1">
-                <a:solidFill>
-                  <a:srgbClr val="0000FF"/>
-                </a:solidFill>
-                <a:latin typeface="Consolas" panose="020B0609020204030204" pitchFamily="49" charset="0"/>
-                <a:ea typeface="Menlo" panose="020B0609030804020204" pitchFamily="49" charset="0"/>
-                <a:cs typeface="Consolas" panose="020B0609020204030204" pitchFamily="49" charset="0"/>
-              </a:rPr>
-              <a:t>PORTS</a:t>
-            </a:r>
-            <a:r>
-              <a:rPr lang="en-CA" sz="1600" kern="0" spc="-170" dirty="0" err="1">
-                <a:latin typeface="Consolas" panose="020B0609020204030204" pitchFamily="49" charset="0"/>
-                <a:ea typeface="Menlo" panose="020B0609030804020204" pitchFamily="49" charset="0"/>
-                <a:cs typeface="Consolas" panose="020B0609020204030204" pitchFamily="49" charset="0"/>
-              </a:rPr>
-              <a:t>.incrementAndGet</a:t>
-            </a:r>
-            <a:r>
-              <a:rPr lang="en-CA" sz="1600" kern="0" spc="-170" dirty="0">
-                <a:latin typeface="Consolas" panose="020B0609020204030204" pitchFamily="49" charset="0"/>
-                <a:ea typeface="Menlo" panose="020B0609030804020204" pitchFamily="49" charset="0"/>
-                <a:cs typeface="Consolas" panose="020B0609020204030204" pitchFamily="49" charset="0"/>
-              </a:rPr>
-              <a:t>());</a:t>
-            </a:r>
-          </a:p>
-          <a:p>
-            <a:pPr>
-              <a:lnSpc>
-                <a:spcPct val="120000"/>
-              </a:lnSpc>
-            </a:pPr>
-            <a:r>
-              <a:rPr lang="en-CA" sz="1600" kern="0" spc="-170" dirty="0">
-                <a:latin typeface="Consolas" panose="020B0609020204030204" pitchFamily="49" charset="0"/>
-                <a:ea typeface="Menlo" panose="020B0609030804020204" pitchFamily="49" charset="0"/>
-                <a:cs typeface="Consolas" panose="020B0609020204030204" pitchFamily="49" charset="0"/>
-              </a:rPr>
-              <a:t>    }</a:t>
-            </a:r>
-          </a:p>
-          <a:p>
-            <a:pPr>
-              <a:lnSpc>
-                <a:spcPct val="120000"/>
-              </a:lnSpc>
-            </a:pPr>
-            <a:r>
-              <a:rPr lang="en-CA" sz="1600" kern="0" spc="-170" dirty="0">
-                <a:solidFill>
-                  <a:srgbClr val="7030A0"/>
-                </a:solidFill>
-                <a:latin typeface="Consolas" panose="020B0609020204030204" pitchFamily="49" charset="0"/>
-                <a:ea typeface="Menlo" panose="020B0609030804020204" pitchFamily="49" charset="0"/>
-                <a:cs typeface="Consolas" panose="020B0609020204030204" pitchFamily="49" charset="0"/>
-              </a:rPr>
-              <a:t>    catch </a:t>
-            </a:r>
-            <a:r>
-              <a:rPr lang="en-CA" sz="1600" kern="0" spc="-170" dirty="0">
-                <a:latin typeface="Consolas" panose="020B0609020204030204" pitchFamily="49" charset="0"/>
-                <a:ea typeface="Menlo" panose="020B0609030804020204" pitchFamily="49" charset="0"/>
-                <a:cs typeface="Consolas" panose="020B0609020204030204" pitchFamily="49" charset="0"/>
-              </a:rPr>
-              <a:t>(</a:t>
-            </a:r>
-            <a:r>
-              <a:rPr lang="en-CA" sz="1600" kern="0" spc="-170" dirty="0" err="1">
-                <a:latin typeface="Consolas" panose="020B0609020204030204" pitchFamily="49" charset="0"/>
-                <a:ea typeface="Menlo" panose="020B0609030804020204" pitchFamily="49" charset="0"/>
-                <a:cs typeface="Consolas" panose="020B0609020204030204" pitchFamily="49" charset="0"/>
-              </a:rPr>
-              <a:t>UnknownHostException</a:t>
-            </a:r>
-            <a:r>
-              <a:rPr lang="en-CA" sz="1600" kern="0" spc="-170" dirty="0">
-                <a:latin typeface="Consolas" panose="020B0609020204030204" pitchFamily="49" charset="0"/>
-                <a:ea typeface="Menlo" panose="020B0609030804020204" pitchFamily="49" charset="0"/>
-                <a:cs typeface="Consolas" panose="020B0609020204030204" pitchFamily="49" charset="0"/>
-              </a:rPr>
-              <a:t> </a:t>
-            </a:r>
-            <a:r>
-              <a:rPr lang="en-CA" sz="1600" kern="0" spc="-170" dirty="0">
-                <a:solidFill>
-                  <a:schemeClr val="tx1">
-                    <a:lumMod val="65000"/>
-                    <a:lumOff val="35000"/>
-                  </a:schemeClr>
-                </a:solidFill>
-                <a:latin typeface="Consolas" panose="020B0609020204030204" pitchFamily="49" charset="0"/>
-                <a:ea typeface="Menlo" panose="020B0609030804020204" pitchFamily="49" charset="0"/>
-                <a:cs typeface="Consolas" panose="020B0609020204030204" pitchFamily="49" charset="0"/>
-              </a:rPr>
-              <a:t>e</a:t>
-            </a:r>
-            <a:r>
-              <a:rPr lang="en-CA" sz="1600" kern="0" spc="-170" dirty="0">
-                <a:latin typeface="Consolas" panose="020B0609020204030204" pitchFamily="49" charset="0"/>
-                <a:ea typeface="Menlo" panose="020B0609030804020204" pitchFamily="49" charset="0"/>
-                <a:cs typeface="Consolas" panose="020B0609020204030204" pitchFamily="49" charset="0"/>
-              </a:rPr>
-              <a:t>) {</a:t>
-            </a:r>
-          </a:p>
-          <a:p>
-            <a:pPr>
-              <a:lnSpc>
-                <a:spcPct val="120000"/>
-              </a:lnSpc>
-            </a:pPr>
-            <a:r>
-              <a:rPr lang="en-CA" sz="1600" kern="0" spc="-170" dirty="0">
-                <a:latin typeface="Consolas" panose="020B0609020204030204" pitchFamily="49" charset="0"/>
-                <a:ea typeface="Menlo" panose="020B0609030804020204" pitchFamily="49" charset="0"/>
-                <a:cs typeface="Consolas" panose="020B0609020204030204" pitchFamily="49" charset="0"/>
-              </a:rPr>
-              <a:t>      </a:t>
-            </a:r>
-            <a:r>
-              <a:rPr lang="en-CA" sz="1600" kern="0" spc="-170" dirty="0" err="1">
-                <a:latin typeface="Consolas" panose="020B0609020204030204" pitchFamily="49" charset="0"/>
-                <a:ea typeface="Menlo" panose="020B0609030804020204" pitchFamily="49" charset="0"/>
-                <a:cs typeface="Consolas" panose="020B0609020204030204" pitchFamily="49" charset="0"/>
-              </a:rPr>
-              <a:t>e.printStackTrace</a:t>
-            </a:r>
-            <a:r>
-              <a:rPr lang="en-CA" sz="1600" kern="0" spc="-170" dirty="0">
-                <a:latin typeface="Consolas" panose="020B0609020204030204" pitchFamily="49" charset="0"/>
-                <a:ea typeface="Menlo" panose="020B0609030804020204" pitchFamily="49" charset="0"/>
-                <a:cs typeface="Consolas" panose="020B0609020204030204" pitchFamily="49" charset="0"/>
-              </a:rPr>
-              <a:t>();</a:t>
-            </a:r>
-          </a:p>
-          <a:p>
-            <a:pPr>
-              <a:lnSpc>
-                <a:spcPct val="120000"/>
-              </a:lnSpc>
-            </a:pPr>
-            <a:r>
-              <a:rPr lang="en-CA" sz="1600" kern="0" spc="-170" dirty="0">
-                <a:latin typeface="Consolas" panose="020B0609020204030204" pitchFamily="49" charset="0"/>
-                <a:ea typeface="Menlo" panose="020B0609030804020204" pitchFamily="49" charset="0"/>
-                <a:cs typeface="Consolas" panose="020B0609020204030204" pitchFamily="49" charset="0"/>
-              </a:rPr>
-              <a:t>    }</a:t>
-            </a:r>
-          </a:p>
-          <a:p>
-            <a:pPr>
-              <a:lnSpc>
-                <a:spcPct val="120000"/>
-              </a:lnSpc>
-            </a:pPr>
-            <a:r>
-              <a:rPr lang="en-CA" sz="1600" kern="0" spc="-170" dirty="0">
-                <a:latin typeface="Consolas" panose="020B0609020204030204" pitchFamily="49" charset="0"/>
-                <a:ea typeface="Menlo" panose="020B0609030804020204" pitchFamily="49" charset="0"/>
-                <a:cs typeface="Consolas" panose="020B0609020204030204" pitchFamily="49" charset="0"/>
-              </a:rPr>
-              <a:t>  }</a:t>
-            </a:r>
-          </a:p>
-          <a:p>
-            <a:pPr>
-              <a:lnSpc>
-                <a:spcPct val="120000"/>
-              </a:lnSpc>
-            </a:pPr>
-            <a:r>
-              <a:rPr lang="en-CA" sz="1600" kern="0" spc="-170" dirty="0">
-                <a:solidFill>
-                  <a:srgbClr val="7030A0"/>
-                </a:solidFill>
-                <a:latin typeface="Consolas" panose="020B0609020204030204" pitchFamily="49" charset="0"/>
-                <a:ea typeface="Menlo" panose="020B0609030804020204" pitchFamily="49" charset="0"/>
-                <a:cs typeface="Consolas" panose="020B0609020204030204" pitchFamily="49" charset="0"/>
-              </a:rPr>
-              <a:t>  return</a:t>
-            </a:r>
-            <a:r>
-              <a:rPr lang="en-CA" sz="1600" kern="0" spc="-170" dirty="0">
-                <a:latin typeface="Consolas" panose="020B0609020204030204" pitchFamily="49" charset="0"/>
-                <a:ea typeface="Menlo" panose="020B0609030804020204" pitchFamily="49" charset="0"/>
-                <a:cs typeface="Consolas" panose="020B0609020204030204" pitchFamily="49" charset="0"/>
-              </a:rPr>
-              <a:t> </a:t>
-            </a:r>
-            <a:r>
-              <a:rPr lang="en-CA" sz="1600" kern="0" spc="-170" dirty="0">
-                <a:solidFill>
-                  <a:schemeClr val="tx1">
-                    <a:lumMod val="65000"/>
-                    <a:lumOff val="35000"/>
-                  </a:schemeClr>
-                </a:solidFill>
-                <a:latin typeface="Consolas" panose="020B0609020204030204" pitchFamily="49" charset="0"/>
-                <a:ea typeface="Menlo" panose="020B0609030804020204" pitchFamily="49" charset="0"/>
-                <a:cs typeface="Consolas" panose="020B0609020204030204" pitchFamily="49" charset="0"/>
-              </a:rPr>
-              <a:t>addresses</a:t>
-            </a:r>
-            <a:r>
-              <a:rPr lang="en-CA" sz="1600" kern="0" spc="-170" dirty="0">
-                <a:latin typeface="Consolas" panose="020B0609020204030204" pitchFamily="49" charset="0"/>
-                <a:ea typeface="Menlo" panose="020B0609030804020204" pitchFamily="49" charset="0"/>
-                <a:cs typeface="Consolas" panose="020B0609020204030204" pitchFamily="49" charset="0"/>
-              </a:rPr>
-              <a:t>;</a:t>
-            </a:r>
-          </a:p>
-          <a:p>
-            <a:pPr>
-              <a:lnSpc>
-                <a:spcPct val="120000"/>
-              </a:lnSpc>
-            </a:pPr>
-            <a:r>
-              <a:rPr lang="en-CA" sz="1600" kern="0" spc="-170" dirty="0">
-                <a:latin typeface="Consolas" panose="020B0609020204030204" pitchFamily="49" charset="0"/>
-                <a:ea typeface="Menlo" panose="020B0609030804020204" pitchFamily="49" charset="0"/>
-                <a:cs typeface="Consolas" panose="020B0609020204030204" pitchFamily="49" charset="0"/>
-              </a:rPr>
-              <a:t>}</a:t>
-            </a:r>
-          </a:p>
-          <a:p>
-            <a:pPr>
-              <a:lnSpc>
-                <a:spcPct val="120000"/>
-              </a:lnSpc>
-            </a:pPr>
-            <a:endParaRPr lang="en-US" sz="1600" kern="0" spc="-170" dirty="0">
-              <a:latin typeface="Consolas" panose="020B0609020204030204" pitchFamily="49" charset="0"/>
-              <a:ea typeface="Menlo" panose="020B0609030804020204" pitchFamily="49" charset="0"/>
-              <a:cs typeface="Consolas" panose="020B0609020204030204" pitchFamily="49" charset="0"/>
-            </a:endParaRPr>
-          </a:p>
-        </p:txBody>
-      </p:sp>
-      <p:sp>
-        <p:nvSpPr>
-          <p:cNvPr id="17" name="TextBox 16">
-            <a:extLst>
-              <a:ext uri="{FF2B5EF4-FFF2-40B4-BE49-F238E27FC236}">
-                <a16:creationId xmlns:a16="http://schemas.microsoft.com/office/drawing/2014/main" id="{1E0CDEDB-7F8E-0441-A3D9-EF489BC0140B}"/>
-              </a:ext>
-            </a:extLst>
-          </p:cNvPr>
-          <p:cNvSpPr txBox="1"/>
-          <p:nvPr/>
-        </p:nvSpPr>
-        <p:spPr>
-          <a:xfrm>
-            <a:off x="11278258" y="5756185"/>
-            <a:ext cx="836511" cy="461665"/>
-          </a:xfrm>
-          <a:prstGeom prst="rect">
-            <a:avLst/>
-          </a:prstGeom>
-          <a:noFill/>
-        </p:spPr>
-        <p:txBody>
-          <a:bodyPr wrap="none" rtlCol="0">
-            <a:spAutoFit/>
-          </a:bodyPr>
-          <a:lstStyle/>
-          <a:p>
-            <a:r>
-              <a:rPr lang="en-US" sz="2400" b="1" dirty="0"/>
-              <a:t>After</a:t>
-            </a:r>
-          </a:p>
-        </p:txBody>
-      </p:sp>
-      <p:sp>
-        <p:nvSpPr>
-          <p:cNvPr id="18" name="TextBox 17">
-            <a:extLst>
-              <a:ext uri="{FF2B5EF4-FFF2-40B4-BE49-F238E27FC236}">
-                <a16:creationId xmlns:a16="http://schemas.microsoft.com/office/drawing/2014/main" id="{E049157D-209E-4E49-83CA-68BE73ED908D}"/>
-              </a:ext>
-            </a:extLst>
-          </p:cNvPr>
-          <p:cNvSpPr txBox="1"/>
-          <p:nvPr/>
-        </p:nvSpPr>
-        <p:spPr>
-          <a:xfrm>
-            <a:off x="0" y="5756185"/>
-            <a:ext cx="1030282" cy="461665"/>
-          </a:xfrm>
-          <a:prstGeom prst="rect">
-            <a:avLst/>
-          </a:prstGeom>
-          <a:noFill/>
-        </p:spPr>
-        <p:txBody>
-          <a:bodyPr wrap="none" rtlCol="0">
-            <a:spAutoFit/>
-          </a:bodyPr>
-          <a:lstStyle/>
-          <a:p>
-            <a:r>
-              <a:rPr lang="en-US" sz="2400" b="1" dirty="0"/>
-              <a:t>Before</a:t>
-            </a:r>
-          </a:p>
-        </p:txBody>
-      </p:sp>
-      <p:sp>
-        <p:nvSpPr>
-          <p:cNvPr id="19" name="Rounded Rectangle 15">
-            <a:extLst>
-              <a:ext uri="{FF2B5EF4-FFF2-40B4-BE49-F238E27FC236}">
-                <a16:creationId xmlns:a16="http://schemas.microsoft.com/office/drawing/2014/main" id="{CE32666B-0217-4988-B22C-3354C864A06A}"/>
-              </a:ext>
-            </a:extLst>
-          </p:cNvPr>
-          <p:cNvSpPr/>
-          <p:nvPr/>
-        </p:nvSpPr>
-        <p:spPr>
-          <a:xfrm>
-            <a:off x="8137573" y="1644452"/>
-            <a:ext cx="547977" cy="248846"/>
-          </a:xfrm>
-          <a:prstGeom prst="roundRect">
-            <a:avLst/>
-          </a:prstGeom>
-          <a:solidFill>
-            <a:schemeClr val="accent6">
-              <a:lumMod val="40000"/>
-              <a:lumOff val="60000"/>
-            </a:schemeClr>
-          </a:solidFill>
-          <a:ln w="6350">
-            <a:solidFill>
-              <a:schemeClr val="accent6">
-                <a:lumMod val="75000"/>
-              </a:schemeClr>
-            </a:solidFill>
-          </a:ln>
-        </p:spPr>
-        <p:style>
-          <a:lnRef idx="2">
-            <a:schemeClr val="accent4">
-              <a:shade val="50000"/>
-            </a:schemeClr>
-          </a:lnRef>
-          <a:fillRef idx="1">
-            <a:schemeClr val="accent4"/>
-          </a:fillRef>
-          <a:effectRef idx="0">
-            <a:schemeClr val="accent4"/>
-          </a:effectRef>
-          <a:fontRef idx="minor">
-            <a:schemeClr val="lt1"/>
-          </a:fontRef>
-        </p:style>
-        <p:txBody>
-          <a:bodyPr rtlCol="0" anchor="ctr"/>
-          <a:lstStyle/>
-          <a:p>
-            <a:pPr algn="ctr"/>
-            <a:endParaRPr lang="en-US"/>
-          </a:p>
-        </p:txBody>
-      </p:sp>
-      <p:sp>
-        <p:nvSpPr>
-          <p:cNvPr id="22" name="TextBox 21">
-            <a:extLst>
-              <a:ext uri="{FF2B5EF4-FFF2-40B4-BE49-F238E27FC236}">
-                <a16:creationId xmlns:a16="http://schemas.microsoft.com/office/drawing/2014/main" id="{C4E7FE12-539E-DE40-9A00-9A49E1CD8AED}"/>
-              </a:ext>
-            </a:extLst>
-          </p:cNvPr>
-          <p:cNvSpPr txBox="1"/>
-          <p:nvPr/>
-        </p:nvSpPr>
-        <p:spPr>
-          <a:xfrm>
-            <a:off x="5246756" y="146448"/>
-            <a:ext cx="7006204" cy="4115422"/>
-          </a:xfrm>
-          <a:prstGeom prst="rect">
-            <a:avLst/>
-          </a:prstGeom>
-          <a:noFill/>
-        </p:spPr>
-        <p:txBody>
-          <a:bodyPr wrap="square" lIns="0" tIns="0" rIns="0" bIns="0" rtlCol="0">
-            <a:spAutoFit/>
-          </a:bodyPr>
-          <a:lstStyle/>
-          <a:p>
-            <a:pPr>
-              <a:lnSpc>
-                <a:spcPct val="120000"/>
-              </a:lnSpc>
-            </a:pPr>
-            <a:r>
-              <a:rPr lang="en-CA" sz="1600" kern="0" spc="-170" dirty="0">
-                <a:solidFill>
-                  <a:srgbClr val="7030A0"/>
-                </a:solidFill>
-                <a:latin typeface="Consolas" panose="020B0609020204030204" pitchFamily="49" charset="0"/>
-                <a:ea typeface="Menlo" panose="020B0609030804020204" pitchFamily="49" charset="0"/>
-                <a:cs typeface="Consolas" panose="020B0609020204030204" pitchFamily="49" charset="0"/>
-              </a:rPr>
-              <a:t>private</a:t>
-            </a:r>
-            <a:r>
-              <a:rPr lang="en-CA" sz="1600" kern="0" spc="-170" dirty="0">
-                <a:latin typeface="Consolas" panose="020B0609020204030204" pitchFamily="49" charset="0"/>
-                <a:ea typeface="Menlo" panose="020B0609030804020204" pitchFamily="49" charset="0"/>
-                <a:cs typeface="Consolas" panose="020B0609020204030204" pitchFamily="49" charset="0"/>
-              </a:rPr>
-              <a:t> </a:t>
-            </a:r>
-            <a:r>
-              <a:rPr lang="en-CA" sz="1600" kern="0" spc="-170" dirty="0">
-                <a:solidFill>
-                  <a:srgbClr val="7030A0"/>
-                </a:solidFill>
-                <a:latin typeface="Consolas" panose="020B0609020204030204" pitchFamily="49" charset="0"/>
-                <a:ea typeface="Menlo" panose="020B0609030804020204" pitchFamily="49" charset="0"/>
-                <a:cs typeface="Consolas" panose="020B0609020204030204" pitchFamily="49" charset="0"/>
-              </a:rPr>
-              <a:t>static</a:t>
-            </a:r>
-            <a:r>
-              <a:rPr lang="en-CA" sz="1600" kern="0" spc="-170" dirty="0">
-                <a:latin typeface="Consolas" panose="020B0609020204030204" pitchFamily="49" charset="0"/>
-                <a:ea typeface="Menlo" panose="020B0609030804020204" pitchFamily="49" charset="0"/>
-                <a:cs typeface="Consolas" panose="020B0609020204030204" pitchFamily="49" charset="0"/>
-              </a:rPr>
-              <a:t> </a:t>
-            </a:r>
-            <a:r>
-              <a:rPr lang="en-CA" sz="1600" kern="0" spc="-170" dirty="0">
-                <a:latin typeface="Consolas" panose="020B0609020204030204" pitchFamily="49" charset="0"/>
-                <a:cs typeface="Consolas" panose="020B0609020204030204" pitchFamily="49" charset="0"/>
-              </a:rPr>
-              <a:t>List&lt;Address&gt;</a:t>
-            </a:r>
-            <a:r>
-              <a:rPr lang="en-CA" sz="1600" kern="0" spc="-170" dirty="0">
-                <a:latin typeface="Consolas" panose="020B0609020204030204" pitchFamily="49" charset="0"/>
-                <a:ea typeface="Menlo" panose="020B0609030804020204" pitchFamily="49" charset="0"/>
-                <a:cs typeface="Consolas" panose="020B0609020204030204" pitchFamily="49" charset="0"/>
-              </a:rPr>
-              <a:t> </a:t>
-            </a:r>
-            <a:r>
-              <a:rPr lang="en-CA" sz="1600" kern="0" spc="-170" dirty="0" err="1">
-                <a:latin typeface="Consolas" panose="020B0609020204030204" pitchFamily="49" charset="0"/>
-                <a:ea typeface="Menlo" panose="020B0609030804020204" pitchFamily="49" charset="0"/>
-                <a:cs typeface="Consolas" panose="020B0609020204030204" pitchFamily="49" charset="0"/>
-              </a:rPr>
-              <a:t>createAddresses</a:t>
-            </a:r>
-            <a:r>
-              <a:rPr lang="en-CA" sz="1600" kern="0" spc="-170" dirty="0">
-                <a:latin typeface="Consolas" panose="020B0609020204030204" pitchFamily="49" charset="0"/>
-                <a:ea typeface="Menlo" panose="020B0609030804020204" pitchFamily="49" charset="0"/>
-                <a:cs typeface="Consolas" panose="020B0609020204030204" pitchFamily="49" charset="0"/>
-              </a:rPr>
-              <a:t>(</a:t>
-            </a:r>
-            <a:r>
-              <a:rPr lang="en-CA" sz="1600" kern="0" spc="-170" dirty="0" err="1">
-                <a:latin typeface="Consolas" panose="020B0609020204030204" pitchFamily="49" charset="0"/>
-                <a:ea typeface="Menlo" panose="020B0609030804020204" pitchFamily="49" charset="0"/>
-                <a:cs typeface="Consolas" panose="020B0609020204030204" pitchFamily="49" charset="0"/>
-              </a:rPr>
-              <a:t>AtomicInteger</a:t>
-            </a:r>
-            <a:r>
-              <a:rPr lang="en-CA" sz="1600" kern="0" spc="-170" dirty="0">
-                <a:latin typeface="Consolas" panose="020B0609020204030204" pitchFamily="49" charset="0"/>
-                <a:ea typeface="Menlo" panose="020B0609030804020204" pitchFamily="49" charset="0"/>
-                <a:cs typeface="Consolas" panose="020B0609020204030204" pitchFamily="49" charset="0"/>
-              </a:rPr>
-              <a:t> ports,</a:t>
-            </a:r>
-            <a:r>
-              <a:rPr lang="en-CA" sz="1600" kern="0" spc="-300" dirty="0">
-                <a:latin typeface="Consolas" panose="020B0609020204030204" pitchFamily="49" charset="0"/>
-                <a:ea typeface="Menlo" panose="020B0609030804020204" pitchFamily="49" charset="0"/>
-                <a:cs typeface="Consolas" panose="020B0609020204030204" pitchFamily="49" charset="0"/>
-              </a:rPr>
-              <a:t> </a:t>
-            </a:r>
-            <a:r>
-              <a:rPr lang="en-CA" sz="1600" kern="0" spc="-170" dirty="0" err="1">
-                <a:solidFill>
-                  <a:srgbClr val="7030A0"/>
-                </a:solidFill>
-                <a:latin typeface="Consolas" panose="020B0609020204030204" pitchFamily="49" charset="0"/>
-                <a:ea typeface="Menlo" panose="020B0609030804020204" pitchFamily="49" charset="0"/>
-                <a:cs typeface="Consolas" panose="020B0609020204030204" pitchFamily="49" charset="0"/>
-              </a:rPr>
-              <a:t>int</a:t>
-            </a:r>
-            <a:r>
-              <a:rPr lang="en-CA" sz="1600" kern="0" spc="-170" dirty="0">
-                <a:latin typeface="Consolas" panose="020B0609020204030204" pitchFamily="49" charset="0"/>
-                <a:ea typeface="Menlo" panose="020B0609030804020204" pitchFamily="49" charset="0"/>
-                <a:cs typeface="Consolas" panose="020B0609020204030204" pitchFamily="49" charset="0"/>
-              </a:rPr>
-              <a:t> </a:t>
-            </a:r>
-            <a:r>
-              <a:rPr lang="en-CA" sz="1600" kern="0" spc="-170" dirty="0">
-                <a:solidFill>
-                  <a:schemeClr val="tx1">
-                    <a:lumMod val="65000"/>
-                    <a:lumOff val="35000"/>
-                  </a:schemeClr>
-                </a:solidFill>
-                <a:latin typeface="Consolas" panose="020B0609020204030204" pitchFamily="49" charset="0"/>
-                <a:ea typeface="Menlo" panose="020B0609030804020204" pitchFamily="49" charset="0"/>
-                <a:cs typeface="Consolas" panose="020B0609020204030204" pitchFamily="49" charset="0"/>
-              </a:rPr>
-              <a:t>count</a:t>
-            </a:r>
-            <a:r>
-              <a:rPr lang="en-CA" sz="1600" kern="0" spc="-170" dirty="0">
-                <a:latin typeface="Consolas" panose="020B0609020204030204" pitchFamily="49" charset="0"/>
-                <a:ea typeface="Menlo" panose="020B0609030804020204" pitchFamily="49" charset="0"/>
-                <a:cs typeface="Consolas" panose="020B0609020204030204" pitchFamily="49" charset="0"/>
-              </a:rPr>
-              <a:t>){</a:t>
-            </a:r>
-          </a:p>
-          <a:p>
-            <a:pPr>
-              <a:lnSpc>
-                <a:spcPct val="120000"/>
-              </a:lnSpc>
-            </a:pPr>
-            <a:r>
-              <a:rPr lang="en-CA" sz="1600" kern="0" spc="-170" dirty="0">
-                <a:latin typeface="Consolas" panose="020B0609020204030204" pitchFamily="49" charset="0"/>
-                <a:ea typeface="Menlo" panose="020B0609030804020204" pitchFamily="49" charset="0"/>
-                <a:cs typeface="Consolas" panose="020B0609020204030204" pitchFamily="49" charset="0"/>
-              </a:rPr>
-              <a:t>  </a:t>
-            </a:r>
-            <a:r>
-              <a:rPr lang="en-CA" sz="1600" kern="0" spc="-170" dirty="0">
-                <a:latin typeface="Consolas" panose="020B0609020204030204" pitchFamily="49" charset="0"/>
-                <a:cs typeface="Consolas" panose="020B0609020204030204" pitchFamily="49" charset="0"/>
-              </a:rPr>
-              <a:t>List&lt;Address&gt; </a:t>
-            </a:r>
-            <a:r>
-              <a:rPr lang="en-CA" sz="1600" kern="0" spc="-170" dirty="0">
-                <a:solidFill>
-                  <a:schemeClr val="tx1">
-                    <a:lumMod val="65000"/>
-                    <a:lumOff val="35000"/>
-                  </a:schemeClr>
-                </a:solidFill>
-                <a:latin typeface="Consolas" panose="020B0609020204030204" pitchFamily="49" charset="0"/>
-                <a:ea typeface="Menlo" panose="020B0609030804020204" pitchFamily="49" charset="0"/>
-                <a:cs typeface="Consolas" panose="020B0609020204030204" pitchFamily="49" charset="0"/>
-              </a:rPr>
-              <a:t>addresses</a:t>
-            </a:r>
-            <a:r>
-              <a:rPr lang="en-CA" sz="1600" kern="0" spc="-170" dirty="0">
-                <a:latin typeface="Consolas" panose="020B0609020204030204" pitchFamily="49" charset="0"/>
-                <a:ea typeface="Menlo" panose="020B0609030804020204" pitchFamily="49" charset="0"/>
-                <a:cs typeface="Consolas" panose="020B0609020204030204" pitchFamily="49" charset="0"/>
-              </a:rPr>
-              <a:t> = </a:t>
-            </a:r>
-            <a:r>
-              <a:rPr lang="en-CA" sz="1600" kern="0" spc="-170" dirty="0">
-                <a:solidFill>
-                  <a:srgbClr val="7030A0"/>
-                </a:solidFill>
-                <a:latin typeface="Consolas" panose="020B0609020204030204" pitchFamily="49" charset="0"/>
-                <a:ea typeface="Menlo" panose="020B0609030804020204" pitchFamily="49" charset="0"/>
-                <a:cs typeface="Consolas" panose="020B0609020204030204" pitchFamily="49" charset="0"/>
-              </a:rPr>
-              <a:t>new</a:t>
-            </a:r>
-            <a:r>
-              <a:rPr lang="en-CA" sz="1600" kern="0" spc="-170" dirty="0">
-                <a:latin typeface="Consolas" panose="020B0609020204030204" pitchFamily="49" charset="0"/>
-                <a:ea typeface="Menlo" panose="020B0609030804020204" pitchFamily="49" charset="0"/>
-                <a:cs typeface="Consolas" panose="020B0609020204030204" pitchFamily="49" charset="0"/>
-              </a:rPr>
-              <a:t> </a:t>
-            </a:r>
-            <a:r>
-              <a:rPr lang="en-CA" sz="1600" kern="0" spc="-170" dirty="0" err="1">
-                <a:latin typeface="Consolas" panose="020B0609020204030204" pitchFamily="49" charset="0"/>
-                <a:ea typeface="Menlo" panose="020B0609030804020204" pitchFamily="49" charset="0"/>
-                <a:cs typeface="Consolas" panose="020B0609020204030204" pitchFamily="49" charset="0"/>
-              </a:rPr>
-              <a:t>ArrayList</a:t>
-            </a:r>
-            <a:r>
-              <a:rPr lang="en-CA" sz="1600" kern="0" spc="-170" dirty="0">
-                <a:latin typeface="Consolas" panose="020B0609020204030204" pitchFamily="49" charset="0"/>
-                <a:ea typeface="Menlo" panose="020B0609030804020204" pitchFamily="49" charset="0"/>
-                <a:cs typeface="Consolas" panose="020B0609020204030204" pitchFamily="49" charset="0"/>
-              </a:rPr>
-              <a:t>&lt;Address&gt;(</a:t>
-            </a:r>
-            <a:r>
-              <a:rPr lang="en-CA" sz="1600" kern="0" spc="-170" dirty="0">
-                <a:solidFill>
-                  <a:schemeClr val="tx1">
-                    <a:lumMod val="65000"/>
-                    <a:lumOff val="35000"/>
-                  </a:schemeClr>
-                </a:solidFill>
-                <a:latin typeface="Consolas" panose="020B0609020204030204" pitchFamily="49" charset="0"/>
-                <a:ea typeface="Menlo" panose="020B0609030804020204" pitchFamily="49" charset="0"/>
-                <a:cs typeface="Consolas" panose="020B0609020204030204" pitchFamily="49" charset="0"/>
-              </a:rPr>
-              <a:t>count</a:t>
-            </a:r>
-            <a:r>
-              <a:rPr lang="en-CA" sz="1600" kern="0" spc="-170" dirty="0">
-                <a:latin typeface="Consolas" panose="020B0609020204030204" pitchFamily="49" charset="0"/>
-                <a:ea typeface="Menlo" panose="020B0609030804020204" pitchFamily="49" charset="0"/>
-                <a:cs typeface="Consolas" panose="020B0609020204030204" pitchFamily="49" charset="0"/>
-              </a:rPr>
-              <a:t>);</a:t>
-            </a:r>
-          </a:p>
-          <a:p>
-            <a:pPr>
-              <a:lnSpc>
-                <a:spcPct val="120000"/>
-              </a:lnSpc>
-            </a:pPr>
-            <a:r>
-              <a:rPr lang="en-CA" sz="1600" kern="0" spc="-170" dirty="0">
-                <a:solidFill>
-                  <a:srgbClr val="7030A0"/>
-                </a:solidFill>
-                <a:latin typeface="Consolas" panose="020B0609020204030204" pitchFamily="49" charset="0"/>
-                <a:ea typeface="Menlo" panose="020B0609030804020204" pitchFamily="49" charset="0"/>
-                <a:cs typeface="Consolas" panose="020B0609020204030204" pitchFamily="49" charset="0"/>
-              </a:rPr>
-              <a:t>  for </a:t>
-            </a:r>
-            <a:r>
-              <a:rPr lang="en-CA" sz="1600" kern="0" spc="-170" dirty="0">
-                <a:latin typeface="Consolas" panose="020B0609020204030204" pitchFamily="49" charset="0"/>
-                <a:ea typeface="Menlo" panose="020B0609030804020204" pitchFamily="49" charset="0"/>
-                <a:cs typeface="Consolas" panose="020B0609020204030204" pitchFamily="49" charset="0"/>
-              </a:rPr>
-              <a:t>(</a:t>
-            </a:r>
-            <a:r>
-              <a:rPr lang="en-CA" sz="1600" kern="0" spc="-170" dirty="0" err="1">
-                <a:solidFill>
-                  <a:srgbClr val="7030A0"/>
-                </a:solidFill>
-                <a:latin typeface="Consolas" panose="020B0609020204030204" pitchFamily="49" charset="0"/>
-                <a:ea typeface="Menlo" panose="020B0609030804020204" pitchFamily="49" charset="0"/>
-                <a:cs typeface="Consolas" panose="020B0609020204030204" pitchFamily="49" charset="0"/>
-              </a:rPr>
-              <a:t>int</a:t>
-            </a:r>
-            <a:r>
-              <a:rPr lang="en-CA" sz="1600" kern="0" spc="-170" dirty="0">
-                <a:latin typeface="Consolas" panose="020B0609020204030204" pitchFamily="49" charset="0"/>
-                <a:ea typeface="Menlo" panose="020B0609030804020204" pitchFamily="49" charset="0"/>
-                <a:cs typeface="Consolas" panose="020B0609020204030204" pitchFamily="49" charset="0"/>
-              </a:rPr>
-              <a:t> </a:t>
-            </a:r>
-            <a:r>
-              <a:rPr lang="en-CA" sz="1600" kern="0" spc="-170" dirty="0" err="1">
-                <a:solidFill>
-                  <a:schemeClr val="bg2">
-                    <a:lumMod val="50000"/>
-                  </a:schemeClr>
-                </a:solidFill>
-                <a:latin typeface="Consolas" panose="020B0609020204030204" pitchFamily="49" charset="0"/>
-                <a:ea typeface="Menlo" panose="020B0609030804020204" pitchFamily="49" charset="0"/>
-                <a:cs typeface="Consolas" panose="020B0609020204030204" pitchFamily="49" charset="0"/>
-              </a:rPr>
-              <a:t>i</a:t>
-            </a:r>
-            <a:r>
-              <a:rPr lang="en-CA" sz="1600" kern="0" spc="-170" dirty="0">
-                <a:latin typeface="Consolas" panose="020B0609020204030204" pitchFamily="49" charset="0"/>
-                <a:ea typeface="Menlo" panose="020B0609030804020204" pitchFamily="49" charset="0"/>
-                <a:cs typeface="Consolas" panose="020B0609020204030204" pitchFamily="49" charset="0"/>
-              </a:rPr>
-              <a:t> = </a:t>
-            </a:r>
-            <a:r>
-              <a:rPr lang="en-CA" sz="1600" kern="0" spc="-170" dirty="0">
-                <a:solidFill>
-                  <a:srgbClr val="0000FF"/>
-                </a:solidFill>
-                <a:latin typeface="Consolas" panose="020B0609020204030204" pitchFamily="49" charset="0"/>
-                <a:ea typeface="Menlo" panose="020B0609030804020204" pitchFamily="49" charset="0"/>
-                <a:cs typeface="Consolas" panose="020B0609020204030204" pitchFamily="49" charset="0"/>
-              </a:rPr>
-              <a:t>0</a:t>
-            </a:r>
-            <a:r>
-              <a:rPr lang="en-CA" sz="1600" kern="0" spc="-170" dirty="0">
-                <a:latin typeface="Consolas" panose="020B0609020204030204" pitchFamily="49" charset="0"/>
-                <a:ea typeface="Menlo" panose="020B0609030804020204" pitchFamily="49" charset="0"/>
-                <a:cs typeface="Consolas" panose="020B0609020204030204" pitchFamily="49" charset="0"/>
-              </a:rPr>
-              <a:t>; </a:t>
-            </a:r>
-            <a:r>
-              <a:rPr lang="en-CA" sz="1600" kern="0" spc="-170" dirty="0" err="1">
-                <a:solidFill>
-                  <a:schemeClr val="bg2">
-                    <a:lumMod val="50000"/>
-                  </a:schemeClr>
-                </a:solidFill>
-                <a:latin typeface="Consolas" panose="020B0609020204030204" pitchFamily="49" charset="0"/>
-                <a:ea typeface="Menlo" panose="020B0609030804020204" pitchFamily="49" charset="0"/>
-                <a:cs typeface="Consolas" panose="020B0609020204030204" pitchFamily="49" charset="0"/>
-              </a:rPr>
-              <a:t>i</a:t>
-            </a:r>
-            <a:r>
-              <a:rPr lang="en-CA" sz="1600" kern="0" spc="-170" dirty="0">
-                <a:latin typeface="Consolas" panose="020B0609020204030204" pitchFamily="49" charset="0"/>
-                <a:ea typeface="Menlo" panose="020B0609030804020204" pitchFamily="49" charset="0"/>
-                <a:cs typeface="Consolas" panose="020B0609020204030204" pitchFamily="49" charset="0"/>
-              </a:rPr>
-              <a:t> &lt; </a:t>
-            </a:r>
-            <a:r>
-              <a:rPr lang="en-CA" sz="1600" kern="0" spc="-170" dirty="0">
-                <a:solidFill>
-                  <a:schemeClr val="tx1">
-                    <a:lumMod val="65000"/>
-                    <a:lumOff val="35000"/>
-                  </a:schemeClr>
-                </a:solidFill>
-                <a:latin typeface="Consolas" panose="020B0609020204030204" pitchFamily="49" charset="0"/>
-                <a:ea typeface="Menlo" panose="020B0609030804020204" pitchFamily="49" charset="0"/>
-                <a:cs typeface="Consolas" panose="020B0609020204030204" pitchFamily="49" charset="0"/>
-              </a:rPr>
-              <a:t>count</a:t>
-            </a:r>
-            <a:r>
-              <a:rPr lang="en-CA" sz="1600" kern="0" spc="-170" dirty="0">
-                <a:latin typeface="Consolas" panose="020B0609020204030204" pitchFamily="49" charset="0"/>
-                <a:ea typeface="Menlo" panose="020B0609030804020204" pitchFamily="49" charset="0"/>
-                <a:cs typeface="Consolas" panose="020B0609020204030204" pitchFamily="49" charset="0"/>
-              </a:rPr>
-              <a:t>; </a:t>
-            </a:r>
-            <a:r>
-              <a:rPr lang="en-CA" sz="1600" kern="0" spc="-170" dirty="0" err="1">
-                <a:solidFill>
-                  <a:schemeClr val="tx1">
-                    <a:lumMod val="65000"/>
-                    <a:lumOff val="35000"/>
-                  </a:schemeClr>
-                </a:solidFill>
-                <a:latin typeface="Consolas" panose="020B0609020204030204" pitchFamily="49" charset="0"/>
-                <a:ea typeface="Menlo" panose="020B0609030804020204" pitchFamily="49" charset="0"/>
-                <a:cs typeface="Consolas" panose="020B0609020204030204" pitchFamily="49" charset="0"/>
-              </a:rPr>
-              <a:t>i</a:t>
-            </a:r>
-            <a:r>
-              <a:rPr lang="en-CA" sz="1600" kern="0" spc="-170" dirty="0">
-                <a:latin typeface="Consolas" panose="020B0609020204030204" pitchFamily="49" charset="0"/>
-                <a:ea typeface="Menlo" panose="020B0609030804020204" pitchFamily="49" charset="0"/>
-                <a:cs typeface="Consolas" panose="020B0609020204030204" pitchFamily="49" charset="0"/>
-              </a:rPr>
-              <a:t>++) {</a:t>
-            </a:r>
-          </a:p>
-          <a:p>
-            <a:pPr>
-              <a:lnSpc>
-                <a:spcPct val="120000"/>
-              </a:lnSpc>
-            </a:pPr>
-            <a:r>
-              <a:rPr lang="en-CA" sz="1600" kern="0" spc="-170" dirty="0">
-                <a:solidFill>
-                  <a:srgbClr val="7030A0"/>
-                </a:solidFill>
-                <a:latin typeface="Consolas" panose="020B0609020204030204" pitchFamily="49" charset="0"/>
-                <a:ea typeface="Menlo" panose="020B0609030804020204" pitchFamily="49" charset="0"/>
-                <a:cs typeface="Consolas" panose="020B0609020204030204" pitchFamily="49" charset="0"/>
-              </a:rPr>
-              <a:t>    try</a:t>
-            </a:r>
-            <a:r>
-              <a:rPr lang="en-CA" sz="1600" kern="0" spc="-170" dirty="0">
-                <a:latin typeface="Consolas" panose="020B0609020204030204" pitchFamily="49" charset="0"/>
-                <a:ea typeface="Menlo" panose="020B0609030804020204" pitchFamily="49" charset="0"/>
-                <a:cs typeface="Consolas" panose="020B0609020204030204" pitchFamily="49" charset="0"/>
-              </a:rPr>
-              <a:t> {</a:t>
-            </a:r>
-          </a:p>
-          <a:p>
-            <a:pPr>
-              <a:lnSpc>
-                <a:spcPct val="120000"/>
-              </a:lnSpc>
-            </a:pPr>
-            <a:r>
-              <a:rPr lang="en-CA" sz="1600" kern="0" spc="-170" dirty="0">
-                <a:latin typeface="Consolas" panose="020B0609020204030204" pitchFamily="49" charset="0"/>
-                <a:ea typeface="Menlo" panose="020B0609030804020204" pitchFamily="49" charset="0"/>
-                <a:cs typeface="Consolas" panose="020B0609020204030204" pitchFamily="49" charset="0"/>
-              </a:rPr>
-              <a:t>      </a:t>
-            </a:r>
-            <a:r>
-              <a:rPr lang="en-CA" sz="1600" kern="0" spc="-170" dirty="0">
-                <a:solidFill>
-                  <a:schemeClr val="tx1">
-                    <a:lumMod val="65000"/>
-                    <a:lumOff val="35000"/>
-                  </a:schemeClr>
-                </a:solidFill>
-                <a:latin typeface="Consolas" panose="020B0609020204030204" pitchFamily="49" charset="0"/>
-                <a:ea typeface="Menlo" panose="020B0609030804020204" pitchFamily="49" charset="0"/>
-                <a:cs typeface="Consolas" panose="020B0609020204030204" pitchFamily="49" charset="0"/>
-              </a:rPr>
-              <a:t>addresses</a:t>
-            </a:r>
-            <a:r>
-              <a:rPr lang="en-CA" sz="1600" kern="0" spc="-170" dirty="0">
-                <a:latin typeface="Consolas" panose="020B0609020204030204" pitchFamily="49" charset="0"/>
-                <a:ea typeface="Menlo" panose="020B0609030804020204" pitchFamily="49" charset="0"/>
-                <a:cs typeface="Consolas" panose="020B0609020204030204" pitchFamily="49" charset="0"/>
-              </a:rPr>
-              <a:t>[</a:t>
-            </a:r>
-            <a:r>
-              <a:rPr lang="en-CA" sz="1600" kern="0" spc="-170" dirty="0" err="1">
-                <a:solidFill>
-                  <a:schemeClr val="tx1">
-                    <a:lumMod val="65000"/>
-                    <a:lumOff val="35000"/>
-                  </a:schemeClr>
-                </a:solidFill>
-                <a:latin typeface="Consolas" panose="020B0609020204030204" pitchFamily="49" charset="0"/>
-                <a:ea typeface="Menlo" panose="020B0609030804020204" pitchFamily="49" charset="0"/>
-                <a:cs typeface="Consolas" panose="020B0609020204030204" pitchFamily="49" charset="0"/>
-              </a:rPr>
-              <a:t>i</a:t>
-            </a:r>
-            <a:r>
-              <a:rPr lang="en-CA" sz="1600" kern="0" spc="-170" dirty="0">
-                <a:latin typeface="Consolas" panose="020B0609020204030204" pitchFamily="49" charset="0"/>
-                <a:ea typeface="Menlo" panose="020B0609030804020204" pitchFamily="49" charset="0"/>
-                <a:cs typeface="Consolas" panose="020B0609020204030204" pitchFamily="49" charset="0"/>
-              </a:rPr>
-              <a:t>] =</a:t>
-            </a:r>
-          </a:p>
-          <a:p>
-            <a:pPr>
-              <a:lnSpc>
-                <a:spcPct val="120000"/>
-              </a:lnSpc>
-            </a:pPr>
-            <a:r>
-              <a:rPr lang="en-CA" sz="1600" kern="0" spc="-170" dirty="0">
-                <a:solidFill>
-                  <a:srgbClr val="7030A0"/>
-                </a:solidFill>
-                <a:latin typeface="Consolas" panose="020B0609020204030204" pitchFamily="49" charset="0"/>
-                <a:ea typeface="Menlo" panose="020B0609030804020204" pitchFamily="49" charset="0"/>
-                <a:cs typeface="Consolas" panose="020B0609020204030204" pitchFamily="49" charset="0"/>
-              </a:rPr>
-              <a:t>        new </a:t>
-            </a:r>
-            <a:r>
-              <a:rPr lang="en-CA" sz="1600" kern="0" spc="-170" dirty="0">
-                <a:latin typeface="Consolas" panose="020B0609020204030204" pitchFamily="49" charset="0"/>
-                <a:ea typeface="Menlo" panose="020B0609030804020204" pitchFamily="49" charset="0"/>
-                <a:cs typeface="Consolas" panose="020B0609020204030204" pitchFamily="49" charset="0"/>
-              </a:rPr>
-              <a:t>Address(</a:t>
-            </a:r>
-            <a:r>
-              <a:rPr lang="en-CA" sz="1600" kern="0" spc="-170" dirty="0">
-                <a:solidFill>
-                  <a:srgbClr val="0000FF"/>
-                </a:solidFill>
-                <a:latin typeface="Consolas" panose="020B0609020204030204" pitchFamily="49" charset="0"/>
-                <a:ea typeface="Menlo" panose="020B0609030804020204" pitchFamily="49" charset="0"/>
-                <a:cs typeface="Consolas" panose="020B0609020204030204" pitchFamily="49" charset="0"/>
-              </a:rPr>
-              <a:t>"127.0.0.1"</a:t>
-            </a:r>
-            <a:r>
-              <a:rPr lang="en-CA" sz="1600" kern="0" spc="-170" dirty="0">
-                <a:latin typeface="Consolas" panose="020B0609020204030204" pitchFamily="49" charset="0"/>
-                <a:ea typeface="Menlo" panose="020B0609030804020204" pitchFamily="49" charset="0"/>
-                <a:cs typeface="Consolas" panose="020B0609020204030204" pitchFamily="49" charset="0"/>
-              </a:rPr>
-              <a:t>, </a:t>
-            </a:r>
-            <a:r>
-              <a:rPr lang="en-CA" sz="1600" kern="0" spc="-170" dirty="0" err="1">
-                <a:latin typeface="Consolas" panose="020B0609020204030204" pitchFamily="49" charset="0"/>
-                <a:ea typeface="Menlo" panose="020B0609030804020204" pitchFamily="49" charset="0"/>
-                <a:cs typeface="Consolas" panose="020B0609020204030204" pitchFamily="49" charset="0"/>
-              </a:rPr>
-              <a:t>ports.incrementAndGet</a:t>
-            </a:r>
-            <a:r>
-              <a:rPr lang="en-CA" sz="1600" kern="0" spc="-170" dirty="0">
-                <a:latin typeface="Consolas" panose="020B0609020204030204" pitchFamily="49" charset="0"/>
-                <a:ea typeface="Menlo" panose="020B0609030804020204" pitchFamily="49" charset="0"/>
-                <a:cs typeface="Consolas" panose="020B0609020204030204" pitchFamily="49" charset="0"/>
-              </a:rPr>
-              <a:t>());</a:t>
-            </a:r>
-          </a:p>
-          <a:p>
-            <a:pPr>
-              <a:lnSpc>
-                <a:spcPct val="120000"/>
-              </a:lnSpc>
-            </a:pPr>
-            <a:r>
-              <a:rPr lang="en-CA" sz="1600" kern="0" spc="-170" dirty="0">
-                <a:latin typeface="Consolas" panose="020B0609020204030204" pitchFamily="49" charset="0"/>
-                <a:ea typeface="Menlo" panose="020B0609030804020204" pitchFamily="49" charset="0"/>
-                <a:cs typeface="Consolas" panose="020B0609020204030204" pitchFamily="49" charset="0"/>
-              </a:rPr>
-              <a:t>    }</a:t>
-            </a:r>
-          </a:p>
-          <a:p>
-            <a:pPr>
-              <a:lnSpc>
-                <a:spcPct val="120000"/>
-              </a:lnSpc>
-            </a:pPr>
-            <a:r>
-              <a:rPr lang="en-CA" sz="1600" kern="0" spc="-170" dirty="0">
-                <a:solidFill>
-                  <a:srgbClr val="7030A0"/>
-                </a:solidFill>
-                <a:latin typeface="Consolas" panose="020B0609020204030204" pitchFamily="49" charset="0"/>
-                <a:ea typeface="Menlo" panose="020B0609030804020204" pitchFamily="49" charset="0"/>
-                <a:cs typeface="Consolas" panose="020B0609020204030204" pitchFamily="49" charset="0"/>
-              </a:rPr>
-              <a:t>    catch </a:t>
-            </a:r>
-            <a:r>
-              <a:rPr lang="en-CA" sz="1600" kern="0" spc="-170" dirty="0">
-                <a:latin typeface="Consolas" panose="020B0609020204030204" pitchFamily="49" charset="0"/>
-                <a:ea typeface="Menlo" panose="020B0609030804020204" pitchFamily="49" charset="0"/>
-                <a:cs typeface="Consolas" panose="020B0609020204030204" pitchFamily="49" charset="0"/>
-              </a:rPr>
-              <a:t>(</a:t>
-            </a:r>
-            <a:r>
-              <a:rPr lang="en-CA" sz="1600" kern="0" spc="-170" dirty="0" err="1">
-                <a:latin typeface="Consolas" panose="020B0609020204030204" pitchFamily="49" charset="0"/>
-                <a:ea typeface="Menlo" panose="020B0609030804020204" pitchFamily="49" charset="0"/>
-                <a:cs typeface="Consolas" panose="020B0609020204030204" pitchFamily="49" charset="0"/>
-              </a:rPr>
-              <a:t>UnknownHostException</a:t>
-            </a:r>
-            <a:r>
-              <a:rPr lang="en-CA" sz="1600" kern="0" spc="-170" dirty="0">
-                <a:latin typeface="Consolas" panose="020B0609020204030204" pitchFamily="49" charset="0"/>
-                <a:ea typeface="Menlo" panose="020B0609030804020204" pitchFamily="49" charset="0"/>
-                <a:cs typeface="Consolas" panose="020B0609020204030204" pitchFamily="49" charset="0"/>
-              </a:rPr>
-              <a:t> </a:t>
-            </a:r>
-            <a:r>
-              <a:rPr lang="en-CA" sz="1600" kern="0" spc="-170" dirty="0">
-                <a:solidFill>
-                  <a:schemeClr val="tx1">
-                    <a:lumMod val="65000"/>
-                    <a:lumOff val="35000"/>
-                  </a:schemeClr>
-                </a:solidFill>
-                <a:latin typeface="Consolas" panose="020B0609020204030204" pitchFamily="49" charset="0"/>
-                <a:ea typeface="Menlo" panose="020B0609030804020204" pitchFamily="49" charset="0"/>
-                <a:cs typeface="Consolas" panose="020B0609020204030204" pitchFamily="49" charset="0"/>
-              </a:rPr>
-              <a:t>e</a:t>
-            </a:r>
-            <a:r>
-              <a:rPr lang="en-CA" sz="1600" kern="0" spc="-170" dirty="0">
-                <a:latin typeface="Consolas" panose="020B0609020204030204" pitchFamily="49" charset="0"/>
-                <a:ea typeface="Menlo" panose="020B0609030804020204" pitchFamily="49" charset="0"/>
-                <a:cs typeface="Consolas" panose="020B0609020204030204" pitchFamily="49" charset="0"/>
-              </a:rPr>
-              <a:t>) {</a:t>
-            </a:r>
-          </a:p>
-          <a:p>
-            <a:pPr>
-              <a:lnSpc>
-                <a:spcPct val="120000"/>
-              </a:lnSpc>
-            </a:pPr>
-            <a:r>
-              <a:rPr lang="en-CA" sz="1600" kern="0" spc="-170" dirty="0">
-                <a:latin typeface="Consolas" panose="020B0609020204030204" pitchFamily="49" charset="0"/>
-                <a:ea typeface="Menlo" panose="020B0609030804020204" pitchFamily="49" charset="0"/>
-                <a:cs typeface="Consolas" panose="020B0609020204030204" pitchFamily="49" charset="0"/>
-              </a:rPr>
-              <a:t>      </a:t>
-            </a:r>
-            <a:r>
-              <a:rPr lang="en-CA" sz="1600" kern="0" spc="-170" dirty="0" err="1">
-                <a:latin typeface="Consolas" panose="020B0609020204030204" pitchFamily="49" charset="0"/>
-                <a:ea typeface="Menlo" panose="020B0609030804020204" pitchFamily="49" charset="0"/>
-                <a:cs typeface="Consolas" panose="020B0609020204030204" pitchFamily="49" charset="0"/>
-              </a:rPr>
-              <a:t>e.printStackTrace</a:t>
-            </a:r>
-            <a:r>
-              <a:rPr lang="en-CA" sz="1600" kern="0" spc="-170" dirty="0">
-                <a:latin typeface="Consolas" panose="020B0609020204030204" pitchFamily="49" charset="0"/>
-                <a:ea typeface="Menlo" panose="020B0609030804020204" pitchFamily="49" charset="0"/>
-                <a:cs typeface="Consolas" panose="020B0609020204030204" pitchFamily="49" charset="0"/>
-              </a:rPr>
-              <a:t>();</a:t>
-            </a:r>
-          </a:p>
-          <a:p>
-            <a:pPr>
-              <a:lnSpc>
-                <a:spcPct val="120000"/>
-              </a:lnSpc>
-            </a:pPr>
-            <a:r>
-              <a:rPr lang="en-CA" sz="1600" kern="0" spc="-170" dirty="0">
-                <a:latin typeface="Consolas" panose="020B0609020204030204" pitchFamily="49" charset="0"/>
-                <a:ea typeface="Menlo" panose="020B0609030804020204" pitchFamily="49" charset="0"/>
-                <a:cs typeface="Consolas" panose="020B0609020204030204" pitchFamily="49" charset="0"/>
-              </a:rPr>
-              <a:t>    }</a:t>
-            </a:r>
-          </a:p>
-          <a:p>
-            <a:pPr>
-              <a:lnSpc>
-                <a:spcPct val="120000"/>
-              </a:lnSpc>
-            </a:pPr>
-            <a:r>
-              <a:rPr lang="en-CA" sz="1600" kern="0" spc="-170" dirty="0">
-                <a:latin typeface="Consolas" panose="020B0609020204030204" pitchFamily="49" charset="0"/>
-                <a:ea typeface="Menlo" panose="020B0609030804020204" pitchFamily="49" charset="0"/>
-                <a:cs typeface="Consolas" panose="020B0609020204030204" pitchFamily="49" charset="0"/>
-              </a:rPr>
-              <a:t>  }</a:t>
-            </a:r>
-          </a:p>
-          <a:p>
-            <a:pPr>
-              <a:lnSpc>
-                <a:spcPct val="120000"/>
-              </a:lnSpc>
-            </a:pPr>
-            <a:r>
-              <a:rPr lang="en-CA" sz="1600" kern="0" spc="-170" dirty="0">
-                <a:solidFill>
-                  <a:srgbClr val="7030A0"/>
-                </a:solidFill>
-                <a:latin typeface="Consolas" panose="020B0609020204030204" pitchFamily="49" charset="0"/>
-                <a:ea typeface="Menlo" panose="020B0609030804020204" pitchFamily="49" charset="0"/>
-                <a:cs typeface="Consolas" panose="020B0609020204030204" pitchFamily="49" charset="0"/>
-              </a:rPr>
-              <a:t>  return</a:t>
-            </a:r>
-            <a:r>
-              <a:rPr lang="en-CA" sz="1600" kern="0" spc="-170" dirty="0">
-                <a:latin typeface="Consolas" panose="020B0609020204030204" pitchFamily="49" charset="0"/>
-                <a:ea typeface="Menlo" panose="020B0609030804020204" pitchFamily="49" charset="0"/>
-                <a:cs typeface="Consolas" panose="020B0609020204030204" pitchFamily="49" charset="0"/>
-              </a:rPr>
-              <a:t> </a:t>
-            </a:r>
-            <a:r>
-              <a:rPr lang="en-CA" sz="1600" kern="0" spc="-170" dirty="0">
-                <a:solidFill>
-                  <a:schemeClr val="tx1">
-                    <a:lumMod val="65000"/>
-                    <a:lumOff val="35000"/>
-                  </a:schemeClr>
-                </a:solidFill>
-                <a:latin typeface="Consolas" panose="020B0609020204030204" pitchFamily="49" charset="0"/>
-                <a:ea typeface="Menlo" panose="020B0609030804020204" pitchFamily="49" charset="0"/>
-                <a:cs typeface="Consolas" panose="020B0609020204030204" pitchFamily="49" charset="0"/>
-              </a:rPr>
-              <a:t>addresses</a:t>
-            </a:r>
-            <a:r>
-              <a:rPr lang="en-CA" sz="1600" kern="0" spc="-170" dirty="0">
-                <a:latin typeface="Consolas" panose="020B0609020204030204" pitchFamily="49" charset="0"/>
-                <a:ea typeface="Menlo" panose="020B0609030804020204" pitchFamily="49" charset="0"/>
-                <a:cs typeface="Consolas" panose="020B0609020204030204" pitchFamily="49" charset="0"/>
-              </a:rPr>
-              <a:t>;</a:t>
-            </a:r>
-          </a:p>
-          <a:p>
-            <a:pPr>
-              <a:lnSpc>
-                <a:spcPct val="120000"/>
-              </a:lnSpc>
-            </a:pPr>
-            <a:r>
-              <a:rPr lang="en-CA" sz="1600" kern="0" spc="-170" dirty="0">
-                <a:latin typeface="Consolas" panose="020B0609020204030204" pitchFamily="49" charset="0"/>
-                <a:ea typeface="Menlo" panose="020B0609030804020204" pitchFamily="49" charset="0"/>
-                <a:cs typeface="Consolas" panose="020B0609020204030204" pitchFamily="49" charset="0"/>
-              </a:rPr>
-              <a:t>}</a:t>
-            </a:r>
-          </a:p>
-          <a:p>
-            <a:pPr>
-              <a:lnSpc>
-                <a:spcPct val="120000"/>
-              </a:lnSpc>
-            </a:pPr>
-            <a:endParaRPr lang="en-US" sz="1600" kern="0" spc="-170" dirty="0">
-              <a:latin typeface="Consolas" panose="020B0609020204030204" pitchFamily="49" charset="0"/>
-              <a:ea typeface="Menlo" panose="020B0609030804020204" pitchFamily="49" charset="0"/>
-              <a:cs typeface="Consolas" panose="020B0609020204030204" pitchFamily="49" charset="0"/>
-            </a:endParaRPr>
-          </a:p>
-        </p:txBody>
-      </p:sp>
-      <p:sp>
-        <p:nvSpPr>
-          <p:cNvPr id="5" name="TextBox 4">
-            <a:extLst>
-              <a:ext uri="{FF2B5EF4-FFF2-40B4-BE49-F238E27FC236}">
-                <a16:creationId xmlns:a16="http://schemas.microsoft.com/office/drawing/2014/main" id="{A1497D4C-8931-36C1-BA42-1E7440D8E29F}"/>
-              </a:ext>
-            </a:extLst>
-          </p:cNvPr>
-          <p:cNvSpPr txBox="1"/>
-          <p:nvPr/>
-        </p:nvSpPr>
-        <p:spPr>
-          <a:xfrm>
-            <a:off x="-295304" y="6307871"/>
-            <a:ext cx="6152028" cy="523220"/>
-          </a:xfrm>
-          <a:prstGeom prst="rect">
-            <a:avLst/>
-          </a:prstGeom>
-          <a:noFill/>
-        </p:spPr>
-        <p:txBody>
-          <a:bodyPr wrap="square">
-            <a:spAutoFit/>
-          </a:bodyPr>
-          <a:lstStyle/>
-          <a:p>
-            <a:pPr algn="ctr"/>
-            <a:r>
-              <a:rPr lang="en-BE" sz="2800" dirty="0"/>
-              <a:t>Extract Method detection rule</a:t>
-            </a:r>
-          </a:p>
-        </p:txBody>
-      </p:sp>
-    </p:spTree>
-    <p:extLst>
-      <p:ext uri="{BB962C8B-B14F-4D97-AF65-F5344CB8AC3E}">
-        <p14:creationId xmlns:p14="http://schemas.microsoft.com/office/powerpoint/2010/main" val="11247480"/>
       </p:ext>
     </p:extLst>
   </p:cSld>
@@ -12348,6 +10347,2132 @@
             <a:fld id="{617A40BD-3997-BB4A-9AE7-14AF3A7E89A9}" type="slidenum">
               <a:rPr lang="en-US" sz="1600" smtClean="0"/>
               <a:t>16</a:t>
+            </a:fld>
+            <a:endParaRPr lang="en-US" sz="1600"/>
+          </a:p>
+        </p:txBody>
+      </p:sp>
+      <p:sp>
+        <p:nvSpPr>
+          <p:cNvPr id="2" name="Rounded Rectangle 1">
+            <a:extLst>
+              <a:ext uri="{FF2B5EF4-FFF2-40B4-BE49-F238E27FC236}">
+                <a16:creationId xmlns:a16="http://schemas.microsoft.com/office/drawing/2014/main" id="{1A4C3B36-5126-564C-A6E1-A7FF74674086}"/>
+              </a:ext>
+            </a:extLst>
+          </p:cNvPr>
+          <p:cNvSpPr/>
+          <p:nvPr/>
+        </p:nvSpPr>
+        <p:spPr>
+          <a:xfrm>
+            <a:off x="1354239" y="185628"/>
+            <a:ext cx="864176" cy="248846"/>
+          </a:xfrm>
+          <a:prstGeom prst="roundRect">
+            <a:avLst/>
+          </a:prstGeom>
+          <a:solidFill>
+            <a:schemeClr val="accent4">
+              <a:lumMod val="40000"/>
+              <a:lumOff val="60000"/>
+            </a:schemeClr>
+          </a:solidFill>
+          <a:ln w="6350"/>
+        </p:spPr>
+        <p:style>
+          <a:lnRef idx="2">
+            <a:schemeClr val="accent4">
+              <a:shade val="50000"/>
+            </a:schemeClr>
+          </a:lnRef>
+          <a:fillRef idx="1">
+            <a:schemeClr val="accent4"/>
+          </a:fillRef>
+          <a:effectRef idx="0">
+            <a:schemeClr val="accent4"/>
+          </a:effectRef>
+          <a:fontRef idx="minor">
+            <a:schemeClr val="lt1"/>
+          </a:fontRef>
+        </p:style>
+        <p:txBody>
+          <a:bodyPr rtlCol="0" anchor="ctr"/>
+          <a:lstStyle/>
+          <a:p>
+            <a:pPr algn="ctr"/>
+            <a:endParaRPr lang="en-US"/>
+          </a:p>
+        </p:txBody>
+      </p:sp>
+      <p:sp>
+        <p:nvSpPr>
+          <p:cNvPr id="12" name="Rounded Rectangle 11">
+            <a:extLst>
+              <a:ext uri="{FF2B5EF4-FFF2-40B4-BE49-F238E27FC236}">
+                <a16:creationId xmlns:a16="http://schemas.microsoft.com/office/drawing/2014/main" id="{247271D5-6522-0545-88E8-CDBCA55D0E52}"/>
+              </a:ext>
+            </a:extLst>
+          </p:cNvPr>
+          <p:cNvSpPr/>
+          <p:nvPr/>
+        </p:nvSpPr>
+        <p:spPr>
+          <a:xfrm>
+            <a:off x="161966" y="468896"/>
+            <a:ext cx="911460" cy="248846"/>
+          </a:xfrm>
+          <a:prstGeom prst="roundRect">
+            <a:avLst/>
+          </a:prstGeom>
+          <a:solidFill>
+            <a:schemeClr val="accent4">
+              <a:lumMod val="40000"/>
+              <a:lumOff val="60000"/>
+            </a:schemeClr>
+          </a:solidFill>
+          <a:ln w="6350"/>
+        </p:spPr>
+        <p:style>
+          <a:lnRef idx="2">
+            <a:schemeClr val="accent4">
+              <a:shade val="50000"/>
+            </a:schemeClr>
+          </a:lnRef>
+          <a:fillRef idx="1">
+            <a:schemeClr val="accent4"/>
+          </a:fillRef>
+          <a:effectRef idx="0">
+            <a:schemeClr val="accent4"/>
+          </a:effectRef>
+          <a:fontRef idx="minor">
+            <a:schemeClr val="lt1"/>
+          </a:fontRef>
+        </p:style>
+        <p:txBody>
+          <a:bodyPr rtlCol="0" anchor="ctr"/>
+          <a:lstStyle/>
+          <a:p>
+            <a:pPr algn="ctr"/>
+            <a:endParaRPr lang="en-US"/>
+          </a:p>
+        </p:txBody>
+      </p:sp>
+      <p:sp>
+        <p:nvSpPr>
+          <p:cNvPr id="11" name="Rounded Rectangle 10">
+            <a:extLst>
+              <a:ext uri="{FF2B5EF4-FFF2-40B4-BE49-F238E27FC236}">
+                <a16:creationId xmlns:a16="http://schemas.microsoft.com/office/drawing/2014/main" id="{270F8CE1-ACA8-5747-AA85-A07D226E1DEA}"/>
+              </a:ext>
+            </a:extLst>
+          </p:cNvPr>
+          <p:cNvSpPr/>
+          <p:nvPr/>
+        </p:nvSpPr>
+        <p:spPr>
+          <a:xfrm>
+            <a:off x="6528021" y="185628"/>
+            <a:ext cx="1272209" cy="248846"/>
+          </a:xfrm>
+          <a:prstGeom prst="roundRect">
+            <a:avLst/>
+          </a:prstGeom>
+          <a:solidFill>
+            <a:schemeClr val="accent4">
+              <a:lumMod val="40000"/>
+              <a:lumOff val="60000"/>
+            </a:schemeClr>
+          </a:solidFill>
+          <a:ln w="6350"/>
+        </p:spPr>
+        <p:style>
+          <a:lnRef idx="2">
+            <a:schemeClr val="accent4">
+              <a:shade val="50000"/>
+            </a:schemeClr>
+          </a:lnRef>
+          <a:fillRef idx="1">
+            <a:schemeClr val="accent4"/>
+          </a:fillRef>
+          <a:effectRef idx="0">
+            <a:schemeClr val="accent4"/>
+          </a:effectRef>
+          <a:fontRef idx="minor">
+            <a:schemeClr val="lt1"/>
+          </a:fontRef>
+        </p:style>
+        <p:txBody>
+          <a:bodyPr rtlCol="0" anchor="ctr"/>
+          <a:lstStyle/>
+          <a:p>
+            <a:pPr algn="ctr"/>
+            <a:endParaRPr lang="en-US"/>
+          </a:p>
+        </p:txBody>
+      </p:sp>
+      <p:sp>
+        <p:nvSpPr>
+          <p:cNvPr id="13" name="Rounded Rectangle 12">
+            <a:extLst>
+              <a:ext uri="{FF2B5EF4-FFF2-40B4-BE49-F238E27FC236}">
+                <a16:creationId xmlns:a16="http://schemas.microsoft.com/office/drawing/2014/main" id="{60D662D5-91E8-684E-8899-64CC9D2F4133}"/>
+              </a:ext>
+            </a:extLst>
+          </p:cNvPr>
+          <p:cNvSpPr/>
+          <p:nvPr/>
+        </p:nvSpPr>
+        <p:spPr>
+          <a:xfrm>
+            <a:off x="5407733" y="468896"/>
+            <a:ext cx="1231606" cy="248846"/>
+          </a:xfrm>
+          <a:prstGeom prst="roundRect">
+            <a:avLst/>
+          </a:prstGeom>
+          <a:solidFill>
+            <a:schemeClr val="accent4">
+              <a:lumMod val="40000"/>
+              <a:lumOff val="60000"/>
+            </a:schemeClr>
+          </a:solidFill>
+          <a:ln w="6350"/>
+        </p:spPr>
+        <p:style>
+          <a:lnRef idx="2">
+            <a:schemeClr val="accent4">
+              <a:shade val="50000"/>
+            </a:schemeClr>
+          </a:lnRef>
+          <a:fillRef idx="1">
+            <a:schemeClr val="accent4"/>
+          </a:fillRef>
+          <a:effectRef idx="0">
+            <a:schemeClr val="accent4"/>
+          </a:effectRef>
+          <a:fontRef idx="minor">
+            <a:schemeClr val="lt1"/>
+          </a:fontRef>
+        </p:style>
+        <p:txBody>
+          <a:bodyPr rtlCol="0" anchor="ctr"/>
+          <a:lstStyle/>
+          <a:p>
+            <a:pPr algn="ctr"/>
+            <a:endParaRPr lang="en-US"/>
+          </a:p>
+        </p:txBody>
+      </p:sp>
+      <p:sp>
+        <p:nvSpPr>
+          <p:cNvPr id="14" name="Rounded Rectangle 13">
+            <a:extLst>
+              <a:ext uri="{FF2B5EF4-FFF2-40B4-BE49-F238E27FC236}">
+                <a16:creationId xmlns:a16="http://schemas.microsoft.com/office/drawing/2014/main" id="{19489E33-40A8-9045-9991-1CC0831496EA}"/>
+              </a:ext>
+            </a:extLst>
+          </p:cNvPr>
+          <p:cNvSpPr/>
+          <p:nvPr/>
+        </p:nvSpPr>
+        <p:spPr>
+          <a:xfrm>
+            <a:off x="8062623" y="468896"/>
+            <a:ext cx="2289975" cy="248846"/>
+          </a:xfrm>
+          <a:prstGeom prst="roundRect">
+            <a:avLst/>
+          </a:prstGeom>
+          <a:solidFill>
+            <a:schemeClr val="accent4">
+              <a:lumMod val="40000"/>
+              <a:lumOff val="60000"/>
+            </a:schemeClr>
+          </a:solidFill>
+          <a:ln w="6350"/>
+        </p:spPr>
+        <p:style>
+          <a:lnRef idx="2">
+            <a:schemeClr val="accent4">
+              <a:shade val="50000"/>
+            </a:schemeClr>
+          </a:lnRef>
+          <a:fillRef idx="1">
+            <a:schemeClr val="accent4"/>
+          </a:fillRef>
+          <a:effectRef idx="0">
+            <a:schemeClr val="accent4"/>
+          </a:effectRef>
+          <a:fontRef idx="minor">
+            <a:schemeClr val="lt1"/>
+          </a:fontRef>
+        </p:style>
+        <p:txBody>
+          <a:bodyPr rtlCol="0" anchor="ctr"/>
+          <a:lstStyle/>
+          <a:p>
+            <a:pPr algn="ctr"/>
+            <a:endParaRPr lang="en-US"/>
+          </a:p>
+        </p:txBody>
+      </p:sp>
+      <p:sp>
+        <p:nvSpPr>
+          <p:cNvPr id="15" name="Rounded Rectangle 14">
+            <a:extLst>
+              <a:ext uri="{FF2B5EF4-FFF2-40B4-BE49-F238E27FC236}">
+                <a16:creationId xmlns:a16="http://schemas.microsoft.com/office/drawing/2014/main" id="{0D92C6C7-F98D-8241-BE98-E3921C7FC053}"/>
+              </a:ext>
+            </a:extLst>
+          </p:cNvPr>
+          <p:cNvSpPr/>
+          <p:nvPr/>
+        </p:nvSpPr>
+        <p:spPr>
+          <a:xfrm>
+            <a:off x="2496710" y="476847"/>
+            <a:ext cx="1326763" cy="248846"/>
+          </a:xfrm>
+          <a:prstGeom prst="roundRect">
+            <a:avLst/>
+          </a:prstGeom>
+          <a:solidFill>
+            <a:schemeClr val="accent4">
+              <a:lumMod val="40000"/>
+              <a:lumOff val="60000"/>
+            </a:schemeClr>
+          </a:solidFill>
+          <a:ln w="6350"/>
+        </p:spPr>
+        <p:style>
+          <a:lnRef idx="2">
+            <a:schemeClr val="accent4">
+              <a:shade val="50000"/>
+            </a:schemeClr>
+          </a:lnRef>
+          <a:fillRef idx="1">
+            <a:schemeClr val="accent4"/>
+          </a:fillRef>
+          <a:effectRef idx="0">
+            <a:schemeClr val="accent4"/>
+          </a:effectRef>
+          <a:fontRef idx="minor">
+            <a:schemeClr val="lt1"/>
+          </a:fontRef>
+        </p:style>
+        <p:txBody>
+          <a:bodyPr rtlCol="0" anchor="ctr"/>
+          <a:lstStyle/>
+          <a:p>
+            <a:pPr algn="ctr"/>
+            <a:endParaRPr lang="en-US"/>
+          </a:p>
+        </p:txBody>
+      </p:sp>
+      <p:sp>
+        <p:nvSpPr>
+          <p:cNvPr id="16" name="Rounded Rectangle 15">
+            <a:extLst>
+              <a:ext uri="{FF2B5EF4-FFF2-40B4-BE49-F238E27FC236}">
+                <a16:creationId xmlns:a16="http://schemas.microsoft.com/office/drawing/2014/main" id="{097EAB1B-2D2C-7842-87A7-25241D954CB7}"/>
+              </a:ext>
+            </a:extLst>
+          </p:cNvPr>
+          <p:cNvSpPr/>
+          <p:nvPr/>
+        </p:nvSpPr>
+        <p:spPr>
+          <a:xfrm>
+            <a:off x="9255319" y="183249"/>
+            <a:ext cx="1741336" cy="248846"/>
+          </a:xfrm>
+          <a:prstGeom prst="roundRect">
+            <a:avLst/>
+          </a:prstGeom>
+          <a:solidFill>
+            <a:schemeClr val="accent6">
+              <a:lumMod val="40000"/>
+              <a:lumOff val="60000"/>
+            </a:schemeClr>
+          </a:solidFill>
+          <a:ln w="6350">
+            <a:solidFill>
+              <a:schemeClr val="accent6">
+                <a:lumMod val="75000"/>
+              </a:schemeClr>
+            </a:solidFill>
+          </a:ln>
+        </p:spPr>
+        <p:style>
+          <a:lnRef idx="2">
+            <a:schemeClr val="accent4">
+              <a:shade val="50000"/>
+            </a:schemeClr>
+          </a:lnRef>
+          <a:fillRef idx="1">
+            <a:schemeClr val="accent4"/>
+          </a:fillRef>
+          <a:effectRef idx="0">
+            <a:schemeClr val="accent4"/>
+          </a:effectRef>
+          <a:fontRef idx="minor">
+            <a:schemeClr val="lt1"/>
+          </a:fontRef>
+        </p:style>
+        <p:txBody>
+          <a:bodyPr rtlCol="0" anchor="ctr"/>
+          <a:lstStyle/>
+          <a:p>
+            <a:pPr algn="ctr"/>
+            <a:endParaRPr lang="en-US"/>
+          </a:p>
+        </p:txBody>
+      </p:sp>
+      <p:sp>
+        <p:nvSpPr>
+          <p:cNvPr id="10" name="TextBox 9">
+            <a:extLst>
+              <a:ext uri="{FF2B5EF4-FFF2-40B4-BE49-F238E27FC236}">
+                <a16:creationId xmlns:a16="http://schemas.microsoft.com/office/drawing/2014/main" id="{2EFCC76E-A1FA-CA48-8064-CBEB1778B5BE}"/>
+              </a:ext>
+            </a:extLst>
+          </p:cNvPr>
+          <p:cNvSpPr txBox="1"/>
+          <p:nvPr/>
+        </p:nvSpPr>
+        <p:spPr>
+          <a:xfrm>
+            <a:off x="36096" y="143255"/>
+            <a:ext cx="5245767" cy="4115422"/>
+          </a:xfrm>
+          <a:prstGeom prst="rect">
+            <a:avLst/>
+          </a:prstGeom>
+          <a:noFill/>
+        </p:spPr>
+        <p:txBody>
+          <a:bodyPr wrap="square" lIns="0" tIns="0" rIns="0" bIns="0" rtlCol="0">
+            <a:spAutoFit/>
+          </a:bodyPr>
+          <a:lstStyle/>
+          <a:p>
+            <a:pPr>
+              <a:lnSpc>
+                <a:spcPct val="120000"/>
+              </a:lnSpc>
+            </a:pPr>
+            <a:r>
+              <a:rPr lang="en-CA" sz="1600" kern="0" spc="-170" dirty="0">
+                <a:solidFill>
+                  <a:srgbClr val="7030A0"/>
+                </a:solidFill>
+                <a:latin typeface="Consolas" panose="020B0609020204030204" pitchFamily="49" charset="0"/>
+                <a:ea typeface="Menlo" panose="020B0609030804020204" pitchFamily="49" charset="0"/>
+                <a:cs typeface="Consolas" panose="020B0609020204030204" pitchFamily="49" charset="0"/>
+              </a:rPr>
+              <a:t>private</a:t>
+            </a:r>
+            <a:r>
+              <a:rPr lang="en-CA" sz="1600" kern="0" spc="-170" dirty="0">
+                <a:latin typeface="Consolas" panose="020B0609020204030204" pitchFamily="49" charset="0"/>
+                <a:ea typeface="Menlo" panose="020B0609030804020204" pitchFamily="49" charset="0"/>
+                <a:cs typeface="Consolas" panose="020B0609020204030204" pitchFamily="49" charset="0"/>
+              </a:rPr>
+              <a:t> </a:t>
+            </a:r>
+            <a:r>
+              <a:rPr lang="en-CA" sz="1600" kern="0" spc="-170" dirty="0">
+                <a:solidFill>
+                  <a:srgbClr val="7030A0"/>
+                </a:solidFill>
+                <a:latin typeface="Consolas" panose="020B0609020204030204" pitchFamily="49" charset="0"/>
+                <a:ea typeface="Menlo" panose="020B0609030804020204" pitchFamily="49" charset="0"/>
+                <a:cs typeface="Consolas" panose="020B0609020204030204" pitchFamily="49" charset="0"/>
+              </a:rPr>
+              <a:t>static</a:t>
+            </a:r>
+            <a:r>
+              <a:rPr lang="en-CA" sz="1600" kern="0" spc="-170" dirty="0">
+                <a:latin typeface="Consolas" panose="020B0609020204030204" pitchFamily="49" charset="0"/>
+                <a:ea typeface="Menlo" panose="020B0609030804020204" pitchFamily="49" charset="0"/>
+                <a:cs typeface="Consolas" panose="020B0609020204030204" pitchFamily="49" charset="0"/>
+              </a:rPr>
+              <a:t> Address[] </a:t>
+            </a:r>
+            <a:r>
+              <a:rPr lang="en-CA" sz="1600" kern="0" spc="-170" dirty="0" err="1">
+                <a:latin typeface="Consolas" panose="020B0609020204030204" pitchFamily="49" charset="0"/>
+                <a:ea typeface="Menlo" panose="020B0609030804020204" pitchFamily="49" charset="0"/>
+                <a:cs typeface="Consolas" panose="020B0609020204030204" pitchFamily="49" charset="0"/>
+              </a:rPr>
+              <a:t>createAddresses</a:t>
+            </a:r>
+            <a:r>
+              <a:rPr lang="en-CA" sz="1600" kern="0" spc="-170" dirty="0">
+                <a:latin typeface="Consolas" panose="020B0609020204030204" pitchFamily="49" charset="0"/>
+                <a:ea typeface="Menlo" panose="020B0609030804020204" pitchFamily="49" charset="0"/>
+                <a:cs typeface="Consolas" panose="020B0609020204030204" pitchFamily="49" charset="0"/>
+              </a:rPr>
+              <a:t>(</a:t>
+            </a:r>
+            <a:r>
+              <a:rPr lang="en-CA" sz="1600" kern="0" spc="-170" dirty="0" err="1">
+                <a:solidFill>
+                  <a:srgbClr val="7030A0"/>
+                </a:solidFill>
+                <a:latin typeface="Consolas" panose="020B0609020204030204" pitchFamily="49" charset="0"/>
+                <a:ea typeface="Menlo" panose="020B0609030804020204" pitchFamily="49" charset="0"/>
+                <a:cs typeface="Consolas" panose="020B0609020204030204" pitchFamily="49" charset="0"/>
+              </a:rPr>
+              <a:t>int</a:t>
+            </a:r>
+            <a:r>
+              <a:rPr lang="en-CA" sz="1600" kern="0" spc="-170" dirty="0">
+                <a:latin typeface="Consolas" panose="020B0609020204030204" pitchFamily="49" charset="0"/>
+                <a:ea typeface="Menlo" panose="020B0609030804020204" pitchFamily="49" charset="0"/>
+                <a:cs typeface="Consolas" panose="020B0609020204030204" pitchFamily="49" charset="0"/>
+              </a:rPr>
+              <a:t> </a:t>
+            </a:r>
+            <a:r>
+              <a:rPr lang="en-CA" sz="1600" kern="0" spc="-170" dirty="0">
+                <a:solidFill>
+                  <a:schemeClr val="tx1">
+                    <a:lumMod val="65000"/>
+                    <a:lumOff val="35000"/>
+                  </a:schemeClr>
+                </a:solidFill>
+                <a:latin typeface="Consolas" panose="020B0609020204030204" pitchFamily="49" charset="0"/>
+                <a:ea typeface="Menlo" panose="020B0609030804020204" pitchFamily="49" charset="0"/>
+                <a:cs typeface="Consolas" panose="020B0609020204030204" pitchFamily="49" charset="0"/>
+              </a:rPr>
+              <a:t>count</a:t>
+            </a:r>
+            <a:r>
+              <a:rPr lang="en-CA" sz="1600" kern="0" spc="-170" dirty="0">
+                <a:latin typeface="Consolas" panose="020B0609020204030204" pitchFamily="49" charset="0"/>
+                <a:ea typeface="Menlo" panose="020B0609030804020204" pitchFamily="49" charset="0"/>
+                <a:cs typeface="Consolas" panose="020B0609020204030204" pitchFamily="49" charset="0"/>
+              </a:rPr>
+              <a:t>) {</a:t>
+            </a:r>
+          </a:p>
+          <a:p>
+            <a:pPr>
+              <a:lnSpc>
+                <a:spcPct val="120000"/>
+              </a:lnSpc>
+            </a:pPr>
+            <a:r>
+              <a:rPr lang="en-CA" sz="1600" kern="0" spc="-170" dirty="0">
+                <a:latin typeface="Consolas" panose="020B0609020204030204" pitchFamily="49" charset="0"/>
+                <a:ea typeface="Menlo" panose="020B0609030804020204" pitchFamily="49" charset="0"/>
+                <a:cs typeface="Consolas" panose="020B0609020204030204" pitchFamily="49" charset="0"/>
+              </a:rPr>
+              <a:t>  Address[] </a:t>
+            </a:r>
+            <a:r>
+              <a:rPr lang="en-CA" sz="1600" kern="0" spc="-170" dirty="0">
+                <a:solidFill>
+                  <a:schemeClr val="tx1">
+                    <a:lumMod val="65000"/>
+                    <a:lumOff val="35000"/>
+                  </a:schemeClr>
+                </a:solidFill>
+                <a:latin typeface="Consolas" panose="020B0609020204030204" pitchFamily="49" charset="0"/>
+                <a:ea typeface="Menlo" panose="020B0609030804020204" pitchFamily="49" charset="0"/>
+                <a:cs typeface="Consolas" panose="020B0609020204030204" pitchFamily="49" charset="0"/>
+              </a:rPr>
+              <a:t>addresses</a:t>
+            </a:r>
+            <a:r>
+              <a:rPr lang="en-CA" sz="1600" kern="0" spc="-170" dirty="0">
+                <a:latin typeface="Consolas" panose="020B0609020204030204" pitchFamily="49" charset="0"/>
+                <a:ea typeface="Menlo" panose="020B0609030804020204" pitchFamily="49" charset="0"/>
+                <a:cs typeface="Consolas" panose="020B0609020204030204" pitchFamily="49" charset="0"/>
+              </a:rPr>
+              <a:t> = </a:t>
+            </a:r>
+            <a:r>
+              <a:rPr lang="en-CA" sz="1600" kern="0" spc="-170" dirty="0">
+                <a:solidFill>
+                  <a:srgbClr val="7030A0"/>
+                </a:solidFill>
+                <a:latin typeface="Consolas" panose="020B0609020204030204" pitchFamily="49" charset="0"/>
+                <a:ea typeface="Menlo" panose="020B0609030804020204" pitchFamily="49" charset="0"/>
+                <a:cs typeface="Consolas" panose="020B0609020204030204" pitchFamily="49" charset="0"/>
+              </a:rPr>
+              <a:t>new</a:t>
+            </a:r>
+            <a:r>
+              <a:rPr lang="en-CA" sz="1600" kern="0" spc="-170" dirty="0">
+                <a:latin typeface="Consolas" panose="020B0609020204030204" pitchFamily="49" charset="0"/>
+                <a:ea typeface="Menlo" panose="020B0609030804020204" pitchFamily="49" charset="0"/>
+                <a:cs typeface="Consolas" panose="020B0609020204030204" pitchFamily="49" charset="0"/>
+              </a:rPr>
+              <a:t> Address[</a:t>
+            </a:r>
+            <a:r>
+              <a:rPr lang="en-CA" sz="1600" kern="0" spc="-170" dirty="0">
+                <a:solidFill>
+                  <a:schemeClr val="tx1">
+                    <a:lumMod val="65000"/>
+                    <a:lumOff val="35000"/>
+                  </a:schemeClr>
+                </a:solidFill>
+                <a:latin typeface="Consolas" panose="020B0609020204030204" pitchFamily="49" charset="0"/>
+                <a:ea typeface="Menlo" panose="020B0609030804020204" pitchFamily="49" charset="0"/>
+                <a:cs typeface="Consolas" panose="020B0609020204030204" pitchFamily="49" charset="0"/>
+              </a:rPr>
+              <a:t>count</a:t>
+            </a:r>
+            <a:r>
+              <a:rPr lang="en-CA" sz="1600" kern="0" spc="-170" dirty="0">
+                <a:latin typeface="Consolas" panose="020B0609020204030204" pitchFamily="49" charset="0"/>
+                <a:ea typeface="Menlo" panose="020B0609030804020204" pitchFamily="49" charset="0"/>
+                <a:cs typeface="Consolas" panose="020B0609020204030204" pitchFamily="49" charset="0"/>
+              </a:rPr>
+              <a:t>];</a:t>
+            </a:r>
+          </a:p>
+          <a:p>
+            <a:pPr>
+              <a:lnSpc>
+                <a:spcPct val="120000"/>
+              </a:lnSpc>
+            </a:pPr>
+            <a:r>
+              <a:rPr lang="en-CA" sz="1600" kern="0" spc="-170" dirty="0">
+                <a:solidFill>
+                  <a:srgbClr val="7030A0"/>
+                </a:solidFill>
+                <a:latin typeface="Consolas" panose="020B0609020204030204" pitchFamily="49" charset="0"/>
+                <a:ea typeface="Menlo" panose="020B0609030804020204" pitchFamily="49" charset="0"/>
+                <a:cs typeface="Consolas" panose="020B0609020204030204" pitchFamily="49" charset="0"/>
+              </a:rPr>
+              <a:t>  for </a:t>
+            </a:r>
+            <a:r>
+              <a:rPr lang="en-CA" sz="1600" kern="0" spc="-170" dirty="0">
+                <a:latin typeface="Consolas" panose="020B0609020204030204" pitchFamily="49" charset="0"/>
+                <a:ea typeface="Menlo" panose="020B0609030804020204" pitchFamily="49" charset="0"/>
+                <a:cs typeface="Consolas" panose="020B0609020204030204" pitchFamily="49" charset="0"/>
+              </a:rPr>
+              <a:t>(</a:t>
+            </a:r>
+            <a:r>
+              <a:rPr lang="en-CA" sz="1600" kern="0" spc="-170" dirty="0" err="1">
+                <a:solidFill>
+                  <a:srgbClr val="7030A0"/>
+                </a:solidFill>
+                <a:latin typeface="Consolas" panose="020B0609020204030204" pitchFamily="49" charset="0"/>
+                <a:ea typeface="Menlo" panose="020B0609030804020204" pitchFamily="49" charset="0"/>
+                <a:cs typeface="Consolas" panose="020B0609020204030204" pitchFamily="49" charset="0"/>
+              </a:rPr>
+              <a:t>int</a:t>
+            </a:r>
+            <a:r>
+              <a:rPr lang="en-CA" sz="1600" kern="0" spc="-170" dirty="0">
+                <a:latin typeface="Consolas" panose="020B0609020204030204" pitchFamily="49" charset="0"/>
+                <a:ea typeface="Menlo" panose="020B0609030804020204" pitchFamily="49" charset="0"/>
+                <a:cs typeface="Consolas" panose="020B0609020204030204" pitchFamily="49" charset="0"/>
+              </a:rPr>
+              <a:t> </a:t>
+            </a:r>
+            <a:r>
+              <a:rPr lang="en-CA" sz="1600" kern="0" spc="-170" dirty="0" err="1">
+                <a:solidFill>
+                  <a:schemeClr val="bg2">
+                    <a:lumMod val="50000"/>
+                  </a:schemeClr>
+                </a:solidFill>
+                <a:latin typeface="Consolas" panose="020B0609020204030204" pitchFamily="49" charset="0"/>
+                <a:ea typeface="Menlo" panose="020B0609030804020204" pitchFamily="49" charset="0"/>
+                <a:cs typeface="Consolas" panose="020B0609020204030204" pitchFamily="49" charset="0"/>
+              </a:rPr>
+              <a:t>i</a:t>
+            </a:r>
+            <a:r>
+              <a:rPr lang="en-CA" sz="1600" kern="0" spc="-170" dirty="0">
+                <a:latin typeface="Consolas" panose="020B0609020204030204" pitchFamily="49" charset="0"/>
+                <a:ea typeface="Menlo" panose="020B0609030804020204" pitchFamily="49" charset="0"/>
+                <a:cs typeface="Consolas" panose="020B0609020204030204" pitchFamily="49" charset="0"/>
+              </a:rPr>
+              <a:t> = </a:t>
+            </a:r>
+            <a:r>
+              <a:rPr lang="en-CA" sz="1600" kern="0" spc="-170" dirty="0">
+                <a:solidFill>
+                  <a:srgbClr val="0000FF"/>
+                </a:solidFill>
+                <a:latin typeface="Consolas" panose="020B0609020204030204" pitchFamily="49" charset="0"/>
+                <a:ea typeface="Menlo" panose="020B0609030804020204" pitchFamily="49" charset="0"/>
+                <a:cs typeface="Consolas" panose="020B0609020204030204" pitchFamily="49" charset="0"/>
+              </a:rPr>
+              <a:t>0</a:t>
+            </a:r>
+            <a:r>
+              <a:rPr lang="en-CA" sz="1600" kern="0" spc="-170" dirty="0">
+                <a:latin typeface="Consolas" panose="020B0609020204030204" pitchFamily="49" charset="0"/>
+                <a:ea typeface="Menlo" panose="020B0609030804020204" pitchFamily="49" charset="0"/>
+                <a:cs typeface="Consolas" panose="020B0609020204030204" pitchFamily="49" charset="0"/>
+              </a:rPr>
+              <a:t>; </a:t>
+            </a:r>
+            <a:r>
+              <a:rPr lang="en-CA" sz="1600" kern="0" spc="-170" dirty="0" err="1">
+                <a:solidFill>
+                  <a:schemeClr val="bg2">
+                    <a:lumMod val="50000"/>
+                  </a:schemeClr>
+                </a:solidFill>
+                <a:latin typeface="Consolas" panose="020B0609020204030204" pitchFamily="49" charset="0"/>
+                <a:ea typeface="Menlo" panose="020B0609030804020204" pitchFamily="49" charset="0"/>
+                <a:cs typeface="Consolas" panose="020B0609020204030204" pitchFamily="49" charset="0"/>
+              </a:rPr>
+              <a:t>i</a:t>
+            </a:r>
+            <a:r>
+              <a:rPr lang="en-CA" sz="1600" kern="0" spc="-170" dirty="0">
+                <a:latin typeface="Consolas" panose="020B0609020204030204" pitchFamily="49" charset="0"/>
+                <a:ea typeface="Menlo" panose="020B0609030804020204" pitchFamily="49" charset="0"/>
+                <a:cs typeface="Consolas" panose="020B0609020204030204" pitchFamily="49" charset="0"/>
+              </a:rPr>
+              <a:t> &lt; </a:t>
+            </a:r>
+            <a:r>
+              <a:rPr lang="en-CA" sz="1600" kern="0" spc="-170" dirty="0">
+                <a:solidFill>
+                  <a:schemeClr val="tx1">
+                    <a:lumMod val="65000"/>
+                    <a:lumOff val="35000"/>
+                  </a:schemeClr>
+                </a:solidFill>
+                <a:latin typeface="Consolas" panose="020B0609020204030204" pitchFamily="49" charset="0"/>
+                <a:ea typeface="Menlo" panose="020B0609030804020204" pitchFamily="49" charset="0"/>
+                <a:cs typeface="Consolas" panose="020B0609020204030204" pitchFamily="49" charset="0"/>
+              </a:rPr>
+              <a:t>count</a:t>
+            </a:r>
+            <a:r>
+              <a:rPr lang="en-CA" sz="1600" kern="0" spc="-170" dirty="0">
+                <a:latin typeface="Consolas" panose="020B0609020204030204" pitchFamily="49" charset="0"/>
+                <a:ea typeface="Menlo" panose="020B0609030804020204" pitchFamily="49" charset="0"/>
+                <a:cs typeface="Consolas" panose="020B0609020204030204" pitchFamily="49" charset="0"/>
+              </a:rPr>
+              <a:t>; </a:t>
+            </a:r>
+            <a:r>
+              <a:rPr lang="en-CA" sz="1600" kern="0" spc="-170" dirty="0" err="1">
+                <a:solidFill>
+                  <a:schemeClr val="tx1">
+                    <a:lumMod val="65000"/>
+                    <a:lumOff val="35000"/>
+                  </a:schemeClr>
+                </a:solidFill>
+                <a:latin typeface="Consolas" panose="020B0609020204030204" pitchFamily="49" charset="0"/>
+                <a:ea typeface="Menlo" panose="020B0609030804020204" pitchFamily="49" charset="0"/>
+                <a:cs typeface="Consolas" panose="020B0609020204030204" pitchFamily="49" charset="0"/>
+              </a:rPr>
+              <a:t>i</a:t>
+            </a:r>
+            <a:r>
+              <a:rPr lang="en-CA" sz="1600" kern="0" spc="-170" dirty="0">
+                <a:latin typeface="Consolas" panose="020B0609020204030204" pitchFamily="49" charset="0"/>
+                <a:ea typeface="Menlo" panose="020B0609030804020204" pitchFamily="49" charset="0"/>
+                <a:cs typeface="Consolas" panose="020B0609020204030204" pitchFamily="49" charset="0"/>
+              </a:rPr>
+              <a:t>++) {</a:t>
+            </a:r>
+          </a:p>
+          <a:p>
+            <a:pPr>
+              <a:lnSpc>
+                <a:spcPct val="120000"/>
+              </a:lnSpc>
+            </a:pPr>
+            <a:r>
+              <a:rPr lang="en-CA" sz="1600" kern="0" spc="-170" dirty="0">
+                <a:solidFill>
+                  <a:srgbClr val="7030A0"/>
+                </a:solidFill>
+                <a:latin typeface="Consolas" panose="020B0609020204030204" pitchFamily="49" charset="0"/>
+                <a:ea typeface="Menlo" panose="020B0609030804020204" pitchFamily="49" charset="0"/>
+                <a:cs typeface="Consolas" panose="020B0609020204030204" pitchFamily="49" charset="0"/>
+              </a:rPr>
+              <a:t>    try</a:t>
+            </a:r>
+            <a:r>
+              <a:rPr lang="en-CA" sz="1600" kern="0" spc="-170" dirty="0">
+                <a:latin typeface="Consolas" panose="020B0609020204030204" pitchFamily="49" charset="0"/>
+                <a:ea typeface="Menlo" panose="020B0609030804020204" pitchFamily="49" charset="0"/>
+                <a:cs typeface="Consolas" panose="020B0609020204030204" pitchFamily="49" charset="0"/>
+              </a:rPr>
+              <a:t> {</a:t>
+            </a:r>
+          </a:p>
+          <a:p>
+            <a:pPr>
+              <a:lnSpc>
+                <a:spcPct val="120000"/>
+              </a:lnSpc>
+            </a:pPr>
+            <a:r>
+              <a:rPr lang="en-CA" sz="1600" kern="0" spc="-170" dirty="0">
+                <a:latin typeface="Consolas" panose="020B0609020204030204" pitchFamily="49" charset="0"/>
+                <a:ea typeface="Menlo" panose="020B0609030804020204" pitchFamily="49" charset="0"/>
+                <a:cs typeface="Consolas" panose="020B0609020204030204" pitchFamily="49" charset="0"/>
+              </a:rPr>
+              <a:t>      </a:t>
+            </a:r>
+            <a:r>
+              <a:rPr lang="en-CA" sz="1600" kern="0" spc="-170" dirty="0">
+                <a:solidFill>
+                  <a:schemeClr val="tx1">
+                    <a:lumMod val="65000"/>
+                    <a:lumOff val="35000"/>
+                  </a:schemeClr>
+                </a:solidFill>
+                <a:latin typeface="Consolas" panose="020B0609020204030204" pitchFamily="49" charset="0"/>
+                <a:ea typeface="Menlo" panose="020B0609030804020204" pitchFamily="49" charset="0"/>
+                <a:cs typeface="Consolas" panose="020B0609020204030204" pitchFamily="49" charset="0"/>
+              </a:rPr>
+              <a:t>addresses</a:t>
+            </a:r>
+            <a:r>
+              <a:rPr lang="en-CA" sz="1600" kern="0" spc="-170" dirty="0">
+                <a:latin typeface="Consolas" panose="020B0609020204030204" pitchFamily="49" charset="0"/>
+                <a:ea typeface="Menlo" panose="020B0609030804020204" pitchFamily="49" charset="0"/>
+                <a:cs typeface="Consolas" panose="020B0609020204030204" pitchFamily="49" charset="0"/>
+              </a:rPr>
+              <a:t>[</a:t>
+            </a:r>
+            <a:r>
+              <a:rPr lang="en-CA" sz="1600" kern="0" spc="-170" dirty="0" err="1">
+                <a:solidFill>
+                  <a:schemeClr val="tx1">
+                    <a:lumMod val="65000"/>
+                    <a:lumOff val="35000"/>
+                  </a:schemeClr>
+                </a:solidFill>
+                <a:latin typeface="Consolas" panose="020B0609020204030204" pitchFamily="49" charset="0"/>
+                <a:ea typeface="Menlo" panose="020B0609030804020204" pitchFamily="49" charset="0"/>
+                <a:cs typeface="Consolas" panose="020B0609020204030204" pitchFamily="49" charset="0"/>
+              </a:rPr>
+              <a:t>i</a:t>
+            </a:r>
+            <a:r>
+              <a:rPr lang="en-CA" sz="1600" kern="0" spc="-170" dirty="0">
+                <a:latin typeface="Consolas" panose="020B0609020204030204" pitchFamily="49" charset="0"/>
+                <a:ea typeface="Menlo" panose="020B0609030804020204" pitchFamily="49" charset="0"/>
+                <a:cs typeface="Consolas" panose="020B0609020204030204" pitchFamily="49" charset="0"/>
+              </a:rPr>
+              <a:t>] =</a:t>
+            </a:r>
+          </a:p>
+          <a:p>
+            <a:pPr>
+              <a:lnSpc>
+                <a:spcPct val="120000"/>
+              </a:lnSpc>
+            </a:pPr>
+            <a:r>
+              <a:rPr lang="en-CA" sz="1600" kern="0" spc="-170" dirty="0">
+                <a:solidFill>
+                  <a:srgbClr val="7030A0"/>
+                </a:solidFill>
+                <a:latin typeface="Consolas" panose="020B0609020204030204" pitchFamily="49" charset="0"/>
+                <a:ea typeface="Menlo" panose="020B0609030804020204" pitchFamily="49" charset="0"/>
+                <a:cs typeface="Consolas" panose="020B0609020204030204" pitchFamily="49" charset="0"/>
+              </a:rPr>
+              <a:t>        new </a:t>
+            </a:r>
+            <a:r>
+              <a:rPr lang="en-CA" sz="1600" kern="0" spc="-170" dirty="0">
+                <a:latin typeface="Consolas" panose="020B0609020204030204" pitchFamily="49" charset="0"/>
+                <a:ea typeface="Menlo" panose="020B0609030804020204" pitchFamily="49" charset="0"/>
+                <a:cs typeface="Consolas" panose="020B0609020204030204" pitchFamily="49" charset="0"/>
+              </a:rPr>
+              <a:t>Address(</a:t>
+            </a:r>
+            <a:r>
+              <a:rPr lang="en-CA" sz="1600" kern="0" spc="-170" dirty="0">
+                <a:solidFill>
+                  <a:srgbClr val="0000FF"/>
+                </a:solidFill>
+                <a:latin typeface="Consolas" panose="020B0609020204030204" pitchFamily="49" charset="0"/>
+                <a:ea typeface="Menlo" panose="020B0609030804020204" pitchFamily="49" charset="0"/>
+                <a:cs typeface="Consolas" panose="020B0609020204030204" pitchFamily="49" charset="0"/>
+              </a:rPr>
+              <a:t>"127.0.0.1"</a:t>
+            </a:r>
+            <a:r>
+              <a:rPr lang="en-CA" sz="1600" kern="0" spc="-170" dirty="0">
+                <a:latin typeface="Consolas" panose="020B0609020204030204" pitchFamily="49" charset="0"/>
+                <a:ea typeface="Menlo" panose="020B0609030804020204" pitchFamily="49" charset="0"/>
+                <a:cs typeface="Consolas" panose="020B0609020204030204" pitchFamily="49" charset="0"/>
+              </a:rPr>
+              <a:t>, </a:t>
+            </a:r>
+            <a:r>
+              <a:rPr lang="en-CA" sz="1600" b="1" i="1" kern="0" spc="-170" dirty="0" err="1">
+                <a:solidFill>
+                  <a:srgbClr val="0000FF"/>
+                </a:solidFill>
+                <a:latin typeface="Consolas" panose="020B0609020204030204" pitchFamily="49" charset="0"/>
+                <a:ea typeface="Menlo" panose="020B0609030804020204" pitchFamily="49" charset="0"/>
+                <a:cs typeface="Consolas" panose="020B0609020204030204" pitchFamily="49" charset="0"/>
+              </a:rPr>
+              <a:t>PORTS</a:t>
+            </a:r>
+            <a:r>
+              <a:rPr lang="en-CA" sz="1600" kern="0" spc="-170" dirty="0" err="1">
+                <a:latin typeface="Consolas" panose="020B0609020204030204" pitchFamily="49" charset="0"/>
+                <a:ea typeface="Menlo" panose="020B0609030804020204" pitchFamily="49" charset="0"/>
+                <a:cs typeface="Consolas" panose="020B0609020204030204" pitchFamily="49" charset="0"/>
+              </a:rPr>
+              <a:t>.incrementAndGet</a:t>
+            </a:r>
+            <a:r>
+              <a:rPr lang="en-CA" sz="1600" kern="0" spc="-170" dirty="0">
+                <a:latin typeface="Consolas" panose="020B0609020204030204" pitchFamily="49" charset="0"/>
+                <a:ea typeface="Menlo" panose="020B0609030804020204" pitchFamily="49" charset="0"/>
+                <a:cs typeface="Consolas" panose="020B0609020204030204" pitchFamily="49" charset="0"/>
+              </a:rPr>
+              <a:t>());</a:t>
+            </a:r>
+          </a:p>
+          <a:p>
+            <a:pPr>
+              <a:lnSpc>
+                <a:spcPct val="120000"/>
+              </a:lnSpc>
+            </a:pPr>
+            <a:r>
+              <a:rPr lang="en-CA" sz="1600" kern="0" spc="-170" dirty="0">
+                <a:latin typeface="Consolas" panose="020B0609020204030204" pitchFamily="49" charset="0"/>
+                <a:ea typeface="Menlo" panose="020B0609030804020204" pitchFamily="49" charset="0"/>
+                <a:cs typeface="Consolas" panose="020B0609020204030204" pitchFamily="49" charset="0"/>
+              </a:rPr>
+              <a:t>    }</a:t>
+            </a:r>
+          </a:p>
+          <a:p>
+            <a:pPr>
+              <a:lnSpc>
+                <a:spcPct val="120000"/>
+              </a:lnSpc>
+            </a:pPr>
+            <a:r>
+              <a:rPr lang="en-CA" sz="1600" kern="0" spc="-170" dirty="0">
+                <a:solidFill>
+                  <a:srgbClr val="7030A0"/>
+                </a:solidFill>
+                <a:latin typeface="Consolas" panose="020B0609020204030204" pitchFamily="49" charset="0"/>
+                <a:ea typeface="Menlo" panose="020B0609030804020204" pitchFamily="49" charset="0"/>
+                <a:cs typeface="Consolas" panose="020B0609020204030204" pitchFamily="49" charset="0"/>
+              </a:rPr>
+              <a:t>    catch </a:t>
+            </a:r>
+            <a:r>
+              <a:rPr lang="en-CA" sz="1600" kern="0" spc="-170" dirty="0">
+                <a:latin typeface="Consolas" panose="020B0609020204030204" pitchFamily="49" charset="0"/>
+                <a:ea typeface="Menlo" panose="020B0609030804020204" pitchFamily="49" charset="0"/>
+                <a:cs typeface="Consolas" panose="020B0609020204030204" pitchFamily="49" charset="0"/>
+              </a:rPr>
+              <a:t>(</a:t>
+            </a:r>
+            <a:r>
+              <a:rPr lang="en-CA" sz="1600" kern="0" spc="-170" dirty="0" err="1">
+                <a:latin typeface="Consolas" panose="020B0609020204030204" pitchFamily="49" charset="0"/>
+                <a:ea typeface="Menlo" panose="020B0609030804020204" pitchFamily="49" charset="0"/>
+                <a:cs typeface="Consolas" panose="020B0609020204030204" pitchFamily="49" charset="0"/>
+              </a:rPr>
+              <a:t>UnknownHostException</a:t>
+            </a:r>
+            <a:r>
+              <a:rPr lang="en-CA" sz="1600" kern="0" spc="-170" dirty="0">
+                <a:latin typeface="Consolas" panose="020B0609020204030204" pitchFamily="49" charset="0"/>
+                <a:ea typeface="Menlo" panose="020B0609030804020204" pitchFamily="49" charset="0"/>
+                <a:cs typeface="Consolas" panose="020B0609020204030204" pitchFamily="49" charset="0"/>
+              </a:rPr>
+              <a:t> </a:t>
+            </a:r>
+            <a:r>
+              <a:rPr lang="en-CA" sz="1600" kern="0" spc="-170" dirty="0">
+                <a:solidFill>
+                  <a:schemeClr val="tx1">
+                    <a:lumMod val="65000"/>
+                    <a:lumOff val="35000"/>
+                  </a:schemeClr>
+                </a:solidFill>
+                <a:latin typeface="Consolas" panose="020B0609020204030204" pitchFamily="49" charset="0"/>
+                <a:ea typeface="Menlo" panose="020B0609030804020204" pitchFamily="49" charset="0"/>
+                <a:cs typeface="Consolas" panose="020B0609020204030204" pitchFamily="49" charset="0"/>
+              </a:rPr>
+              <a:t>e</a:t>
+            </a:r>
+            <a:r>
+              <a:rPr lang="en-CA" sz="1600" kern="0" spc="-170" dirty="0">
+                <a:latin typeface="Consolas" panose="020B0609020204030204" pitchFamily="49" charset="0"/>
+                <a:ea typeface="Menlo" panose="020B0609030804020204" pitchFamily="49" charset="0"/>
+                <a:cs typeface="Consolas" panose="020B0609020204030204" pitchFamily="49" charset="0"/>
+              </a:rPr>
+              <a:t>) {</a:t>
+            </a:r>
+          </a:p>
+          <a:p>
+            <a:pPr>
+              <a:lnSpc>
+                <a:spcPct val="120000"/>
+              </a:lnSpc>
+            </a:pPr>
+            <a:r>
+              <a:rPr lang="en-CA" sz="1600" kern="0" spc="-170" dirty="0">
+                <a:latin typeface="Consolas" panose="020B0609020204030204" pitchFamily="49" charset="0"/>
+                <a:ea typeface="Menlo" panose="020B0609030804020204" pitchFamily="49" charset="0"/>
+                <a:cs typeface="Consolas" panose="020B0609020204030204" pitchFamily="49" charset="0"/>
+              </a:rPr>
+              <a:t>      </a:t>
+            </a:r>
+            <a:r>
+              <a:rPr lang="en-CA" sz="1600" kern="0" spc="-170" dirty="0" err="1">
+                <a:latin typeface="Consolas" panose="020B0609020204030204" pitchFamily="49" charset="0"/>
+                <a:ea typeface="Menlo" panose="020B0609030804020204" pitchFamily="49" charset="0"/>
+                <a:cs typeface="Consolas" panose="020B0609020204030204" pitchFamily="49" charset="0"/>
+              </a:rPr>
+              <a:t>e.printStackTrace</a:t>
+            </a:r>
+            <a:r>
+              <a:rPr lang="en-CA" sz="1600" kern="0" spc="-170" dirty="0">
+                <a:latin typeface="Consolas" panose="020B0609020204030204" pitchFamily="49" charset="0"/>
+                <a:ea typeface="Menlo" panose="020B0609030804020204" pitchFamily="49" charset="0"/>
+                <a:cs typeface="Consolas" panose="020B0609020204030204" pitchFamily="49" charset="0"/>
+              </a:rPr>
+              <a:t>();</a:t>
+            </a:r>
+          </a:p>
+          <a:p>
+            <a:pPr>
+              <a:lnSpc>
+                <a:spcPct val="120000"/>
+              </a:lnSpc>
+            </a:pPr>
+            <a:r>
+              <a:rPr lang="en-CA" sz="1600" kern="0" spc="-170" dirty="0">
+                <a:latin typeface="Consolas" panose="020B0609020204030204" pitchFamily="49" charset="0"/>
+                <a:ea typeface="Menlo" panose="020B0609030804020204" pitchFamily="49" charset="0"/>
+                <a:cs typeface="Consolas" panose="020B0609020204030204" pitchFamily="49" charset="0"/>
+              </a:rPr>
+              <a:t>    }</a:t>
+            </a:r>
+          </a:p>
+          <a:p>
+            <a:pPr>
+              <a:lnSpc>
+                <a:spcPct val="120000"/>
+              </a:lnSpc>
+            </a:pPr>
+            <a:r>
+              <a:rPr lang="en-CA" sz="1600" kern="0" spc="-170" dirty="0">
+                <a:latin typeface="Consolas" panose="020B0609020204030204" pitchFamily="49" charset="0"/>
+                <a:ea typeface="Menlo" panose="020B0609030804020204" pitchFamily="49" charset="0"/>
+                <a:cs typeface="Consolas" panose="020B0609020204030204" pitchFamily="49" charset="0"/>
+              </a:rPr>
+              <a:t>  }</a:t>
+            </a:r>
+          </a:p>
+          <a:p>
+            <a:pPr>
+              <a:lnSpc>
+                <a:spcPct val="120000"/>
+              </a:lnSpc>
+            </a:pPr>
+            <a:r>
+              <a:rPr lang="en-CA" sz="1600" kern="0" spc="-170" dirty="0">
+                <a:solidFill>
+                  <a:srgbClr val="7030A0"/>
+                </a:solidFill>
+                <a:latin typeface="Consolas" panose="020B0609020204030204" pitchFamily="49" charset="0"/>
+                <a:ea typeface="Menlo" panose="020B0609030804020204" pitchFamily="49" charset="0"/>
+                <a:cs typeface="Consolas" panose="020B0609020204030204" pitchFamily="49" charset="0"/>
+              </a:rPr>
+              <a:t>  return</a:t>
+            </a:r>
+            <a:r>
+              <a:rPr lang="en-CA" sz="1600" kern="0" spc="-170" dirty="0">
+                <a:latin typeface="Consolas" panose="020B0609020204030204" pitchFamily="49" charset="0"/>
+                <a:ea typeface="Menlo" panose="020B0609030804020204" pitchFamily="49" charset="0"/>
+                <a:cs typeface="Consolas" panose="020B0609020204030204" pitchFamily="49" charset="0"/>
+              </a:rPr>
+              <a:t> </a:t>
+            </a:r>
+            <a:r>
+              <a:rPr lang="en-CA" sz="1600" kern="0" spc="-170" dirty="0">
+                <a:solidFill>
+                  <a:schemeClr val="tx1">
+                    <a:lumMod val="65000"/>
+                    <a:lumOff val="35000"/>
+                  </a:schemeClr>
+                </a:solidFill>
+                <a:latin typeface="Consolas" panose="020B0609020204030204" pitchFamily="49" charset="0"/>
+                <a:ea typeface="Menlo" panose="020B0609030804020204" pitchFamily="49" charset="0"/>
+                <a:cs typeface="Consolas" panose="020B0609020204030204" pitchFamily="49" charset="0"/>
+              </a:rPr>
+              <a:t>addresses</a:t>
+            </a:r>
+            <a:r>
+              <a:rPr lang="en-CA" sz="1600" kern="0" spc="-170" dirty="0">
+                <a:latin typeface="Consolas" panose="020B0609020204030204" pitchFamily="49" charset="0"/>
+                <a:ea typeface="Menlo" panose="020B0609030804020204" pitchFamily="49" charset="0"/>
+                <a:cs typeface="Consolas" panose="020B0609020204030204" pitchFamily="49" charset="0"/>
+              </a:rPr>
+              <a:t>;</a:t>
+            </a:r>
+          </a:p>
+          <a:p>
+            <a:pPr>
+              <a:lnSpc>
+                <a:spcPct val="120000"/>
+              </a:lnSpc>
+            </a:pPr>
+            <a:r>
+              <a:rPr lang="en-CA" sz="1600" kern="0" spc="-170" dirty="0">
+                <a:latin typeface="Consolas" panose="020B0609020204030204" pitchFamily="49" charset="0"/>
+                <a:ea typeface="Menlo" panose="020B0609030804020204" pitchFamily="49" charset="0"/>
+                <a:cs typeface="Consolas" panose="020B0609020204030204" pitchFamily="49" charset="0"/>
+              </a:rPr>
+              <a:t>}</a:t>
+            </a:r>
+          </a:p>
+          <a:p>
+            <a:pPr>
+              <a:lnSpc>
+                <a:spcPct val="120000"/>
+              </a:lnSpc>
+            </a:pPr>
+            <a:endParaRPr lang="en-US" sz="1600" kern="0" spc="-170" dirty="0">
+              <a:latin typeface="Consolas" panose="020B0609020204030204" pitchFamily="49" charset="0"/>
+              <a:ea typeface="Menlo" panose="020B0609030804020204" pitchFamily="49" charset="0"/>
+              <a:cs typeface="Consolas" panose="020B0609020204030204" pitchFamily="49" charset="0"/>
+            </a:endParaRPr>
+          </a:p>
+        </p:txBody>
+      </p:sp>
+      <p:sp>
+        <p:nvSpPr>
+          <p:cNvPr id="17" name="TextBox 16">
+            <a:extLst>
+              <a:ext uri="{FF2B5EF4-FFF2-40B4-BE49-F238E27FC236}">
+                <a16:creationId xmlns:a16="http://schemas.microsoft.com/office/drawing/2014/main" id="{1E0CDEDB-7F8E-0441-A3D9-EF489BC0140B}"/>
+              </a:ext>
+            </a:extLst>
+          </p:cNvPr>
+          <p:cNvSpPr txBox="1"/>
+          <p:nvPr/>
+        </p:nvSpPr>
+        <p:spPr>
+          <a:xfrm>
+            <a:off x="11278258" y="5756185"/>
+            <a:ext cx="836511" cy="461665"/>
+          </a:xfrm>
+          <a:prstGeom prst="rect">
+            <a:avLst/>
+          </a:prstGeom>
+          <a:noFill/>
+        </p:spPr>
+        <p:txBody>
+          <a:bodyPr wrap="none" rtlCol="0">
+            <a:spAutoFit/>
+          </a:bodyPr>
+          <a:lstStyle/>
+          <a:p>
+            <a:r>
+              <a:rPr lang="en-US" sz="2400" b="1" dirty="0"/>
+              <a:t>After</a:t>
+            </a:r>
+          </a:p>
+        </p:txBody>
+      </p:sp>
+      <p:sp>
+        <p:nvSpPr>
+          <p:cNvPr id="18" name="TextBox 17">
+            <a:extLst>
+              <a:ext uri="{FF2B5EF4-FFF2-40B4-BE49-F238E27FC236}">
+                <a16:creationId xmlns:a16="http://schemas.microsoft.com/office/drawing/2014/main" id="{E049157D-209E-4E49-83CA-68BE73ED908D}"/>
+              </a:ext>
+            </a:extLst>
+          </p:cNvPr>
+          <p:cNvSpPr txBox="1"/>
+          <p:nvPr/>
+        </p:nvSpPr>
+        <p:spPr>
+          <a:xfrm>
+            <a:off x="0" y="5756185"/>
+            <a:ext cx="1030282" cy="461665"/>
+          </a:xfrm>
+          <a:prstGeom prst="rect">
+            <a:avLst/>
+          </a:prstGeom>
+          <a:noFill/>
+        </p:spPr>
+        <p:txBody>
+          <a:bodyPr wrap="none" rtlCol="0">
+            <a:spAutoFit/>
+          </a:bodyPr>
+          <a:lstStyle/>
+          <a:p>
+            <a:r>
+              <a:rPr lang="en-US" sz="2400" b="1" dirty="0"/>
+              <a:t>Before</a:t>
+            </a:r>
+          </a:p>
+        </p:txBody>
+      </p:sp>
+      <p:sp>
+        <p:nvSpPr>
+          <p:cNvPr id="19" name="Rounded Rectangle 15">
+            <a:extLst>
+              <a:ext uri="{FF2B5EF4-FFF2-40B4-BE49-F238E27FC236}">
+                <a16:creationId xmlns:a16="http://schemas.microsoft.com/office/drawing/2014/main" id="{CE32666B-0217-4988-B22C-3354C864A06A}"/>
+              </a:ext>
+            </a:extLst>
+          </p:cNvPr>
+          <p:cNvSpPr/>
+          <p:nvPr/>
+        </p:nvSpPr>
+        <p:spPr>
+          <a:xfrm>
+            <a:off x="8137573" y="1644452"/>
+            <a:ext cx="547977" cy="248846"/>
+          </a:xfrm>
+          <a:prstGeom prst="roundRect">
+            <a:avLst/>
+          </a:prstGeom>
+          <a:solidFill>
+            <a:schemeClr val="accent6">
+              <a:lumMod val="40000"/>
+              <a:lumOff val="60000"/>
+            </a:schemeClr>
+          </a:solidFill>
+          <a:ln w="6350">
+            <a:solidFill>
+              <a:schemeClr val="accent6">
+                <a:lumMod val="75000"/>
+              </a:schemeClr>
+            </a:solidFill>
+          </a:ln>
+        </p:spPr>
+        <p:style>
+          <a:lnRef idx="2">
+            <a:schemeClr val="accent4">
+              <a:shade val="50000"/>
+            </a:schemeClr>
+          </a:lnRef>
+          <a:fillRef idx="1">
+            <a:schemeClr val="accent4"/>
+          </a:fillRef>
+          <a:effectRef idx="0">
+            <a:schemeClr val="accent4"/>
+          </a:effectRef>
+          <a:fontRef idx="minor">
+            <a:schemeClr val="lt1"/>
+          </a:fontRef>
+        </p:style>
+        <p:txBody>
+          <a:bodyPr rtlCol="0" anchor="ctr"/>
+          <a:lstStyle/>
+          <a:p>
+            <a:pPr algn="ctr"/>
+            <a:endParaRPr lang="en-US"/>
+          </a:p>
+        </p:txBody>
+      </p:sp>
+      <p:sp>
+        <p:nvSpPr>
+          <p:cNvPr id="22" name="TextBox 21">
+            <a:extLst>
+              <a:ext uri="{FF2B5EF4-FFF2-40B4-BE49-F238E27FC236}">
+                <a16:creationId xmlns:a16="http://schemas.microsoft.com/office/drawing/2014/main" id="{C4E7FE12-539E-DE40-9A00-9A49E1CD8AED}"/>
+              </a:ext>
+            </a:extLst>
+          </p:cNvPr>
+          <p:cNvSpPr txBox="1"/>
+          <p:nvPr/>
+        </p:nvSpPr>
+        <p:spPr>
+          <a:xfrm>
+            <a:off x="5246756" y="146448"/>
+            <a:ext cx="7006204" cy="4115422"/>
+          </a:xfrm>
+          <a:prstGeom prst="rect">
+            <a:avLst/>
+          </a:prstGeom>
+          <a:noFill/>
+        </p:spPr>
+        <p:txBody>
+          <a:bodyPr wrap="square" lIns="0" tIns="0" rIns="0" bIns="0" rtlCol="0">
+            <a:spAutoFit/>
+          </a:bodyPr>
+          <a:lstStyle/>
+          <a:p>
+            <a:pPr>
+              <a:lnSpc>
+                <a:spcPct val="120000"/>
+              </a:lnSpc>
+            </a:pPr>
+            <a:r>
+              <a:rPr lang="en-CA" sz="1600" kern="0" spc="-170" dirty="0">
+                <a:solidFill>
+                  <a:srgbClr val="7030A0"/>
+                </a:solidFill>
+                <a:latin typeface="Consolas" panose="020B0609020204030204" pitchFamily="49" charset="0"/>
+                <a:ea typeface="Menlo" panose="020B0609030804020204" pitchFamily="49" charset="0"/>
+                <a:cs typeface="Consolas" panose="020B0609020204030204" pitchFamily="49" charset="0"/>
+              </a:rPr>
+              <a:t>private</a:t>
+            </a:r>
+            <a:r>
+              <a:rPr lang="en-CA" sz="1600" kern="0" spc="-170" dirty="0">
+                <a:latin typeface="Consolas" panose="020B0609020204030204" pitchFamily="49" charset="0"/>
+                <a:ea typeface="Menlo" panose="020B0609030804020204" pitchFamily="49" charset="0"/>
+                <a:cs typeface="Consolas" panose="020B0609020204030204" pitchFamily="49" charset="0"/>
+              </a:rPr>
+              <a:t> </a:t>
+            </a:r>
+            <a:r>
+              <a:rPr lang="en-CA" sz="1600" kern="0" spc="-170" dirty="0">
+                <a:solidFill>
+                  <a:srgbClr val="7030A0"/>
+                </a:solidFill>
+                <a:latin typeface="Consolas" panose="020B0609020204030204" pitchFamily="49" charset="0"/>
+                <a:ea typeface="Menlo" panose="020B0609030804020204" pitchFamily="49" charset="0"/>
+                <a:cs typeface="Consolas" panose="020B0609020204030204" pitchFamily="49" charset="0"/>
+              </a:rPr>
+              <a:t>static</a:t>
+            </a:r>
+            <a:r>
+              <a:rPr lang="en-CA" sz="1600" kern="0" spc="-170" dirty="0">
+                <a:latin typeface="Consolas" panose="020B0609020204030204" pitchFamily="49" charset="0"/>
+                <a:ea typeface="Menlo" panose="020B0609030804020204" pitchFamily="49" charset="0"/>
+                <a:cs typeface="Consolas" panose="020B0609020204030204" pitchFamily="49" charset="0"/>
+              </a:rPr>
+              <a:t> </a:t>
+            </a:r>
+            <a:r>
+              <a:rPr lang="en-CA" sz="1600" kern="0" spc="-170" dirty="0">
+                <a:latin typeface="Consolas" panose="020B0609020204030204" pitchFamily="49" charset="0"/>
+                <a:cs typeface="Consolas" panose="020B0609020204030204" pitchFamily="49" charset="0"/>
+              </a:rPr>
+              <a:t>List&lt;Address&gt;</a:t>
+            </a:r>
+            <a:r>
+              <a:rPr lang="en-CA" sz="1600" kern="0" spc="-170" dirty="0">
+                <a:latin typeface="Consolas" panose="020B0609020204030204" pitchFamily="49" charset="0"/>
+                <a:ea typeface="Menlo" panose="020B0609030804020204" pitchFamily="49" charset="0"/>
+                <a:cs typeface="Consolas" panose="020B0609020204030204" pitchFamily="49" charset="0"/>
+              </a:rPr>
+              <a:t> </a:t>
+            </a:r>
+            <a:r>
+              <a:rPr lang="en-CA" sz="1600" kern="0" spc="-170" dirty="0" err="1">
+                <a:latin typeface="Consolas" panose="020B0609020204030204" pitchFamily="49" charset="0"/>
+                <a:ea typeface="Menlo" panose="020B0609030804020204" pitchFamily="49" charset="0"/>
+                <a:cs typeface="Consolas" panose="020B0609020204030204" pitchFamily="49" charset="0"/>
+              </a:rPr>
+              <a:t>createAddresses</a:t>
+            </a:r>
+            <a:r>
+              <a:rPr lang="en-CA" sz="1600" kern="0" spc="-170" dirty="0">
+                <a:latin typeface="Consolas" panose="020B0609020204030204" pitchFamily="49" charset="0"/>
+                <a:ea typeface="Menlo" panose="020B0609030804020204" pitchFamily="49" charset="0"/>
+                <a:cs typeface="Consolas" panose="020B0609020204030204" pitchFamily="49" charset="0"/>
+              </a:rPr>
+              <a:t>(</a:t>
+            </a:r>
+            <a:r>
+              <a:rPr lang="en-CA" sz="1600" kern="0" spc="-170" dirty="0" err="1">
+                <a:latin typeface="Consolas" panose="020B0609020204030204" pitchFamily="49" charset="0"/>
+                <a:ea typeface="Menlo" panose="020B0609030804020204" pitchFamily="49" charset="0"/>
+                <a:cs typeface="Consolas" panose="020B0609020204030204" pitchFamily="49" charset="0"/>
+              </a:rPr>
+              <a:t>AtomicInteger</a:t>
+            </a:r>
+            <a:r>
+              <a:rPr lang="en-CA" sz="1600" kern="0" spc="-170" dirty="0">
+                <a:latin typeface="Consolas" panose="020B0609020204030204" pitchFamily="49" charset="0"/>
+                <a:ea typeface="Menlo" panose="020B0609030804020204" pitchFamily="49" charset="0"/>
+                <a:cs typeface="Consolas" panose="020B0609020204030204" pitchFamily="49" charset="0"/>
+              </a:rPr>
+              <a:t> ports,</a:t>
+            </a:r>
+            <a:r>
+              <a:rPr lang="en-CA" sz="1600" kern="0" spc="-300" dirty="0">
+                <a:latin typeface="Consolas" panose="020B0609020204030204" pitchFamily="49" charset="0"/>
+                <a:ea typeface="Menlo" panose="020B0609030804020204" pitchFamily="49" charset="0"/>
+                <a:cs typeface="Consolas" panose="020B0609020204030204" pitchFamily="49" charset="0"/>
+              </a:rPr>
+              <a:t> </a:t>
+            </a:r>
+            <a:r>
+              <a:rPr lang="en-CA" sz="1600" kern="0" spc="-170" dirty="0" err="1">
+                <a:solidFill>
+                  <a:srgbClr val="7030A0"/>
+                </a:solidFill>
+                <a:latin typeface="Consolas" panose="020B0609020204030204" pitchFamily="49" charset="0"/>
+                <a:ea typeface="Menlo" panose="020B0609030804020204" pitchFamily="49" charset="0"/>
+                <a:cs typeface="Consolas" panose="020B0609020204030204" pitchFamily="49" charset="0"/>
+              </a:rPr>
+              <a:t>int</a:t>
+            </a:r>
+            <a:r>
+              <a:rPr lang="en-CA" sz="1600" kern="0" spc="-170" dirty="0">
+                <a:latin typeface="Consolas" panose="020B0609020204030204" pitchFamily="49" charset="0"/>
+                <a:ea typeface="Menlo" panose="020B0609030804020204" pitchFamily="49" charset="0"/>
+                <a:cs typeface="Consolas" panose="020B0609020204030204" pitchFamily="49" charset="0"/>
+              </a:rPr>
+              <a:t> </a:t>
+            </a:r>
+            <a:r>
+              <a:rPr lang="en-CA" sz="1600" kern="0" spc="-170" dirty="0">
+                <a:solidFill>
+                  <a:schemeClr val="tx1">
+                    <a:lumMod val="65000"/>
+                    <a:lumOff val="35000"/>
+                  </a:schemeClr>
+                </a:solidFill>
+                <a:latin typeface="Consolas" panose="020B0609020204030204" pitchFamily="49" charset="0"/>
+                <a:ea typeface="Menlo" panose="020B0609030804020204" pitchFamily="49" charset="0"/>
+                <a:cs typeface="Consolas" panose="020B0609020204030204" pitchFamily="49" charset="0"/>
+              </a:rPr>
+              <a:t>count</a:t>
+            </a:r>
+            <a:r>
+              <a:rPr lang="en-CA" sz="1600" kern="0" spc="-170" dirty="0">
+                <a:latin typeface="Consolas" panose="020B0609020204030204" pitchFamily="49" charset="0"/>
+                <a:ea typeface="Menlo" panose="020B0609030804020204" pitchFamily="49" charset="0"/>
+                <a:cs typeface="Consolas" panose="020B0609020204030204" pitchFamily="49" charset="0"/>
+              </a:rPr>
+              <a:t>){</a:t>
+            </a:r>
+          </a:p>
+          <a:p>
+            <a:pPr>
+              <a:lnSpc>
+                <a:spcPct val="120000"/>
+              </a:lnSpc>
+            </a:pPr>
+            <a:r>
+              <a:rPr lang="en-CA" sz="1600" kern="0" spc="-170" dirty="0">
+                <a:latin typeface="Consolas" panose="020B0609020204030204" pitchFamily="49" charset="0"/>
+                <a:ea typeface="Menlo" panose="020B0609030804020204" pitchFamily="49" charset="0"/>
+                <a:cs typeface="Consolas" panose="020B0609020204030204" pitchFamily="49" charset="0"/>
+              </a:rPr>
+              <a:t>  </a:t>
+            </a:r>
+            <a:r>
+              <a:rPr lang="en-CA" sz="1600" kern="0" spc="-170" dirty="0">
+                <a:latin typeface="Consolas" panose="020B0609020204030204" pitchFamily="49" charset="0"/>
+                <a:cs typeface="Consolas" panose="020B0609020204030204" pitchFamily="49" charset="0"/>
+              </a:rPr>
+              <a:t>List&lt;Address&gt; </a:t>
+            </a:r>
+            <a:r>
+              <a:rPr lang="en-CA" sz="1600" kern="0" spc="-170" dirty="0">
+                <a:solidFill>
+                  <a:schemeClr val="tx1">
+                    <a:lumMod val="65000"/>
+                    <a:lumOff val="35000"/>
+                  </a:schemeClr>
+                </a:solidFill>
+                <a:latin typeface="Consolas" panose="020B0609020204030204" pitchFamily="49" charset="0"/>
+                <a:ea typeface="Menlo" panose="020B0609030804020204" pitchFamily="49" charset="0"/>
+                <a:cs typeface="Consolas" panose="020B0609020204030204" pitchFamily="49" charset="0"/>
+              </a:rPr>
+              <a:t>addresses</a:t>
+            </a:r>
+            <a:r>
+              <a:rPr lang="en-CA" sz="1600" kern="0" spc="-170" dirty="0">
+                <a:latin typeface="Consolas" panose="020B0609020204030204" pitchFamily="49" charset="0"/>
+                <a:ea typeface="Menlo" panose="020B0609030804020204" pitchFamily="49" charset="0"/>
+                <a:cs typeface="Consolas" panose="020B0609020204030204" pitchFamily="49" charset="0"/>
+              </a:rPr>
+              <a:t> = </a:t>
+            </a:r>
+            <a:r>
+              <a:rPr lang="en-CA" sz="1600" kern="0" spc="-170" dirty="0">
+                <a:solidFill>
+                  <a:srgbClr val="7030A0"/>
+                </a:solidFill>
+                <a:latin typeface="Consolas" panose="020B0609020204030204" pitchFamily="49" charset="0"/>
+                <a:ea typeface="Menlo" panose="020B0609030804020204" pitchFamily="49" charset="0"/>
+                <a:cs typeface="Consolas" panose="020B0609020204030204" pitchFamily="49" charset="0"/>
+              </a:rPr>
+              <a:t>new</a:t>
+            </a:r>
+            <a:r>
+              <a:rPr lang="en-CA" sz="1600" kern="0" spc="-170" dirty="0">
+                <a:latin typeface="Consolas" panose="020B0609020204030204" pitchFamily="49" charset="0"/>
+                <a:ea typeface="Menlo" panose="020B0609030804020204" pitchFamily="49" charset="0"/>
+                <a:cs typeface="Consolas" panose="020B0609020204030204" pitchFamily="49" charset="0"/>
+              </a:rPr>
+              <a:t> </a:t>
+            </a:r>
+            <a:r>
+              <a:rPr lang="en-CA" sz="1600" kern="0" spc="-170" dirty="0" err="1">
+                <a:latin typeface="Consolas" panose="020B0609020204030204" pitchFamily="49" charset="0"/>
+                <a:ea typeface="Menlo" panose="020B0609030804020204" pitchFamily="49" charset="0"/>
+                <a:cs typeface="Consolas" panose="020B0609020204030204" pitchFamily="49" charset="0"/>
+              </a:rPr>
+              <a:t>ArrayList</a:t>
+            </a:r>
+            <a:r>
+              <a:rPr lang="en-CA" sz="1600" kern="0" spc="-170" dirty="0">
+                <a:latin typeface="Consolas" panose="020B0609020204030204" pitchFamily="49" charset="0"/>
+                <a:ea typeface="Menlo" panose="020B0609030804020204" pitchFamily="49" charset="0"/>
+                <a:cs typeface="Consolas" panose="020B0609020204030204" pitchFamily="49" charset="0"/>
+              </a:rPr>
+              <a:t>&lt;Address&gt;(</a:t>
+            </a:r>
+            <a:r>
+              <a:rPr lang="en-CA" sz="1600" kern="0" spc="-170" dirty="0">
+                <a:solidFill>
+                  <a:schemeClr val="tx1">
+                    <a:lumMod val="65000"/>
+                    <a:lumOff val="35000"/>
+                  </a:schemeClr>
+                </a:solidFill>
+                <a:latin typeface="Consolas" panose="020B0609020204030204" pitchFamily="49" charset="0"/>
+                <a:ea typeface="Menlo" panose="020B0609030804020204" pitchFamily="49" charset="0"/>
+                <a:cs typeface="Consolas" panose="020B0609020204030204" pitchFamily="49" charset="0"/>
+              </a:rPr>
+              <a:t>count</a:t>
+            </a:r>
+            <a:r>
+              <a:rPr lang="en-CA" sz="1600" kern="0" spc="-170" dirty="0">
+                <a:latin typeface="Consolas" panose="020B0609020204030204" pitchFamily="49" charset="0"/>
+                <a:ea typeface="Menlo" panose="020B0609030804020204" pitchFamily="49" charset="0"/>
+                <a:cs typeface="Consolas" panose="020B0609020204030204" pitchFamily="49" charset="0"/>
+              </a:rPr>
+              <a:t>);</a:t>
+            </a:r>
+          </a:p>
+          <a:p>
+            <a:pPr>
+              <a:lnSpc>
+                <a:spcPct val="120000"/>
+              </a:lnSpc>
+            </a:pPr>
+            <a:r>
+              <a:rPr lang="en-CA" sz="1600" kern="0" spc="-170" dirty="0">
+                <a:solidFill>
+                  <a:srgbClr val="7030A0"/>
+                </a:solidFill>
+                <a:latin typeface="Consolas" panose="020B0609020204030204" pitchFamily="49" charset="0"/>
+                <a:ea typeface="Menlo" panose="020B0609030804020204" pitchFamily="49" charset="0"/>
+                <a:cs typeface="Consolas" panose="020B0609020204030204" pitchFamily="49" charset="0"/>
+              </a:rPr>
+              <a:t>  for </a:t>
+            </a:r>
+            <a:r>
+              <a:rPr lang="en-CA" sz="1600" kern="0" spc="-170" dirty="0">
+                <a:latin typeface="Consolas" panose="020B0609020204030204" pitchFamily="49" charset="0"/>
+                <a:ea typeface="Menlo" panose="020B0609030804020204" pitchFamily="49" charset="0"/>
+                <a:cs typeface="Consolas" panose="020B0609020204030204" pitchFamily="49" charset="0"/>
+              </a:rPr>
+              <a:t>(</a:t>
+            </a:r>
+            <a:r>
+              <a:rPr lang="en-CA" sz="1600" kern="0" spc="-170" dirty="0" err="1">
+                <a:solidFill>
+                  <a:srgbClr val="7030A0"/>
+                </a:solidFill>
+                <a:latin typeface="Consolas" panose="020B0609020204030204" pitchFamily="49" charset="0"/>
+                <a:ea typeface="Menlo" panose="020B0609030804020204" pitchFamily="49" charset="0"/>
+                <a:cs typeface="Consolas" panose="020B0609020204030204" pitchFamily="49" charset="0"/>
+              </a:rPr>
+              <a:t>int</a:t>
+            </a:r>
+            <a:r>
+              <a:rPr lang="en-CA" sz="1600" kern="0" spc="-170" dirty="0">
+                <a:latin typeface="Consolas" panose="020B0609020204030204" pitchFamily="49" charset="0"/>
+                <a:ea typeface="Menlo" panose="020B0609030804020204" pitchFamily="49" charset="0"/>
+                <a:cs typeface="Consolas" panose="020B0609020204030204" pitchFamily="49" charset="0"/>
+              </a:rPr>
+              <a:t> </a:t>
+            </a:r>
+            <a:r>
+              <a:rPr lang="en-CA" sz="1600" kern="0" spc="-170" dirty="0" err="1">
+                <a:solidFill>
+                  <a:schemeClr val="bg2">
+                    <a:lumMod val="50000"/>
+                  </a:schemeClr>
+                </a:solidFill>
+                <a:latin typeface="Consolas" panose="020B0609020204030204" pitchFamily="49" charset="0"/>
+                <a:ea typeface="Menlo" panose="020B0609030804020204" pitchFamily="49" charset="0"/>
+                <a:cs typeface="Consolas" panose="020B0609020204030204" pitchFamily="49" charset="0"/>
+              </a:rPr>
+              <a:t>i</a:t>
+            </a:r>
+            <a:r>
+              <a:rPr lang="en-CA" sz="1600" kern="0" spc="-170" dirty="0">
+                <a:latin typeface="Consolas" panose="020B0609020204030204" pitchFamily="49" charset="0"/>
+                <a:ea typeface="Menlo" panose="020B0609030804020204" pitchFamily="49" charset="0"/>
+                <a:cs typeface="Consolas" panose="020B0609020204030204" pitchFamily="49" charset="0"/>
+              </a:rPr>
+              <a:t> = </a:t>
+            </a:r>
+            <a:r>
+              <a:rPr lang="en-CA" sz="1600" kern="0" spc="-170" dirty="0">
+                <a:solidFill>
+                  <a:srgbClr val="0000FF"/>
+                </a:solidFill>
+                <a:latin typeface="Consolas" panose="020B0609020204030204" pitchFamily="49" charset="0"/>
+                <a:ea typeface="Menlo" panose="020B0609030804020204" pitchFamily="49" charset="0"/>
+                <a:cs typeface="Consolas" panose="020B0609020204030204" pitchFamily="49" charset="0"/>
+              </a:rPr>
+              <a:t>0</a:t>
+            </a:r>
+            <a:r>
+              <a:rPr lang="en-CA" sz="1600" kern="0" spc="-170" dirty="0">
+                <a:latin typeface="Consolas" panose="020B0609020204030204" pitchFamily="49" charset="0"/>
+                <a:ea typeface="Menlo" panose="020B0609030804020204" pitchFamily="49" charset="0"/>
+                <a:cs typeface="Consolas" panose="020B0609020204030204" pitchFamily="49" charset="0"/>
+              </a:rPr>
+              <a:t>; </a:t>
+            </a:r>
+            <a:r>
+              <a:rPr lang="en-CA" sz="1600" kern="0" spc="-170" dirty="0" err="1">
+                <a:solidFill>
+                  <a:schemeClr val="bg2">
+                    <a:lumMod val="50000"/>
+                  </a:schemeClr>
+                </a:solidFill>
+                <a:latin typeface="Consolas" panose="020B0609020204030204" pitchFamily="49" charset="0"/>
+                <a:ea typeface="Menlo" panose="020B0609030804020204" pitchFamily="49" charset="0"/>
+                <a:cs typeface="Consolas" panose="020B0609020204030204" pitchFamily="49" charset="0"/>
+              </a:rPr>
+              <a:t>i</a:t>
+            </a:r>
+            <a:r>
+              <a:rPr lang="en-CA" sz="1600" kern="0" spc="-170" dirty="0">
+                <a:latin typeface="Consolas" panose="020B0609020204030204" pitchFamily="49" charset="0"/>
+                <a:ea typeface="Menlo" panose="020B0609030804020204" pitchFamily="49" charset="0"/>
+                <a:cs typeface="Consolas" panose="020B0609020204030204" pitchFamily="49" charset="0"/>
+              </a:rPr>
+              <a:t> &lt; </a:t>
+            </a:r>
+            <a:r>
+              <a:rPr lang="en-CA" sz="1600" kern="0" spc="-170" dirty="0">
+                <a:solidFill>
+                  <a:schemeClr val="tx1">
+                    <a:lumMod val="65000"/>
+                    <a:lumOff val="35000"/>
+                  </a:schemeClr>
+                </a:solidFill>
+                <a:latin typeface="Consolas" panose="020B0609020204030204" pitchFamily="49" charset="0"/>
+                <a:ea typeface="Menlo" panose="020B0609030804020204" pitchFamily="49" charset="0"/>
+                <a:cs typeface="Consolas" panose="020B0609020204030204" pitchFamily="49" charset="0"/>
+              </a:rPr>
+              <a:t>count</a:t>
+            </a:r>
+            <a:r>
+              <a:rPr lang="en-CA" sz="1600" kern="0" spc="-170" dirty="0">
+                <a:latin typeface="Consolas" panose="020B0609020204030204" pitchFamily="49" charset="0"/>
+                <a:ea typeface="Menlo" panose="020B0609030804020204" pitchFamily="49" charset="0"/>
+                <a:cs typeface="Consolas" panose="020B0609020204030204" pitchFamily="49" charset="0"/>
+              </a:rPr>
+              <a:t>; </a:t>
+            </a:r>
+            <a:r>
+              <a:rPr lang="en-CA" sz="1600" kern="0" spc="-170" dirty="0" err="1">
+                <a:solidFill>
+                  <a:schemeClr val="tx1">
+                    <a:lumMod val="65000"/>
+                    <a:lumOff val="35000"/>
+                  </a:schemeClr>
+                </a:solidFill>
+                <a:latin typeface="Consolas" panose="020B0609020204030204" pitchFamily="49" charset="0"/>
+                <a:ea typeface="Menlo" panose="020B0609030804020204" pitchFamily="49" charset="0"/>
+                <a:cs typeface="Consolas" panose="020B0609020204030204" pitchFamily="49" charset="0"/>
+              </a:rPr>
+              <a:t>i</a:t>
+            </a:r>
+            <a:r>
+              <a:rPr lang="en-CA" sz="1600" kern="0" spc="-170" dirty="0">
+                <a:latin typeface="Consolas" panose="020B0609020204030204" pitchFamily="49" charset="0"/>
+                <a:ea typeface="Menlo" panose="020B0609030804020204" pitchFamily="49" charset="0"/>
+                <a:cs typeface="Consolas" panose="020B0609020204030204" pitchFamily="49" charset="0"/>
+              </a:rPr>
+              <a:t>++) {</a:t>
+            </a:r>
+          </a:p>
+          <a:p>
+            <a:pPr>
+              <a:lnSpc>
+                <a:spcPct val="120000"/>
+              </a:lnSpc>
+            </a:pPr>
+            <a:r>
+              <a:rPr lang="en-CA" sz="1600" kern="0" spc="-170" dirty="0">
+                <a:solidFill>
+                  <a:srgbClr val="7030A0"/>
+                </a:solidFill>
+                <a:latin typeface="Consolas" panose="020B0609020204030204" pitchFamily="49" charset="0"/>
+                <a:ea typeface="Menlo" panose="020B0609030804020204" pitchFamily="49" charset="0"/>
+                <a:cs typeface="Consolas" panose="020B0609020204030204" pitchFamily="49" charset="0"/>
+              </a:rPr>
+              <a:t>    try</a:t>
+            </a:r>
+            <a:r>
+              <a:rPr lang="en-CA" sz="1600" kern="0" spc="-170" dirty="0">
+                <a:latin typeface="Consolas" panose="020B0609020204030204" pitchFamily="49" charset="0"/>
+                <a:ea typeface="Menlo" panose="020B0609030804020204" pitchFamily="49" charset="0"/>
+                <a:cs typeface="Consolas" panose="020B0609020204030204" pitchFamily="49" charset="0"/>
+              </a:rPr>
+              <a:t> {</a:t>
+            </a:r>
+          </a:p>
+          <a:p>
+            <a:pPr>
+              <a:lnSpc>
+                <a:spcPct val="120000"/>
+              </a:lnSpc>
+            </a:pPr>
+            <a:r>
+              <a:rPr lang="en-CA" sz="1600" kern="0" spc="-170" dirty="0">
+                <a:latin typeface="Consolas" panose="020B0609020204030204" pitchFamily="49" charset="0"/>
+                <a:ea typeface="Menlo" panose="020B0609030804020204" pitchFamily="49" charset="0"/>
+                <a:cs typeface="Consolas" panose="020B0609020204030204" pitchFamily="49" charset="0"/>
+              </a:rPr>
+              <a:t>      </a:t>
+            </a:r>
+            <a:r>
+              <a:rPr lang="en-CA" sz="1600" kern="0" spc="-170" dirty="0">
+                <a:solidFill>
+                  <a:schemeClr val="tx1">
+                    <a:lumMod val="65000"/>
+                    <a:lumOff val="35000"/>
+                  </a:schemeClr>
+                </a:solidFill>
+                <a:latin typeface="Consolas" panose="020B0609020204030204" pitchFamily="49" charset="0"/>
+                <a:ea typeface="Menlo" panose="020B0609030804020204" pitchFamily="49" charset="0"/>
+                <a:cs typeface="Consolas" panose="020B0609020204030204" pitchFamily="49" charset="0"/>
+              </a:rPr>
+              <a:t>addresses</a:t>
+            </a:r>
+            <a:r>
+              <a:rPr lang="en-CA" sz="1600" kern="0" spc="-170" dirty="0">
+                <a:latin typeface="Consolas" panose="020B0609020204030204" pitchFamily="49" charset="0"/>
+                <a:ea typeface="Menlo" panose="020B0609030804020204" pitchFamily="49" charset="0"/>
+                <a:cs typeface="Consolas" panose="020B0609020204030204" pitchFamily="49" charset="0"/>
+              </a:rPr>
+              <a:t>[</a:t>
+            </a:r>
+            <a:r>
+              <a:rPr lang="en-CA" sz="1600" kern="0" spc="-170" dirty="0" err="1">
+                <a:solidFill>
+                  <a:schemeClr val="tx1">
+                    <a:lumMod val="65000"/>
+                    <a:lumOff val="35000"/>
+                  </a:schemeClr>
+                </a:solidFill>
+                <a:latin typeface="Consolas" panose="020B0609020204030204" pitchFamily="49" charset="0"/>
+                <a:ea typeface="Menlo" panose="020B0609030804020204" pitchFamily="49" charset="0"/>
+                <a:cs typeface="Consolas" panose="020B0609020204030204" pitchFamily="49" charset="0"/>
+              </a:rPr>
+              <a:t>i</a:t>
+            </a:r>
+            <a:r>
+              <a:rPr lang="en-CA" sz="1600" kern="0" spc="-170" dirty="0">
+                <a:latin typeface="Consolas" panose="020B0609020204030204" pitchFamily="49" charset="0"/>
+                <a:ea typeface="Menlo" panose="020B0609030804020204" pitchFamily="49" charset="0"/>
+                <a:cs typeface="Consolas" panose="020B0609020204030204" pitchFamily="49" charset="0"/>
+              </a:rPr>
+              <a:t>] =</a:t>
+            </a:r>
+          </a:p>
+          <a:p>
+            <a:pPr>
+              <a:lnSpc>
+                <a:spcPct val="120000"/>
+              </a:lnSpc>
+            </a:pPr>
+            <a:r>
+              <a:rPr lang="en-CA" sz="1600" kern="0" spc="-170" dirty="0">
+                <a:solidFill>
+                  <a:srgbClr val="7030A0"/>
+                </a:solidFill>
+                <a:latin typeface="Consolas" panose="020B0609020204030204" pitchFamily="49" charset="0"/>
+                <a:ea typeface="Menlo" panose="020B0609030804020204" pitchFamily="49" charset="0"/>
+                <a:cs typeface="Consolas" panose="020B0609020204030204" pitchFamily="49" charset="0"/>
+              </a:rPr>
+              <a:t>        new </a:t>
+            </a:r>
+            <a:r>
+              <a:rPr lang="en-CA" sz="1600" kern="0" spc="-170" dirty="0">
+                <a:latin typeface="Consolas" panose="020B0609020204030204" pitchFamily="49" charset="0"/>
+                <a:ea typeface="Menlo" panose="020B0609030804020204" pitchFamily="49" charset="0"/>
+                <a:cs typeface="Consolas" panose="020B0609020204030204" pitchFamily="49" charset="0"/>
+              </a:rPr>
+              <a:t>Address(</a:t>
+            </a:r>
+            <a:r>
+              <a:rPr lang="en-CA" sz="1600" kern="0" spc="-170" dirty="0">
+                <a:solidFill>
+                  <a:srgbClr val="0000FF"/>
+                </a:solidFill>
+                <a:latin typeface="Consolas" panose="020B0609020204030204" pitchFamily="49" charset="0"/>
+                <a:ea typeface="Menlo" panose="020B0609030804020204" pitchFamily="49" charset="0"/>
+                <a:cs typeface="Consolas" panose="020B0609020204030204" pitchFamily="49" charset="0"/>
+              </a:rPr>
+              <a:t>"127.0.0.1"</a:t>
+            </a:r>
+            <a:r>
+              <a:rPr lang="en-CA" sz="1600" kern="0" spc="-170" dirty="0">
+                <a:latin typeface="Consolas" panose="020B0609020204030204" pitchFamily="49" charset="0"/>
+                <a:ea typeface="Menlo" panose="020B0609030804020204" pitchFamily="49" charset="0"/>
+                <a:cs typeface="Consolas" panose="020B0609020204030204" pitchFamily="49" charset="0"/>
+              </a:rPr>
+              <a:t>, </a:t>
+            </a:r>
+            <a:r>
+              <a:rPr lang="en-CA" sz="1600" kern="0" spc="-170" dirty="0" err="1">
+                <a:latin typeface="Consolas" panose="020B0609020204030204" pitchFamily="49" charset="0"/>
+                <a:ea typeface="Menlo" panose="020B0609030804020204" pitchFamily="49" charset="0"/>
+                <a:cs typeface="Consolas" panose="020B0609020204030204" pitchFamily="49" charset="0"/>
+              </a:rPr>
+              <a:t>ports.incrementAndGet</a:t>
+            </a:r>
+            <a:r>
+              <a:rPr lang="en-CA" sz="1600" kern="0" spc="-170" dirty="0">
+                <a:latin typeface="Consolas" panose="020B0609020204030204" pitchFamily="49" charset="0"/>
+                <a:ea typeface="Menlo" panose="020B0609030804020204" pitchFamily="49" charset="0"/>
+                <a:cs typeface="Consolas" panose="020B0609020204030204" pitchFamily="49" charset="0"/>
+              </a:rPr>
+              <a:t>());</a:t>
+            </a:r>
+          </a:p>
+          <a:p>
+            <a:pPr>
+              <a:lnSpc>
+                <a:spcPct val="120000"/>
+              </a:lnSpc>
+            </a:pPr>
+            <a:r>
+              <a:rPr lang="en-CA" sz="1600" kern="0" spc="-170" dirty="0">
+                <a:latin typeface="Consolas" panose="020B0609020204030204" pitchFamily="49" charset="0"/>
+                <a:ea typeface="Menlo" panose="020B0609030804020204" pitchFamily="49" charset="0"/>
+                <a:cs typeface="Consolas" panose="020B0609020204030204" pitchFamily="49" charset="0"/>
+              </a:rPr>
+              <a:t>    }</a:t>
+            </a:r>
+          </a:p>
+          <a:p>
+            <a:pPr>
+              <a:lnSpc>
+                <a:spcPct val="120000"/>
+              </a:lnSpc>
+            </a:pPr>
+            <a:r>
+              <a:rPr lang="en-CA" sz="1600" kern="0" spc="-170" dirty="0">
+                <a:solidFill>
+                  <a:srgbClr val="7030A0"/>
+                </a:solidFill>
+                <a:latin typeface="Consolas" panose="020B0609020204030204" pitchFamily="49" charset="0"/>
+                <a:ea typeface="Menlo" panose="020B0609030804020204" pitchFamily="49" charset="0"/>
+                <a:cs typeface="Consolas" panose="020B0609020204030204" pitchFamily="49" charset="0"/>
+              </a:rPr>
+              <a:t>    catch </a:t>
+            </a:r>
+            <a:r>
+              <a:rPr lang="en-CA" sz="1600" kern="0" spc="-170" dirty="0">
+                <a:latin typeface="Consolas" panose="020B0609020204030204" pitchFamily="49" charset="0"/>
+                <a:ea typeface="Menlo" panose="020B0609030804020204" pitchFamily="49" charset="0"/>
+                <a:cs typeface="Consolas" panose="020B0609020204030204" pitchFamily="49" charset="0"/>
+              </a:rPr>
+              <a:t>(</a:t>
+            </a:r>
+            <a:r>
+              <a:rPr lang="en-CA" sz="1600" kern="0" spc="-170" dirty="0" err="1">
+                <a:latin typeface="Consolas" panose="020B0609020204030204" pitchFamily="49" charset="0"/>
+                <a:ea typeface="Menlo" panose="020B0609030804020204" pitchFamily="49" charset="0"/>
+                <a:cs typeface="Consolas" panose="020B0609020204030204" pitchFamily="49" charset="0"/>
+              </a:rPr>
+              <a:t>UnknownHostException</a:t>
+            </a:r>
+            <a:r>
+              <a:rPr lang="en-CA" sz="1600" kern="0" spc="-170" dirty="0">
+                <a:latin typeface="Consolas" panose="020B0609020204030204" pitchFamily="49" charset="0"/>
+                <a:ea typeface="Menlo" panose="020B0609030804020204" pitchFamily="49" charset="0"/>
+                <a:cs typeface="Consolas" panose="020B0609020204030204" pitchFamily="49" charset="0"/>
+              </a:rPr>
+              <a:t> </a:t>
+            </a:r>
+            <a:r>
+              <a:rPr lang="en-CA" sz="1600" kern="0" spc="-170" dirty="0">
+                <a:solidFill>
+                  <a:schemeClr val="tx1">
+                    <a:lumMod val="65000"/>
+                    <a:lumOff val="35000"/>
+                  </a:schemeClr>
+                </a:solidFill>
+                <a:latin typeface="Consolas" panose="020B0609020204030204" pitchFamily="49" charset="0"/>
+                <a:ea typeface="Menlo" panose="020B0609030804020204" pitchFamily="49" charset="0"/>
+                <a:cs typeface="Consolas" panose="020B0609020204030204" pitchFamily="49" charset="0"/>
+              </a:rPr>
+              <a:t>e</a:t>
+            </a:r>
+            <a:r>
+              <a:rPr lang="en-CA" sz="1600" kern="0" spc="-170" dirty="0">
+                <a:latin typeface="Consolas" panose="020B0609020204030204" pitchFamily="49" charset="0"/>
+                <a:ea typeface="Menlo" panose="020B0609030804020204" pitchFamily="49" charset="0"/>
+                <a:cs typeface="Consolas" panose="020B0609020204030204" pitchFamily="49" charset="0"/>
+              </a:rPr>
+              <a:t>) {</a:t>
+            </a:r>
+          </a:p>
+          <a:p>
+            <a:pPr>
+              <a:lnSpc>
+                <a:spcPct val="120000"/>
+              </a:lnSpc>
+            </a:pPr>
+            <a:r>
+              <a:rPr lang="en-CA" sz="1600" kern="0" spc="-170" dirty="0">
+                <a:latin typeface="Consolas" panose="020B0609020204030204" pitchFamily="49" charset="0"/>
+                <a:ea typeface="Menlo" panose="020B0609030804020204" pitchFamily="49" charset="0"/>
+                <a:cs typeface="Consolas" panose="020B0609020204030204" pitchFamily="49" charset="0"/>
+              </a:rPr>
+              <a:t>      </a:t>
+            </a:r>
+            <a:r>
+              <a:rPr lang="en-CA" sz="1600" kern="0" spc="-170" dirty="0" err="1">
+                <a:latin typeface="Consolas" panose="020B0609020204030204" pitchFamily="49" charset="0"/>
+                <a:ea typeface="Menlo" panose="020B0609030804020204" pitchFamily="49" charset="0"/>
+                <a:cs typeface="Consolas" panose="020B0609020204030204" pitchFamily="49" charset="0"/>
+              </a:rPr>
+              <a:t>e.printStackTrace</a:t>
+            </a:r>
+            <a:r>
+              <a:rPr lang="en-CA" sz="1600" kern="0" spc="-170" dirty="0">
+                <a:latin typeface="Consolas" panose="020B0609020204030204" pitchFamily="49" charset="0"/>
+                <a:ea typeface="Menlo" panose="020B0609030804020204" pitchFamily="49" charset="0"/>
+                <a:cs typeface="Consolas" panose="020B0609020204030204" pitchFamily="49" charset="0"/>
+              </a:rPr>
+              <a:t>();</a:t>
+            </a:r>
+          </a:p>
+          <a:p>
+            <a:pPr>
+              <a:lnSpc>
+                <a:spcPct val="120000"/>
+              </a:lnSpc>
+            </a:pPr>
+            <a:r>
+              <a:rPr lang="en-CA" sz="1600" kern="0" spc="-170" dirty="0">
+                <a:latin typeface="Consolas" panose="020B0609020204030204" pitchFamily="49" charset="0"/>
+                <a:ea typeface="Menlo" panose="020B0609030804020204" pitchFamily="49" charset="0"/>
+                <a:cs typeface="Consolas" panose="020B0609020204030204" pitchFamily="49" charset="0"/>
+              </a:rPr>
+              <a:t>    }</a:t>
+            </a:r>
+          </a:p>
+          <a:p>
+            <a:pPr>
+              <a:lnSpc>
+                <a:spcPct val="120000"/>
+              </a:lnSpc>
+            </a:pPr>
+            <a:r>
+              <a:rPr lang="en-CA" sz="1600" kern="0" spc="-170" dirty="0">
+                <a:latin typeface="Consolas" panose="020B0609020204030204" pitchFamily="49" charset="0"/>
+                <a:ea typeface="Menlo" panose="020B0609030804020204" pitchFamily="49" charset="0"/>
+                <a:cs typeface="Consolas" panose="020B0609020204030204" pitchFamily="49" charset="0"/>
+              </a:rPr>
+              <a:t>  }</a:t>
+            </a:r>
+          </a:p>
+          <a:p>
+            <a:pPr>
+              <a:lnSpc>
+                <a:spcPct val="120000"/>
+              </a:lnSpc>
+            </a:pPr>
+            <a:r>
+              <a:rPr lang="en-CA" sz="1600" kern="0" spc="-170" dirty="0">
+                <a:solidFill>
+                  <a:srgbClr val="7030A0"/>
+                </a:solidFill>
+                <a:latin typeface="Consolas" panose="020B0609020204030204" pitchFamily="49" charset="0"/>
+                <a:ea typeface="Menlo" panose="020B0609030804020204" pitchFamily="49" charset="0"/>
+                <a:cs typeface="Consolas" panose="020B0609020204030204" pitchFamily="49" charset="0"/>
+              </a:rPr>
+              <a:t>  return</a:t>
+            </a:r>
+            <a:r>
+              <a:rPr lang="en-CA" sz="1600" kern="0" spc="-170" dirty="0">
+                <a:latin typeface="Consolas" panose="020B0609020204030204" pitchFamily="49" charset="0"/>
+                <a:ea typeface="Menlo" panose="020B0609030804020204" pitchFamily="49" charset="0"/>
+                <a:cs typeface="Consolas" panose="020B0609020204030204" pitchFamily="49" charset="0"/>
+              </a:rPr>
+              <a:t> </a:t>
+            </a:r>
+            <a:r>
+              <a:rPr lang="en-CA" sz="1600" kern="0" spc="-170" dirty="0">
+                <a:solidFill>
+                  <a:schemeClr val="tx1">
+                    <a:lumMod val="65000"/>
+                    <a:lumOff val="35000"/>
+                  </a:schemeClr>
+                </a:solidFill>
+                <a:latin typeface="Consolas" panose="020B0609020204030204" pitchFamily="49" charset="0"/>
+                <a:ea typeface="Menlo" panose="020B0609030804020204" pitchFamily="49" charset="0"/>
+                <a:cs typeface="Consolas" panose="020B0609020204030204" pitchFamily="49" charset="0"/>
+              </a:rPr>
+              <a:t>addresses</a:t>
+            </a:r>
+            <a:r>
+              <a:rPr lang="en-CA" sz="1600" kern="0" spc="-170" dirty="0">
+                <a:latin typeface="Consolas" panose="020B0609020204030204" pitchFamily="49" charset="0"/>
+                <a:ea typeface="Menlo" panose="020B0609030804020204" pitchFamily="49" charset="0"/>
+                <a:cs typeface="Consolas" panose="020B0609020204030204" pitchFamily="49" charset="0"/>
+              </a:rPr>
+              <a:t>;</a:t>
+            </a:r>
+          </a:p>
+          <a:p>
+            <a:pPr>
+              <a:lnSpc>
+                <a:spcPct val="120000"/>
+              </a:lnSpc>
+            </a:pPr>
+            <a:r>
+              <a:rPr lang="en-CA" sz="1600" kern="0" spc="-170" dirty="0">
+                <a:latin typeface="Consolas" panose="020B0609020204030204" pitchFamily="49" charset="0"/>
+                <a:ea typeface="Menlo" panose="020B0609030804020204" pitchFamily="49" charset="0"/>
+                <a:cs typeface="Consolas" panose="020B0609020204030204" pitchFamily="49" charset="0"/>
+              </a:rPr>
+              <a:t>}</a:t>
+            </a:r>
+          </a:p>
+          <a:p>
+            <a:pPr>
+              <a:lnSpc>
+                <a:spcPct val="120000"/>
+              </a:lnSpc>
+            </a:pPr>
+            <a:endParaRPr lang="en-US" sz="1600" kern="0" spc="-170" dirty="0">
+              <a:latin typeface="Consolas" panose="020B0609020204030204" pitchFamily="49" charset="0"/>
+              <a:ea typeface="Menlo" panose="020B0609030804020204" pitchFamily="49" charset="0"/>
+              <a:cs typeface="Consolas" panose="020B0609020204030204" pitchFamily="49" charset="0"/>
+            </a:endParaRPr>
+          </a:p>
+        </p:txBody>
+      </p:sp>
+      <p:sp>
+        <p:nvSpPr>
+          <p:cNvPr id="5" name="TextBox 4">
+            <a:extLst>
+              <a:ext uri="{FF2B5EF4-FFF2-40B4-BE49-F238E27FC236}">
+                <a16:creationId xmlns:a16="http://schemas.microsoft.com/office/drawing/2014/main" id="{A1497D4C-8931-36C1-BA42-1E7440D8E29F}"/>
+              </a:ext>
+            </a:extLst>
+          </p:cNvPr>
+          <p:cNvSpPr txBox="1"/>
+          <p:nvPr/>
+        </p:nvSpPr>
+        <p:spPr>
+          <a:xfrm>
+            <a:off x="-295304" y="6307871"/>
+            <a:ext cx="6152028" cy="523220"/>
+          </a:xfrm>
+          <a:prstGeom prst="rect">
+            <a:avLst/>
+          </a:prstGeom>
+          <a:noFill/>
+        </p:spPr>
+        <p:txBody>
+          <a:bodyPr wrap="square">
+            <a:spAutoFit/>
+          </a:bodyPr>
+          <a:lstStyle/>
+          <a:p>
+            <a:pPr algn="ctr"/>
+            <a:r>
+              <a:rPr lang="en-BE" sz="2800" dirty="0"/>
+              <a:t>Extract Method detection rule</a:t>
+            </a:r>
+          </a:p>
+        </p:txBody>
+      </p:sp>
+    </p:spTree>
+    <p:extLst>
+      <p:ext uri="{BB962C8B-B14F-4D97-AF65-F5344CB8AC3E}">
+        <p14:creationId xmlns:p14="http://schemas.microsoft.com/office/powerpoint/2010/main" val="11247480"/>
+      </p:ext>
+    </p:extLst>
+  </p:cSld>
+  <p:clrMapOvr>
+    <a:masterClrMapping/>
+  </p:clrMapOvr>
+  <mc:AlternateContent xmlns:mc="http://schemas.openxmlformats.org/markup-compatibility/2006" xmlns:p14="http://schemas.microsoft.com/office/powerpoint/2010/main">
+    <mc:Choice Requires="p14">
+      <p:transition spd="med" p14:dur="700">
+        <p:fade/>
+      </p:transition>
+    </mc:Choice>
+    <mc:Fallback xmlns="">
+      <p:transition spd="med">
+        <p:fade/>
+      </p:transition>
+    </mc:Fallback>
+  </mc:AlternateContent>
+</p:sld>
+</file>
+
+<file path=ppt/slides/slide17.xml><?xml version="1.0" encoding="utf-8"?>
+<p:sld xmlns:a="http://schemas.openxmlformats.org/drawingml/2006/main" xmlns:r="http://schemas.openxmlformats.org/officeDocument/2006/relationships" xmlns:p="http://schemas.openxmlformats.org/presentationml/2006/main">
+  <p:cSld>
+    <p:spTree>
+      <p:nvGrpSpPr>
+        <p:cNvPr id="1" name=""/>
+        <p:cNvGrpSpPr/>
+        <p:nvPr/>
+      </p:nvGrpSpPr>
+      <p:grpSpPr>
+        <a:xfrm>
+          <a:off x="0" y="0"/>
+          <a:ext cx="0" cy="0"/>
+          <a:chOff x="0" y="0"/>
+          <a:chExt cx="0" cy="0"/>
+        </a:xfrm>
+      </p:grpSpPr>
+      <p:sp>
+        <p:nvSpPr>
+          <p:cNvPr id="4" name="Slide Number Placeholder 3">
+            <a:extLst>
+              <a:ext uri="{FF2B5EF4-FFF2-40B4-BE49-F238E27FC236}">
+                <a16:creationId xmlns:a16="http://schemas.microsoft.com/office/drawing/2014/main" id="{D5B35948-ACDA-A04A-943D-3575276C324C}"/>
+              </a:ext>
+            </a:extLst>
+          </p:cNvPr>
+          <p:cNvSpPr>
+            <a:spLocks noGrp="1"/>
+          </p:cNvSpPr>
+          <p:nvPr>
+            <p:ph type="sldNum" sz="quarter" idx="12"/>
+          </p:nvPr>
+        </p:nvSpPr>
+        <p:spPr/>
+        <p:txBody>
+          <a:bodyPr/>
+          <a:lstStyle/>
+          <a:p>
+            <a:fld id="{617A40BD-3997-BB4A-9AE7-14AF3A7E89A9}" type="slidenum">
+              <a:rPr lang="en-US" sz="1600" smtClean="0"/>
+              <a:t>17</a:t>
             </a:fld>
             <a:endParaRPr lang="en-US" sz="1600"/>
           </a:p>
@@ -14596,8 +14721,8 @@
 </p:sld>
 </file>
 
-<file path=ppt/slides/slide17.xml><?xml version="1.0" encoding="utf-8"?>
-<p:sld xmlns:a="http://schemas.openxmlformats.org/drawingml/2006/main" xmlns:r="http://schemas.openxmlformats.org/officeDocument/2006/relationships" xmlns:p="http://schemas.openxmlformats.org/presentationml/2006/main">
+<file path=ppt/slides/slide18.xml><?xml version="1.0" encoding="utf-8"?>
+<p:sld xmlns:a="http://schemas.openxmlformats.org/drawingml/2006/main" xmlns:r="http://schemas.openxmlformats.org/officeDocument/2006/relationships" xmlns:p="http://schemas.openxmlformats.org/presentationml/2006/main" show="0">
   <p:cSld>
     <p:spTree>
       <p:nvGrpSpPr>
@@ -14695,7 +14820,7 @@
           <a:p>
             <a:fld id="{617A40BD-3997-BB4A-9AE7-14AF3A7E89A9}" type="slidenum">
               <a:rPr lang="en-US" sz="1600" smtClean="0"/>
-              <a:t>17</a:t>
+              <a:t>18</a:t>
             </a:fld>
             <a:endParaRPr lang="en-US" sz="1600" dirty="0"/>
           </a:p>
@@ -16950,7 +17075,7 @@
 </p:sld>
 </file>
 
-<file path=ppt/slides/slide18.xml><?xml version="1.0" encoding="utf-8"?>
+<file path=ppt/slides/slide19.xml><?xml version="1.0" encoding="utf-8"?>
 <p:sld xmlns:a="http://schemas.openxmlformats.org/drawingml/2006/main" xmlns:r="http://schemas.openxmlformats.org/officeDocument/2006/relationships" xmlns:p="http://schemas.openxmlformats.org/presentationml/2006/main">
   <p:cSld>
     <p:spTree>
@@ -17049,7 +17174,7 @@
           <a:p>
             <a:fld id="{617A40BD-3997-BB4A-9AE7-14AF3A7E89A9}" type="slidenum">
               <a:rPr lang="en-US" sz="1600" smtClean="0"/>
-              <a:t>18</a:t>
+              <a:t>19</a:t>
             </a:fld>
             <a:endParaRPr lang="en-US" sz="1600"/>
           </a:p>
@@ -19736,7 +19861,133 @@
 </p:sld>
 </file>
 
-<file path=ppt/slides/slide19.xml><?xml version="1.0" encoding="utf-8"?>
+<file path=ppt/slides/slide2.xml><?xml version="1.0" encoding="utf-8"?>
+<p:sld xmlns:a="http://schemas.openxmlformats.org/drawingml/2006/main" xmlns:r="http://schemas.openxmlformats.org/officeDocument/2006/relationships" xmlns:p="http://schemas.openxmlformats.org/presentationml/2006/main">
+  <p:cSld>
+    <p:spTree>
+      <p:nvGrpSpPr>
+        <p:cNvPr id="1" name=""/>
+        <p:cNvGrpSpPr/>
+        <p:nvPr/>
+      </p:nvGrpSpPr>
+      <p:grpSpPr>
+        <a:xfrm>
+          <a:off x="0" y="0"/>
+          <a:ext cx="0" cy="0"/>
+          <a:chOff x="0" y="0"/>
+          <a:chExt cx="0" cy="0"/>
+        </a:xfrm>
+      </p:grpSpPr>
+      <p:sp>
+        <p:nvSpPr>
+          <p:cNvPr id="2" name="Title 1">
+            <a:extLst>
+              <a:ext uri="{FF2B5EF4-FFF2-40B4-BE49-F238E27FC236}">
+                <a16:creationId xmlns:a16="http://schemas.microsoft.com/office/drawing/2014/main" id="{2269383C-82ED-7C48-DA8E-774E05F81994}"/>
+              </a:ext>
+            </a:extLst>
+          </p:cNvPr>
+          <p:cNvSpPr>
+            <a:spLocks noGrp="1"/>
+          </p:cNvSpPr>
+          <p:nvPr>
+            <p:ph type="title"/>
+          </p:nvPr>
+        </p:nvSpPr>
+        <p:spPr>
+          <a:xfrm>
+            <a:off x="645460" y="910524"/>
+            <a:ext cx="10448364" cy="1325563"/>
+          </a:xfrm>
+        </p:spPr>
+        <p:txBody>
+          <a:bodyPr>
+            <a:noAutofit/>
+          </a:bodyPr>
+          <a:lstStyle/>
+          <a:p>
+            <a:pPr algn="ctr"/>
+            <a:r>
+              <a:rPr lang="en-GB" b="1" dirty="0"/>
+              <a:t>Refactoring</a:t>
+            </a:r>
+            <a:r>
+              <a:rPr lang="en-GB" dirty="0"/>
+              <a:t>: change the internal structure of a code without compromising its external behaviour</a:t>
+            </a:r>
+            <a:endParaRPr lang="en-BE" dirty="0"/>
+          </a:p>
+        </p:txBody>
+      </p:sp>
+      <p:sp>
+        <p:nvSpPr>
+          <p:cNvPr id="4" name="TextBox 3">
+            <a:extLst>
+              <a:ext uri="{FF2B5EF4-FFF2-40B4-BE49-F238E27FC236}">
+                <a16:creationId xmlns:a16="http://schemas.microsoft.com/office/drawing/2014/main" id="{4D8902DC-C912-3B69-68A8-3D629136BA04}"/>
+              </a:ext>
+            </a:extLst>
+          </p:cNvPr>
+          <p:cNvSpPr txBox="1"/>
+          <p:nvPr/>
+        </p:nvSpPr>
+        <p:spPr>
+          <a:xfrm>
+            <a:off x="1143000" y="3644153"/>
+            <a:ext cx="10165976" cy="1446550"/>
+          </a:xfrm>
+          <a:prstGeom prst="rect">
+            <a:avLst/>
+          </a:prstGeom>
+          <a:noFill/>
+        </p:spPr>
+        <p:txBody>
+          <a:bodyPr wrap="square" rtlCol="0">
+            <a:spAutoFit/>
+          </a:bodyPr>
+          <a:lstStyle/>
+          <a:p>
+            <a:r>
+              <a:rPr lang="en-BE" sz="3200" dirty="0"/>
+              <a:t>Refactorings can be looked at in two ways:</a:t>
+            </a:r>
+          </a:p>
+          <a:p>
+            <a:pPr marL="514350" indent="-514350">
+              <a:buFont typeface="+mj-lt"/>
+              <a:buAutoNum type="arabicPeriod"/>
+            </a:pPr>
+            <a:r>
+              <a:rPr lang="en-BE" sz="2800" dirty="0"/>
+              <a:t>How to identify refactoring targets</a:t>
+            </a:r>
+          </a:p>
+          <a:p>
+            <a:pPr marL="514350" indent="-514350">
+              <a:buFont typeface="+mj-lt"/>
+              <a:buAutoNum type="arabicPeriod"/>
+            </a:pPr>
+            <a:r>
+              <a:rPr lang="en-BE" sz="2800" dirty="0"/>
+              <a:t>How to detect applied refactorings</a:t>
+            </a:r>
+          </a:p>
+        </p:txBody>
+      </p:sp>
+    </p:spTree>
+    <p:extLst>
+      <p:ext uri="{BB962C8B-B14F-4D97-AF65-F5344CB8AC3E}">
+        <p14:creationId xmlns:p14="http://schemas.microsoft.com/office/powerpoint/2010/main" val="3259904092"/>
+      </p:ext>
+    </p:extLst>
+  </p:cSld>
+  <p:clrMapOvr>
+    <a:masterClrMapping/>
+  </p:clrMapOvr>
+</p:sld>
+</file>
+
+<file path=ppt/slides/slide20.xml><?xml version="1.0" encoding="utf-8"?>
 <p:sld xmlns:a="http://schemas.openxmlformats.org/drawingml/2006/main" xmlns:r="http://schemas.openxmlformats.org/officeDocument/2006/relationships" xmlns:p="http://schemas.openxmlformats.org/presentationml/2006/main">
   <p:cSld>
     <p:spTree>
@@ -19835,7 +20086,7 @@
           <a:p>
             <a:fld id="{617A40BD-3997-BB4A-9AE7-14AF3A7E89A9}" type="slidenum">
               <a:rPr lang="en-US" sz="1600" smtClean="0"/>
-              <a:t>19</a:t>
+              <a:t>20</a:t>
             </a:fld>
             <a:endParaRPr lang="en-US" sz="1600"/>
           </a:p>
@@ -22733,6 +22984,64 @@
           </a:p>
         </p:txBody>
       </p:sp>
+      <p:sp>
+        <p:nvSpPr>
+          <p:cNvPr id="8" name="TextBox 7">
+            <a:extLst>
+              <a:ext uri="{FF2B5EF4-FFF2-40B4-BE49-F238E27FC236}">
+                <a16:creationId xmlns:a16="http://schemas.microsoft.com/office/drawing/2014/main" id="{6A60FEB0-B20A-A8B4-B35E-35E48AD3FEB3}"/>
+              </a:ext>
+            </a:extLst>
+          </p:cNvPr>
+          <p:cNvSpPr txBox="1"/>
+          <p:nvPr/>
+        </p:nvSpPr>
+        <p:spPr>
+          <a:xfrm>
+            <a:off x="8464203" y="4699168"/>
+            <a:ext cx="3788757" cy="276999"/>
+          </a:xfrm>
+          <a:prstGeom prst="rect">
+            <a:avLst/>
+          </a:prstGeom>
+          <a:noFill/>
+        </p:spPr>
+        <p:txBody>
+          <a:bodyPr wrap="square" rtlCol="0">
+            <a:spAutoFit/>
+          </a:bodyPr>
+          <a:lstStyle/>
+          <a:p>
+            <a:r>
+              <a:rPr lang="en-US" sz="1200" dirty="0">
+                <a:solidFill>
+                  <a:schemeClr val="bg1">
+                    <a:lumMod val="50000"/>
+                  </a:schemeClr>
+                </a:solidFill>
+              </a:rPr>
+              <a:t># </a:t>
+            </a:r>
+            <a:r>
+              <a:rPr lang="en-GB" sz="1200" dirty="0">
+                <a:solidFill>
+                  <a:schemeClr val="bg1">
+                    <a:lumMod val="50000"/>
+                  </a:schemeClr>
+                </a:solidFill>
+              </a:rPr>
+              <a:t>appears as a return statement in the extracted method.</a:t>
+            </a:r>
+            <a:endParaRPr lang="en-US" sz="1200" dirty="0">
+              <a:solidFill>
+                <a:schemeClr val="bg1">
+                  <a:lumMod val="50000"/>
+                </a:schemeClr>
+              </a:solidFill>
+            </a:endParaRPr>
+          </a:p>
+        </p:txBody>
+      </p:sp>
     </p:spTree>
     <p:extLst>
       <p:ext uri="{BB962C8B-B14F-4D97-AF65-F5344CB8AC3E}">
@@ -22758,133 +23067,7 @@
 </p:sld>
 </file>
 
-<file path=ppt/slides/slide2.xml><?xml version="1.0" encoding="utf-8"?>
-<p:sld xmlns:a="http://schemas.openxmlformats.org/drawingml/2006/main" xmlns:r="http://schemas.openxmlformats.org/officeDocument/2006/relationships" xmlns:p="http://schemas.openxmlformats.org/presentationml/2006/main">
-  <p:cSld>
-    <p:spTree>
-      <p:nvGrpSpPr>
-        <p:cNvPr id="1" name=""/>
-        <p:cNvGrpSpPr/>
-        <p:nvPr/>
-      </p:nvGrpSpPr>
-      <p:grpSpPr>
-        <a:xfrm>
-          <a:off x="0" y="0"/>
-          <a:ext cx="0" cy="0"/>
-          <a:chOff x="0" y="0"/>
-          <a:chExt cx="0" cy="0"/>
-        </a:xfrm>
-      </p:grpSpPr>
-      <p:sp>
-        <p:nvSpPr>
-          <p:cNvPr id="2" name="Title 1">
-            <a:extLst>
-              <a:ext uri="{FF2B5EF4-FFF2-40B4-BE49-F238E27FC236}">
-                <a16:creationId xmlns:a16="http://schemas.microsoft.com/office/drawing/2014/main" id="{2269383C-82ED-7C48-DA8E-774E05F81994}"/>
-              </a:ext>
-            </a:extLst>
-          </p:cNvPr>
-          <p:cNvSpPr>
-            <a:spLocks noGrp="1"/>
-          </p:cNvSpPr>
-          <p:nvPr>
-            <p:ph type="title"/>
-          </p:nvPr>
-        </p:nvSpPr>
-        <p:spPr>
-          <a:xfrm>
-            <a:off x="645460" y="910524"/>
-            <a:ext cx="10448364" cy="1325563"/>
-          </a:xfrm>
-        </p:spPr>
-        <p:txBody>
-          <a:bodyPr>
-            <a:noAutofit/>
-          </a:bodyPr>
-          <a:lstStyle/>
-          <a:p>
-            <a:pPr algn="ctr"/>
-            <a:r>
-              <a:rPr lang="en-GB" b="1" dirty="0"/>
-              <a:t>Refactoring</a:t>
-            </a:r>
-            <a:r>
-              <a:rPr lang="en-GB" dirty="0"/>
-              <a:t>: change the internal structure of a code without compromising its external behaviour</a:t>
-            </a:r>
-            <a:endParaRPr lang="en-BE" dirty="0"/>
-          </a:p>
-        </p:txBody>
-      </p:sp>
-      <p:sp>
-        <p:nvSpPr>
-          <p:cNvPr id="4" name="TextBox 3">
-            <a:extLst>
-              <a:ext uri="{FF2B5EF4-FFF2-40B4-BE49-F238E27FC236}">
-                <a16:creationId xmlns:a16="http://schemas.microsoft.com/office/drawing/2014/main" id="{4D8902DC-C912-3B69-68A8-3D629136BA04}"/>
-              </a:ext>
-            </a:extLst>
-          </p:cNvPr>
-          <p:cNvSpPr txBox="1"/>
-          <p:nvPr/>
-        </p:nvSpPr>
-        <p:spPr>
-          <a:xfrm>
-            <a:off x="1143000" y="3644153"/>
-            <a:ext cx="10165976" cy="1446550"/>
-          </a:xfrm>
-          <a:prstGeom prst="rect">
-            <a:avLst/>
-          </a:prstGeom>
-          <a:noFill/>
-        </p:spPr>
-        <p:txBody>
-          <a:bodyPr wrap="square" rtlCol="0">
-            <a:spAutoFit/>
-          </a:bodyPr>
-          <a:lstStyle/>
-          <a:p>
-            <a:r>
-              <a:rPr lang="en-BE" sz="3200" dirty="0"/>
-              <a:t>Refactorings can be looked at in two ways:</a:t>
-            </a:r>
-          </a:p>
-          <a:p>
-            <a:pPr marL="514350" indent="-514350">
-              <a:buFont typeface="+mj-lt"/>
-              <a:buAutoNum type="arabicPeriod"/>
-            </a:pPr>
-            <a:r>
-              <a:rPr lang="en-BE" sz="2800" dirty="0"/>
-              <a:t>How to identify refactoring targets</a:t>
-            </a:r>
-          </a:p>
-          <a:p>
-            <a:pPr marL="514350" indent="-514350">
-              <a:buFont typeface="+mj-lt"/>
-              <a:buAutoNum type="arabicPeriod"/>
-            </a:pPr>
-            <a:r>
-              <a:rPr lang="en-BE" sz="2800" dirty="0"/>
-              <a:t>How to detect applied refactorings</a:t>
-            </a:r>
-          </a:p>
-        </p:txBody>
-      </p:sp>
-    </p:spTree>
-    <p:extLst>
-      <p:ext uri="{BB962C8B-B14F-4D97-AF65-F5344CB8AC3E}">
-        <p14:creationId xmlns:p14="http://schemas.microsoft.com/office/powerpoint/2010/main" val="3259904092"/>
-      </p:ext>
-    </p:extLst>
-  </p:cSld>
-  <p:clrMapOvr>
-    <a:masterClrMapping/>
-  </p:clrMapOvr>
-</p:sld>
-</file>
-
-<file path=ppt/slides/slide20.xml><?xml version="1.0" encoding="utf-8"?>
+<file path=ppt/slides/slide21.xml><?xml version="1.0" encoding="utf-8"?>
 <p:sld xmlns:a="http://schemas.openxmlformats.org/drawingml/2006/main" xmlns:r="http://schemas.openxmlformats.org/officeDocument/2006/relationships" xmlns:p="http://schemas.openxmlformats.org/presentationml/2006/main">
   <p:cSld>
     <p:spTree>
@@ -22983,7 +23166,7 @@
           <a:p>
             <a:fld id="{617A40BD-3997-BB4A-9AE7-14AF3A7E89A9}" type="slidenum">
               <a:rPr lang="en-US" sz="1600" smtClean="0"/>
-              <a:t>20</a:t>
+              <a:t>21</a:t>
             </a:fld>
             <a:endParaRPr lang="en-US" sz="1600"/>
           </a:p>
@@ -27063,7 +27246,7 @@
 </p:sld>
 </file>
 
-<file path=ppt/slides/slide21.xml><?xml version="1.0" encoding="utf-8"?>
+<file path=ppt/slides/slide22.xml><?xml version="1.0" encoding="utf-8"?>
 <p:sld xmlns:a="http://schemas.openxmlformats.org/drawingml/2006/main" xmlns:r="http://schemas.openxmlformats.org/officeDocument/2006/relationships" xmlns:p="http://schemas.openxmlformats.org/presentationml/2006/main">
   <p:cSld>
     <p:spTree>
@@ -27162,7 +27345,7 @@
           <a:p>
             <a:fld id="{617A40BD-3997-BB4A-9AE7-14AF3A7E89A9}" type="slidenum">
               <a:rPr lang="en-US" sz="1600" smtClean="0"/>
-              <a:t>21</a:t>
+              <a:t>22</a:t>
             </a:fld>
             <a:endParaRPr lang="en-US" sz="1600"/>
           </a:p>
@@ -30323,7 +30506,7 @@
 </p:sld>
 </file>
 
-<file path=ppt/slides/slide22.xml><?xml version="1.0" encoding="utf-8"?>
+<file path=ppt/slides/slide23.xml><?xml version="1.0" encoding="utf-8"?>
 <p:sld xmlns:a="http://schemas.openxmlformats.org/drawingml/2006/main" xmlns:r="http://schemas.openxmlformats.org/officeDocument/2006/relationships" xmlns:p="http://schemas.openxmlformats.org/presentationml/2006/main">
   <p:cSld>
     <p:spTree>
@@ -30422,7 +30605,7 @@
           <a:p>
             <a:fld id="{617A40BD-3997-BB4A-9AE7-14AF3A7E89A9}" type="slidenum">
               <a:rPr lang="en-US" sz="1600" smtClean="0"/>
-              <a:t>22</a:t>
+              <a:t>23</a:t>
             </a:fld>
             <a:endParaRPr lang="en-US" sz="1600"/>
           </a:p>
@@ -33635,7 +33818,7 @@
 </p:sld>
 </file>
 
-<file path=ppt/slides/slide23.xml><?xml version="1.0" encoding="utf-8"?>
+<file path=ppt/slides/slide24.xml><?xml version="1.0" encoding="utf-8"?>
 <p:sld xmlns:a="http://schemas.openxmlformats.org/drawingml/2006/main" xmlns:r="http://schemas.openxmlformats.org/officeDocument/2006/relationships" xmlns:p="http://schemas.openxmlformats.org/presentationml/2006/main">
   <p:cSld>
     <p:spTree>
@@ -33734,7 +33917,7 @@
           <a:p>
             <a:fld id="{617A40BD-3997-BB4A-9AE7-14AF3A7E89A9}" type="slidenum">
               <a:rPr lang="en-US" sz="1600" smtClean="0"/>
-              <a:t>23</a:t>
+              <a:t>24</a:t>
             </a:fld>
             <a:endParaRPr lang="en-US" sz="1600" dirty="0"/>
           </a:p>
@@ -36730,7 +36913,7 @@
 </p:sld>
 </file>
 
-<file path=ppt/slides/slide24.xml><?xml version="1.0" encoding="utf-8"?>
+<file path=ppt/slides/slide25.xml><?xml version="1.0" encoding="utf-8"?>
 <p:sld xmlns:a="http://schemas.openxmlformats.org/drawingml/2006/main" xmlns:r="http://schemas.openxmlformats.org/officeDocument/2006/relationships" xmlns:p="http://schemas.openxmlformats.org/presentationml/2006/main">
   <p:cSld>
     <p:spTree>
@@ -36829,7 +37012,7 @@
           <a:p>
             <a:fld id="{617A40BD-3997-BB4A-9AE7-14AF3A7E89A9}" type="slidenum">
               <a:rPr lang="en-US" sz="1600" smtClean="0"/>
-              <a:t>24</a:t>
+              <a:t>25</a:t>
             </a:fld>
             <a:endParaRPr lang="en-US" sz="1600" dirty="0"/>
           </a:p>
@@ -39867,7 +40050,7 @@
 </p:sld>
 </file>
 
-<file path=ppt/slides/slide25.xml><?xml version="1.0" encoding="utf-8"?>
+<file path=ppt/slides/slide26.xml><?xml version="1.0" encoding="utf-8"?>
 <p:sld xmlns:a="http://schemas.openxmlformats.org/drawingml/2006/main" xmlns:r="http://schemas.openxmlformats.org/officeDocument/2006/relationships" xmlns:p="http://schemas.openxmlformats.org/presentationml/2006/main">
   <p:cSld>
     <p:spTree>
@@ -39907,7 +40090,7 @@
           <a:p>
             <a:fld id="{617A40BD-3997-BB4A-9AE7-14AF3A7E89A9}" type="slidenum">
               <a:rPr lang="en-US" sz="1600" smtClean="0"/>
-              <a:t>25</a:t>
+              <a:t>26</a:t>
             </a:fld>
             <a:endParaRPr lang="en-US" sz="1600"/>
           </a:p>
@@ -43907,7 +44090,7 @@
 </p:sld>
 </file>
 
-<file path=ppt/slides/slide26.xml><?xml version="1.0" encoding="utf-8"?>
+<file path=ppt/slides/slide27.xml><?xml version="1.0" encoding="utf-8"?>
 <p:sld xmlns:a="http://schemas.openxmlformats.org/drawingml/2006/main" xmlns:r="http://schemas.openxmlformats.org/officeDocument/2006/relationships" xmlns:p="http://schemas.openxmlformats.org/presentationml/2006/main">
   <p:cSld>
     <p:spTree>
@@ -44628,7 +44811,7 @@
 </p:sld>
 </file>
 
-<file path=ppt/slides/slide27.xml><?xml version="1.0" encoding="utf-8"?>
+<file path=ppt/slides/slide28.xml><?xml version="1.0" encoding="utf-8"?>
 <p:sld xmlns:a="http://schemas.openxmlformats.org/drawingml/2006/main" xmlns:r="http://schemas.openxmlformats.org/officeDocument/2006/relationships" xmlns:p="http://schemas.openxmlformats.org/presentationml/2006/main">
   <p:cSld>
     <p:spTree>
